--- a/MARKERI.pptx
+++ b/MARKERI.pptx
@@ -270,7 +270,7 @@
           <a:p>
             <a:fld id="{A5771A92-F373-4FC3-BE46-DBBC02F9E8C6}" type="datetimeFigureOut">
               <a:rPr lang="sr-Latn-RS" smtClean="0"/>
-              <a:t>1.8.2017.</a:t>
+              <a:t>2.8.2017.</a:t>
             </a:fld>
             <a:endParaRPr lang="sr-Latn-RS"/>
           </a:p>
@@ -340,9 +340,18 @@
   <p:clrMapOvr>
     <a:masterClrMapping/>
   </p:clrMapOvr>
-  <p:transition spd="med">
-    <p:pull/>
-  </p:transition>
+  <mc:AlternateContent xmlns:mc="http://schemas.openxmlformats.org/markup-compatibility/2006">
+    <mc:Choice xmlns:p14="http://schemas.microsoft.com/office/powerpoint/2010/main" Requires="p14">
+      <p:transition spd="slow" p14:dur="1300">
+        <p14:pan/>
+      </p:transition>
+    </mc:Choice>
+    <mc:Fallback>
+      <p:transition spd="slow">
+        <p:fade/>
+      </p:transition>
+    </mc:Fallback>
+  </mc:AlternateContent>
 </p:sldLayout>
 </file>
 
@@ -473,7 +482,7 @@
           <a:p>
             <a:fld id="{A5771A92-F373-4FC3-BE46-DBBC02F9E8C6}" type="datetimeFigureOut">
               <a:rPr lang="sr-Latn-RS" smtClean="0"/>
-              <a:t>1.8.2017.</a:t>
+              <a:t>2.8.2017.</a:t>
             </a:fld>
             <a:endParaRPr lang="sr-Latn-RS"/>
           </a:p>
@@ -543,9 +552,18 @@
   <p:clrMapOvr>
     <a:masterClrMapping/>
   </p:clrMapOvr>
-  <p:transition spd="med">
-    <p:pull/>
-  </p:transition>
+  <mc:AlternateContent xmlns:mc="http://schemas.openxmlformats.org/markup-compatibility/2006">
+    <mc:Choice xmlns:p14="http://schemas.microsoft.com/office/powerpoint/2010/main" Requires="p14">
+      <p:transition spd="slow" p14:dur="1300">
+        <p14:pan/>
+      </p:transition>
+    </mc:Choice>
+    <mc:Fallback>
+      <p:transition spd="slow">
+        <p:fade/>
+      </p:transition>
+    </mc:Fallback>
+  </mc:AlternateContent>
 </p:sldLayout>
 </file>
 
@@ -686,7 +704,7 @@
           <a:p>
             <a:fld id="{A5771A92-F373-4FC3-BE46-DBBC02F9E8C6}" type="datetimeFigureOut">
               <a:rPr lang="sr-Latn-RS" smtClean="0"/>
-              <a:t>1.8.2017.</a:t>
+              <a:t>2.8.2017.</a:t>
             </a:fld>
             <a:endParaRPr lang="sr-Latn-RS"/>
           </a:p>
@@ -756,9 +774,18 @@
   <p:clrMapOvr>
     <a:masterClrMapping/>
   </p:clrMapOvr>
-  <p:transition spd="med">
-    <p:pull/>
-  </p:transition>
+  <mc:AlternateContent xmlns:mc="http://schemas.openxmlformats.org/markup-compatibility/2006">
+    <mc:Choice xmlns:p14="http://schemas.microsoft.com/office/powerpoint/2010/main" Requires="p14">
+      <p:transition spd="slow" p14:dur="1300">
+        <p14:pan/>
+      </p:transition>
+    </mc:Choice>
+    <mc:Fallback>
+      <p:transition spd="slow">
+        <p:fade/>
+      </p:transition>
+    </mc:Fallback>
+  </mc:AlternateContent>
 </p:sldLayout>
 </file>
 
@@ -889,7 +916,7 @@
           <a:p>
             <a:fld id="{A5771A92-F373-4FC3-BE46-DBBC02F9E8C6}" type="datetimeFigureOut">
               <a:rPr lang="sr-Latn-RS" smtClean="0"/>
-              <a:t>1.8.2017.</a:t>
+              <a:t>2.8.2017.</a:t>
             </a:fld>
             <a:endParaRPr lang="sr-Latn-RS"/>
           </a:p>
@@ -959,9 +986,18 @@
   <p:clrMapOvr>
     <a:masterClrMapping/>
   </p:clrMapOvr>
-  <p:transition spd="med">
-    <p:pull/>
-  </p:transition>
+  <mc:AlternateContent xmlns:mc="http://schemas.openxmlformats.org/markup-compatibility/2006">
+    <mc:Choice xmlns:p14="http://schemas.microsoft.com/office/powerpoint/2010/main" Requires="p14">
+      <p:transition spd="slow" p14:dur="1300">
+        <p14:pan/>
+      </p:transition>
+    </mc:Choice>
+    <mc:Fallback>
+      <p:transition spd="slow">
+        <p:fade/>
+      </p:transition>
+    </mc:Fallback>
+  </mc:AlternateContent>
 </p:sldLayout>
 </file>
 
@@ -1168,7 +1204,7 @@
           <a:p>
             <a:fld id="{A5771A92-F373-4FC3-BE46-DBBC02F9E8C6}" type="datetimeFigureOut">
               <a:rPr lang="sr-Latn-RS" smtClean="0"/>
-              <a:t>1.8.2017.</a:t>
+              <a:t>2.8.2017.</a:t>
             </a:fld>
             <a:endParaRPr lang="sr-Latn-RS"/>
           </a:p>
@@ -1238,9 +1274,18 @@
   <p:clrMapOvr>
     <a:masterClrMapping/>
   </p:clrMapOvr>
-  <p:transition spd="med">
-    <p:pull/>
-  </p:transition>
+  <mc:AlternateContent xmlns:mc="http://schemas.openxmlformats.org/markup-compatibility/2006">
+    <mc:Choice xmlns:p14="http://schemas.microsoft.com/office/powerpoint/2010/main" Requires="p14">
+      <p:transition spd="slow" p14:dur="1300">
+        <p14:pan/>
+      </p:transition>
+    </mc:Choice>
+    <mc:Fallback>
+      <p:transition spd="slow">
+        <p:fade/>
+      </p:transition>
+    </mc:Fallback>
+  </mc:AlternateContent>
 </p:sldLayout>
 </file>
 
@@ -1439,7 +1484,7 @@
           <a:p>
             <a:fld id="{A5771A92-F373-4FC3-BE46-DBBC02F9E8C6}" type="datetimeFigureOut">
               <a:rPr lang="sr-Latn-RS" smtClean="0"/>
-              <a:t>1.8.2017.</a:t>
+              <a:t>2.8.2017.</a:t>
             </a:fld>
             <a:endParaRPr lang="sr-Latn-RS"/>
           </a:p>
@@ -1509,9 +1554,18 @@
   <p:clrMapOvr>
     <a:masterClrMapping/>
   </p:clrMapOvr>
-  <p:transition spd="med">
-    <p:pull/>
-  </p:transition>
+  <mc:AlternateContent xmlns:mc="http://schemas.openxmlformats.org/markup-compatibility/2006">
+    <mc:Choice xmlns:p14="http://schemas.microsoft.com/office/powerpoint/2010/main" Requires="p14">
+      <p:transition spd="slow" p14:dur="1300">
+        <p14:pan/>
+      </p:transition>
+    </mc:Choice>
+    <mc:Fallback>
+      <p:transition spd="slow">
+        <p:fade/>
+      </p:transition>
+    </mc:Fallback>
+  </mc:AlternateContent>
 </p:sldLayout>
 </file>
 
@@ -1857,7 +1911,7 @@
           <a:p>
             <a:fld id="{A5771A92-F373-4FC3-BE46-DBBC02F9E8C6}" type="datetimeFigureOut">
               <a:rPr lang="sr-Latn-RS" smtClean="0"/>
-              <a:t>1.8.2017.</a:t>
+              <a:t>2.8.2017.</a:t>
             </a:fld>
             <a:endParaRPr lang="sr-Latn-RS"/>
           </a:p>
@@ -1927,9 +1981,18 @@
   <p:clrMapOvr>
     <a:masterClrMapping/>
   </p:clrMapOvr>
-  <p:transition spd="med">
-    <p:pull/>
-  </p:transition>
+  <mc:AlternateContent xmlns:mc="http://schemas.openxmlformats.org/markup-compatibility/2006">
+    <mc:Choice xmlns:p14="http://schemas.microsoft.com/office/powerpoint/2010/main" Requires="p14">
+      <p:transition spd="slow" p14:dur="1300">
+        <p14:pan/>
+      </p:transition>
+    </mc:Choice>
+    <mc:Fallback>
+      <p:transition spd="slow">
+        <p:fade/>
+      </p:transition>
+    </mc:Fallback>
+  </mc:AlternateContent>
 </p:sldLayout>
 </file>
 
@@ -2002,7 +2065,7 @@
           <a:p>
             <a:fld id="{A5771A92-F373-4FC3-BE46-DBBC02F9E8C6}" type="datetimeFigureOut">
               <a:rPr lang="sr-Latn-RS" smtClean="0"/>
-              <a:t>1.8.2017.</a:t>
+              <a:t>2.8.2017.</a:t>
             </a:fld>
             <a:endParaRPr lang="sr-Latn-RS"/>
           </a:p>
@@ -2072,9 +2135,18 @@
   <p:clrMapOvr>
     <a:masterClrMapping/>
   </p:clrMapOvr>
-  <p:transition spd="med">
-    <p:pull/>
-  </p:transition>
+  <mc:AlternateContent xmlns:mc="http://schemas.openxmlformats.org/markup-compatibility/2006">
+    <mc:Choice xmlns:p14="http://schemas.microsoft.com/office/powerpoint/2010/main" Requires="p14">
+      <p:transition spd="slow" p14:dur="1300">
+        <p14:pan/>
+      </p:transition>
+    </mc:Choice>
+    <mc:Fallback>
+      <p:transition spd="slow">
+        <p:fade/>
+      </p:transition>
+    </mc:Fallback>
+  </mc:AlternateContent>
 </p:sldLayout>
 </file>
 
@@ -2118,7 +2190,7 @@
           <a:p>
             <a:fld id="{A5771A92-F373-4FC3-BE46-DBBC02F9E8C6}" type="datetimeFigureOut">
               <a:rPr lang="sr-Latn-RS" smtClean="0"/>
-              <a:t>1.8.2017.</a:t>
+              <a:t>2.8.2017.</a:t>
             </a:fld>
             <a:endParaRPr lang="sr-Latn-RS"/>
           </a:p>
@@ -2188,9 +2260,18 @@
   <p:clrMapOvr>
     <a:masterClrMapping/>
   </p:clrMapOvr>
-  <p:transition spd="med">
-    <p:pull/>
-  </p:transition>
+  <mc:AlternateContent xmlns:mc="http://schemas.openxmlformats.org/markup-compatibility/2006">
+    <mc:Choice xmlns:p14="http://schemas.microsoft.com/office/powerpoint/2010/main" Requires="p14">
+      <p:transition spd="slow" p14:dur="1300">
+        <p14:pan/>
+      </p:transition>
+    </mc:Choice>
+    <mc:Fallback>
+      <p:transition spd="slow">
+        <p:fade/>
+      </p:transition>
+    </mc:Fallback>
+  </mc:AlternateContent>
 </p:sldLayout>
 </file>
 
@@ -2434,7 +2515,7 @@
           <a:p>
             <a:fld id="{A5771A92-F373-4FC3-BE46-DBBC02F9E8C6}" type="datetimeFigureOut">
               <a:rPr lang="sr-Latn-RS" smtClean="0"/>
-              <a:t>1.8.2017.</a:t>
+              <a:t>2.8.2017.</a:t>
             </a:fld>
             <a:endParaRPr lang="sr-Latn-RS"/>
           </a:p>
@@ -2504,9 +2585,18 @@
   <p:clrMapOvr>
     <a:masterClrMapping/>
   </p:clrMapOvr>
-  <p:transition spd="med">
-    <p:pull/>
-  </p:transition>
+  <mc:AlternateContent xmlns:mc="http://schemas.openxmlformats.org/markup-compatibility/2006">
+    <mc:Choice xmlns:p14="http://schemas.microsoft.com/office/powerpoint/2010/main" Requires="p14">
+      <p:transition spd="slow" p14:dur="1300">
+        <p14:pan/>
+      </p:transition>
+    </mc:Choice>
+    <mc:Fallback>
+      <p:transition spd="slow">
+        <p:fade/>
+      </p:transition>
+    </mc:Fallback>
+  </mc:AlternateContent>
 </p:sldLayout>
 </file>
 
@@ -2726,7 +2816,7 @@
           <a:p>
             <a:fld id="{A5771A92-F373-4FC3-BE46-DBBC02F9E8C6}" type="datetimeFigureOut">
               <a:rPr lang="sr-Latn-RS" smtClean="0"/>
-              <a:t>1.8.2017.</a:t>
+              <a:t>2.8.2017.</a:t>
             </a:fld>
             <a:endParaRPr lang="sr-Latn-RS"/>
           </a:p>
@@ -2796,9 +2886,18 @@
   <p:clrMapOvr>
     <a:masterClrMapping/>
   </p:clrMapOvr>
-  <p:transition spd="med">
-    <p:pull/>
-  </p:transition>
+  <mc:AlternateContent xmlns:mc="http://schemas.openxmlformats.org/markup-compatibility/2006">
+    <mc:Choice xmlns:p14="http://schemas.microsoft.com/office/powerpoint/2010/main" Requires="p14">
+      <p:transition spd="slow" p14:dur="1300">
+        <p14:pan/>
+      </p:transition>
+    </mc:Choice>
+    <mc:Fallback>
+      <p:transition spd="slow">
+        <p:fade/>
+      </p:transition>
+    </mc:Fallback>
+  </mc:AlternateContent>
 </p:sldLayout>
 </file>
 
@@ -2972,7 +3071,7 @@
           <a:p>
             <a:fld id="{A5771A92-F373-4FC3-BE46-DBBC02F9E8C6}" type="datetimeFigureOut">
               <a:rPr lang="sr-Latn-RS" smtClean="0"/>
-              <a:t>1.8.2017.</a:t>
+              <a:t>2.8.2017.</a:t>
             </a:fld>
             <a:endParaRPr lang="sr-Latn-RS"/>
           </a:p>
@@ -3089,9 +3188,18 @@
     <p:sldLayoutId id="2147483658" r:id="rId10"/>
     <p:sldLayoutId id="2147483659" r:id="rId11"/>
   </p:sldLayoutIdLst>
-  <p:transition spd="med">
-    <p:pull/>
-  </p:transition>
+  <mc:AlternateContent xmlns:mc="http://schemas.openxmlformats.org/markup-compatibility/2006">
+    <mc:Choice xmlns:p14="http://schemas.microsoft.com/office/powerpoint/2010/main" Requires="p14">
+      <p:transition spd="slow" p14:dur="1300">
+        <p14:pan/>
+      </p:transition>
+    </mc:Choice>
+    <mc:Fallback>
+      <p:transition spd="slow">
+        <p:fade/>
+      </p:transition>
+    </mc:Fallback>
+  </mc:AlternateContent>
   <p:txStyles>
     <p:titleStyle>
       <a:lvl1pPr algn="l" defTabSz="914400" rtl="0" eaLnBrk="1" latinLnBrk="0" hangingPunct="1">
@@ -4774,9 +4882,18 @@
   <p:clrMapOvr>
     <a:masterClrMapping/>
   </p:clrMapOvr>
-  <p:transition spd="med">
-    <p:pull/>
-  </p:transition>
+  <mc:AlternateContent xmlns:mc="http://schemas.openxmlformats.org/markup-compatibility/2006">
+    <mc:Choice xmlns:p14="http://schemas.microsoft.com/office/powerpoint/2010/main" Requires="p14">
+      <p:transition spd="slow" p14:dur="1300">
+        <p14:pan/>
+      </p:transition>
+    </mc:Choice>
+    <mc:Fallback>
+      <p:transition spd="slow">
+        <p:fade/>
+      </p:transition>
+    </mc:Fallback>
+  </mc:AlternateContent>
 </p:sld>
 </file>
 
@@ -5179,9 +5296,18 @@
   <p:clrMapOvr>
     <a:masterClrMapping/>
   </p:clrMapOvr>
-  <p:transition spd="med">
-    <p:pull/>
-  </p:transition>
+  <mc:AlternateContent xmlns:mc="http://schemas.openxmlformats.org/markup-compatibility/2006">
+    <mc:Choice xmlns:p14="http://schemas.microsoft.com/office/powerpoint/2010/main" Requires="p14">
+      <p:transition spd="slow" p14:dur="1300">
+        <p14:pan/>
+      </p:transition>
+    </mc:Choice>
+    <mc:Fallback>
+      <p:transition spd="slow">
+        <p:fade/>
+      </p:transition>
+    </mc:Fallback>
+  </mc:AlternateContent>
   <p:timing>
     <p:tnLst>
       <p:par>
@@ -5867,31 +5993,31 @@
       </p:grpSp>
       <p:cxnSp>
         <p:nvCxnSpPr>
-          <p:cNvPr id="34" name="Straight Arrow Connector 33">
-            <a:extLst>
-              <a:ext uri="{FF2B5EF4-FFF2-40B4-BE49-F238E27FC236}">
-                <a16:creationId xmlns:a16="http://schemas.microsoft.com/office/drawing/2014/main" id="{29CBF745-345A-42E4-9EFB-D84418FA394D}"/>
+          <p:cNvPr id="3" name="Straight Connector 2">
+            <a:extLst>
+              <a:ext uri="{FF2B5EF4-FFF2-40B4-BE49-F238E27FC236}">
+                <a16:creationId xmlns:a16="http://schemas.microsoft.com/office/drawing/2014/main" id="{3519380E-EC4D-499B-80AA-6D50A06A7444}"/>
               </a:ext>
             </a:extLst>
           </p:cNvPr>
           <p:cNvCxnSpPr>
             <a:cxnSpLocks/>
+            <a:stCxn id="13" idx="3"/>
           </p:cNvCxnSpPr>
           <p:nvPr/>
         </p:nvCxnSpPr>
         <p:spPr>
           <a:xfrm>
-            <a:off x="9024559" y="1311672"/>
-            <a:ext cx="3167441" cy="0"/>
+            <a:off x="8991907" y="1311672"/>
+            <a:ext cx="3200093" cy="0"/>
           </a:xfrm>
-          <a:prstGeom prst="straightConnector1">
+          <a:prstGeom prst="line">
             <a:avLst/>
           </a:prstGeom>
           <a:ln w="57150">
             <a:solidFill>
               <a:schemeClr val="tx1"/>
             </a:solidFill>
-            <a:tailEnd type="triangle"/>
           </a:ln>
         </p:spPr>
         <p:style>
@@ -5919,9 +6045,18 @@
   <p:clrMapOvr>
     <a:masterClrMapping/>
   </p:clrMapOvr>
-  <p:transition spd="slow">
-    <p:cover/>
-  </p:transition>
+  <mc:AlternateContent xmlns:mc="http://schemas.openxmlformats.org/markup-compatibility/2006">
+    <mc:Choice xmlns:p14="http://schemas.microsoft.com/office/powerpoint/2010/main" Requires="p14">
+      <p:transition spd="slow" p14:dur="1300">
+        <p14:pan/>
+      </p:transition>
+    </mc:Choice>
+    <mc:Fallback>
+      <p:transition spd="slow">
+        <p:fade/>
+      </p:transition>
+    </mc:Fallback>
+  </mc:AlternateContent>
   <p:timing>
     <p:tnLst>
       <p:par>
@@ -6024,41 +6159,6 @@
                                         <p:cTn id="12" dur="500"/>
                                         <p:tgtEl>
                                           <p:spTgt spid="43"/>
-                                        </p:tgtEl>
-                                      </p:cBhvr>
-                                    </p:animEffect>
-                                  </p:childTnLst>
-                                </p:cTn>
-                              </p:par>
-                              <p:par>
-                                <p:cTn id="13" presetID="10" presetClass="entr" presetSubtype="0" fill="hold" nodeType="withEffect">
-                                  <p:stCondLst>
-                                    <p:cond delay="0"/>
-                                  </p:stCondLst>
-                                  <p:childTnLst>
-                                    <p:set>
-                                      <p:cBhvr>
-                                        <p:cTn id="14" dur="1" fill="hold">
-                                          <p:stCondLst>
-                                            <p:cond delay="0"/>
-                                          </p:stCondLst>
-                                        </p:cTn>
-                                        <p:tgtEl>
-                                          <p:spTgt spid="34"/>
-                                        </p:tgtEl>
-                                        <p:attrNameLst>
-                                          <p:attrName>style.visibility</p:attrName>
-                                        </p:attrNameLst>
-                                      </p:cBhvr>
-                                      <p:to>
-                                        <p:strVal val="visible"/>
-                                      </p:to>
-                                    </p:set>
-                                    <p:animEffect transition="in" filter="fade">
-                                      <p:cBhvr>
-                                        <p:cTn id="15" dur="200"/>
-                                        <p:tgtEl>
-                                          <p:spTgt spid="34"/>
                                         </p:tgtEl>
                                       </p:cBhvr>
                                     </p:animEffect>
@@ -7071,50 +7171,6 @@
           </a:p>
         </p:txBody>
       </p:sp>
-      <p:cxnSp>
-        <p:nvCxnSpPr>
-          <p:cNvPr id="32" name="Straight Arrow Connector 31">
-            <a:extLst>
-              <a:ext uri="{FF2B5EF4-FFF2-40B4-BE49-F238E27FC236}">
-                <a16:creationId xmlns:a16="http://schemas.microsoft.com/office/drawing/2014/main" id="{68BF8B86-7D79-4F6B-BE81-A75C6CF8FB47}"/>
-              </a:ext>
-            </a:extLst>
-          </p:cNvPr>
-          <p:cNvCxnSpPr>
-            <a:cxnSpLocks/>
-          </p:cNvCxnSpPr>
-          <p:nvPr/>
-        </p:nvCxnSpPr>
-        <p:spPr>
-          <a:xfrm>
-            <a:off x="9371595" y="1343313"/>
-            <a:ext cx="2820405" cy="0"/>
-          </a:xfrm>
-          <a:prstGeom prst="straightConnector1">
-            <a:avLst/>
-          </a:prstGeom>
-          <a:ln w="57150">
-            <a:solidFill>
-              <a:schemeClr val="tx1"/>
-            </a:solidFill>
-            <a:tailEnd type="triangle"/>
-          </a:ln>
-        </p:spPr>
-        <p:style>
-          <a:lnRef idx="1">
-            <a:schemeClr val="accent1"/>
-          </a:lnRef>
-          <a:fillRef idx="0">
-            <a:schemeClr val="accent1"/>
-          </a:fillRef>
-          <a:effectRef idx="0">
-            <a:schemeClr val="accent1"/>
-          </a:effectRef>
-          <a:fontRef idx="minor">
-            <a:schemeClr val="tx1"/>
-          </a:fontRef>
-        </p:style>
-      </p:cxnSp>
       <p:grpSp>
         <p:nvGrpSpPr>
           <p:cNvPr id="30" name="Group 29">
@@ -7331,6 +7387,49 @@
           </a:p>
         </p:txBody>
       </p:sp>
+      <p:cxnSp>
+        <p:nvCxnSpPr>
+          <p:cNvPr id="31" name="Straight Connector 30">
+            <a:extLst>
+              <a:ext uri="{FF2B5EF4-FFF2-40B4-BE49-F238E27FC236}">
+                <a16:creationId xmlns:a16="http://schemas.microsoft.com/office/drawing/2014/main" id="{BF465AC2-CF11-4F5C-9F33-FF6117ED0E87}"/>
+              </a:ext>
+            </a:extLst>
+          </p:cNvPr>
+          <p:cNvCxnSpPr>
+            <a:cxnSpLocks/>
+          </p:cNvCxnSpPr>
+          <p:nvPr/>
+        </p:nvCxnSpPr>
+        <p:spPr>
+          <a:xfrm>
+            <a:off x="9366763" y="1302357"/>
+            <a:ext cx="2825237" cy="0"/>
+          </a:xfrm>
+          <a:prstGeom prst="line">
+            <a:avLst/>
+          </a:prstGeom>
+          <a:ln w="57150">
+            <a:solidFill>
+              <a:schemeClr val="tx1"/>
+            </a:solidFill>
+          </a:ln>
+        </p:spPr>
+        <p:style>
+          <a:lnRef idx="1">
+            <a:schemeClr val="accent1"/>
+          </a:lnRef>
+          <a:fillRef idx="0">
+            <a:schemeClr val="accent1"/>
+          </a:fillRef>
+          <a:effectRef idx="0">
+            <a:schemeClr val="accent1"/>
+          </a:effectRef>
+          <a:fontRef idx="minor">
+            <a:schemeClr val="tx1"/>
+          </a:fontRef>
+        </p:style>
+      </p:cxnSp>
     </p:spTree>
     <p:extLst>
       <p:ext uri="{BB962C8B-B14F-4D97-AF65-F5344CB8AC3E}">
@@ -7341,9 +7440,18 @@
   <p:clrMapOvr>
     <a:masterClrMapping/>
   </p:clrMapOvr>
-  <p:transition spd="med">
-    <p:pull/>
-  </p:transition>
+  <mc:AlternateContent xmlns:mc="http://schemas.openxmlformats.org/markup-compatibility/2006">
+    <mc:Choice xmlns:p14="http://schemas.microsoft.com/office/powerpoint/2010/main" Requires="p14">
+      <p:transition spd="slow" p14:dur="1300">
+        <p14:pan/>
+      </p:transition>
+    </mc:Choice>
+    <mc:Fallback>
+      <p:transition spd="slow">
+        <p:fade/>
+      </p:transition>
+    </mc:Fallback>
+  </mc:AlternateContent>
   <p:timing>
     <p:tnLst>
       <p:par>
@@ -8422,7 +8530,7 @@
                                 </p:cTn>
                               </p:par>
                               <p:par>
-                                <p:cTn id="69" presetID="10" presetClass="entr" presetSubtype="0" fill="hold" nodeType="withEffect">
+                                <p:cTn id="69" presetID="2" presetClass="entr" presetSubtype="8" fill="hold" grpId="0" nodeType="withEffect">
                                   <p:stCondLst>
                                     <p:cond delay="0"/>
                                   </p:stCondLst>
@@ -8430,41 +8538,6 @@
                                     <p:set>
                                       <p:cBhvr>
                                         <p:cTn id="70" dur="1" fill="hold">
-                                          <p:stCondLst>
-                                            <p:cond delay="0"/>
-                                          </p:stCondLst>
-                                        </p:cTn>
-                                        <p:tgtEl>
-                                          <p:spTgt spid="32"/>
-                                        </p:tgtEl>
-                                        <p:attrNameLst>
-                                          <p:attrName>style.visibility</p:attrName>
-                                        </p:attrNameLst>
-                                      </p:cBhvr>
-                                      <p:to>
-                                        <p:strVal val="visible"/>
-                                      </p:to>
-                                    </p:set>
-                                    <p:animEffect transition="in" filter="fade">
-                                      <p:cBhvr>
-                                        <p:cTn id="71" dur="500"/>
-                                        <p:tgtEl>
-                                          <p:spTgt spid="32"/>
-                                        </p:tgtEl>
-                                      </p:cBhvr>
-                                    </p:animEffect>
-                                  </p:childTnLst>
-                                </p:cTn>
-                              </p:par>
-                              <p:par>
-                                <p:cTn id="72" presetID="2" presetClass="entr" presetSubtype="8" fill="hold" grpId="0" nodeType="withEffect">
-                                  <p:stCondLst>
-                                    <p:cond delay="0"/>
-                                  </p:stCondLst>
-                                  <p:childTnLst>
-                                    <p:set>
-                                      <p:cBhvr>
-                                        <p:cTn id="73" dur="1" fill="hold">
                                           <p:stCondLst>
                                             <p:cond delay="0"/>
                                           </p:stCondLst>
@@ -8482,7 +8555,7 @@
                                     </p:set>
                                     <p:anim calcmode="lin" valueType="num">
                                       <p:cBhvr additive="base">
-                                        <p:cTn id="74" dur="500" fill="hold"/>
+                                        <p:cTn id="71" dur="500" fill="hold"/>
                                         <p:tgtEl>
                                           <p:spTgt spid="26"/>
                                         </p:tgtEl>
@@ -8505,7 +8578,7 @@
                                     </p:anim>
                                     <p:anim calcmode="lin" valueType="num">
                                       <p:cBhvr additive="base">
-                                        <p:cTn id="75" dur="500" fill="hold"/>
+                                        <p:cTn id="72" dur="500" fill="hold"/>
                                         <p:tgtEl>
                                           <p:spTgt spid="26"/>
                                         </p:tgtEl>
@@ -8593,56 +8666,6 @@
       </p:grpSpPr>
       <p:sp>
         <p:nvSpPr>
-          <p:cNvPr id="2" name="Title 1">
-            <a:extLst>
-              <a:ext uri="{FF2B5EF4-FFF2-40B4-BE49-F238E27FC236}">
-                <a16:creationId xmlns:a16="http://schemas.microsoft.com/office/drawing/2014/main" id="{ADB41FB9-F76A-4E06-B83B-CF53316F177D}"/>
-              </a:ext>
-            </a:extLst>
-          </p:cNvPr>
-          <p:cNvSpPr>
-            <a:spLocks noGrp="1"/>
-          </p:cNvSpPr>
-          <p:nvPr>
-            <p:ph type="title"/>
-          </p:nvPr>
-        </p:nvSpPr>
-        <p:spPr/>
-        <p:txBody>
-          <a:bodyPr/>
-          <a:lstStyle/>
-          <a:p>
-            <a:endParaRPr lang="sr-Latn-RS"/>
-          </a:p>
-        </p:txBody>
-      </p:sp>
-      <p:sp>
-        <p:nvSpPr>
-          <p:cNvPr id="3" name="Content Placeholder 2">
-            <a:extLst>
-              <a:ext uri="{FF2B5EF4-FFF2-40B4-BE49-F238E27FC236}">
-                <a16:creationId xmlns:a16="http://schemas.microsoft.com/office/drawing/2014/main" id="{E8A9050C-D728-4DA0-8ABC-A5792E57BC39}"/>
-              </a:ext>
-            </a:extLst>
-          </p:cNvPr>
-          <p:cNvSpPr>
-            <a:spLocks noGrp="1"/>
-          </p:cNvSpPr>
-          <p:nvPr>
-            <p:ph idx="1"/>
-          </p:nvPr>
-        </p:nvSpPr>
-        <p:spPr/>
-        <p:txBody>
-          <a:bodyPr/>
-          <a:lstStyle/>
-          <a:p>
-            <a:endParaRPr lang="sr-Latn-RS"/>
-          </a:p>
-        </p:txBody>
-      </p:sp>
-      <p:sp>
-        <p:nvSpPr>
           <p:cNvPr id="4" name="Parallelogram 3">
             <a:extLst>
               <a:ext uri="{FF2B5EF4-FFF2-40B4-BE49-F238E27FC236}">
@@ -8655,7 +8678,7 @@
         </p:nvSpPr>
         <p:spPr>
           <a:xfrm>
-            <a:off x="5566529" y="448417"/>
+            <a:off x="3727892" y="762197"/>
             <a:ext cx="5088041" cy="1158977"/>
           </a:xfrm>
           <a:prstGeom prst="parallelogram">
@@ -8719,7 +8742,7 @@
         </p:nvSpPr>
         <p:spPr>
           <a:xfrm>
-            <a:off x="6927132" y="3112635"/>
+            <a:off x="3727891" y="2744650"/>
             <a:ext cx="5088041" cy="1158977"/>
           </a:xfrm>
           <a:prstGeom prst="parallelogram">
@@ -8754,12 +8777,20 @@
           <a:p>
             <a:pPr algn="ctr"/>
             <a:r>
+              <a:rPr lang="sr-Latn-RS" sz="2800">
+                <a:solidFill>
+                  <a:schemeClr val="tx1"/>
+                </a:solidFill>
+              </a:rPr>
+              <a:t>Kordinate tem </a:t>
+            </a:r>
+            <a:r>
               <a:rPr lang="sr-Latn-RS" sz="2800" dirty="0">
                 <a:solidFill>
                   <a:schemeClr val="tx1"/>
                 </a:solidFill>
               </a:rPr>
-              <a:t>Kordinate uglova markera na slici</a:t>
+              <a:t>markera u stvarnosti </a:t>
             </a:r>
             <a:endParaRPr lang="sr-Latn-RS" dirty="0">
               <a:solidFill>
@@ -8769,6 +8800,574 @@
           </a:p>
         </p:txBody>
       </p:sp>
+      <p:cxnSp>
+        <p:nvCxnSpPr>
+          <p:cNvPr id="6" name="Straight Arrow Connector 5">
+            <a:extLst>
+              <a:ext uri="{FF2B5EF4-FFF2-40B4-BE49-F238E27FC236}">
+                <a16:creationId xmlns:a16="http://schemas.microsoft.com/office/drawing/2014/main" id="{BB510B7D-BF9C-49EC-9E8D-474633DAF51D}"/>
+              </a:ext>
+            </a:extLst>
+          </p:cNvPr>
+          <p:cNvCxnSpPr>
+            <a:cxnSpLocks/>
+          </p:cNvCxnSpPr>
+          <p:nvPr/>
+        </p:nvCxnSpPr>
+        <p:spPr>
+          <a:xfrm flipV="1">
+            <a:off x="0" y="1341686"/>
+            <a:ext cx="3727893" cy="1"/>
+          </a:xfrm>
+          <a:prstGeom prst="straightConnector1">
+            <a:avLst/>
+          </a:prstGeom>
+          <a:ln w="57150">
+            <a:solidFill>
+              <a:schemeClr val="tx1"/>
+            </a:solidFill>
+            <a:tailEnd type="triangle"/>
+          </a:ln>
+        </p:spPr>
+        <p:style>
+          <a:lnRef idx="1">
+            <a:schemeClr val="accent1"/>
+          </a:lnRef>
+          <a:fillRef idx="0">
+            <a:schemeClr val="accent1"/>
+          </a:fillRef>
+          <a:effectRef idx="0">
+            <a:schemeClr val="accent1"/>
+          </a:effectRef>
+          <a:fontRef idx="minor">
+            <a:schemeClr val="tx1"/>
+          </a:fontRef>
+        </p:style>
+      </p:cxnSp>
+      <p:sp>
+        <p:nvSpPr>
+          <p:cNvPr id="8" name="Parallelogram 7">
+            <a:extLst>
+              <a:ext uri="{FF2B5EF4-FFF2-40B4-BE49-F238E27FC236}">
+                <a16:creationId xmlns:a16="http://schemas.microsoft.com/office/drawing/2014/main" id="{1E01F96C-3E4A-4BB7-8871-AD3D82A279CC}"/>
+              </a:ext>
+            </a:extLst>
+          </p:cNvPr>
+          <p:cNvSpPr/>
+          <p:nvPr/>
+        </p:nvSpPr>
+        <p:spPr>
+          <a:xfrm>
+            <a:off x="3727894" y="4873138"/>
+            <a:ext cx="5088041" cy="1158977"/>
+          </a:xfrm>
+          <a:prstGeom prst="parallelogram">
+            <a:avLst/>
+          </a:prstGeom>
+          <a:noFill/>
+          <a:ln w="57150">
+            <a:solidFill>
+              <a:schemeClr val="tx1"/>
+            </a:solidFill>
+          </a:ln>
+        </p:spPr>
+        <p:style>
+          <a:lnRef idx="2">
+            <a:schemeClr val="accent1">
+              <a:shade val="50000"/>
+            </a:schemeClr>
+          </a:lnRef>
+          <a:fillRef idx="1">
+            <a:schemeClr val="accent1"/>
+          </a:fillRef>
+          <a:effectRef idx="0">
+            <a:schemeClr val="accent1"/>
+          </a:effectRef>
+          <a:fontRef idx="minor">
+            <a:schemeClr val="lt1"/>
+          </a:fontRef>
+        </p:style>
+        <p:txBody>
+          <a:bodyPr rtlCol="0" anchor="ctr"/>
+          <a:lstStyle/>
+          <a:p>
+            <a:pPr algn="ctr"/>
+            <a:r>
+              <a:rPr lang="sr-Latn-RS" sz="2800" dirty="0">
+                <a:solidFill>
+                  <a:schemeClr val="tx1"/>
+                </a:solidFill>
+              </a:rPr>
+              <a:t>Matrica kamere</a:t>
+            </a:r>
+            <a:endParaRPr lang="sr-Latn-RS" dirty="0">
+              <a:solidFill>
+                <a:schemeClr val="tx1"/>
+              </a:solidFill>
+            </a:endParaRPr>
+          </a:p>
+        </p:txBody>
+      </p:sp>
+      <p:sp>
+        <p:nvSpPr>
+          <p:cNvPr id="9" name="Rectangle 8">
+            <a:extLst>
+              <a:ext uri="{FF2B5EF4-FFF2-40B4-BE49-F238E27FC236}">
+                <a16:creationId xmlns:a16="http://schemas.microsoft.com/office/drawing/2014/main" id="{49C7098E-01CC-4C59-812A-4E38A4EFF98B}"/>
+              </a:ext>
+            </a:extLst>
+          </p:cNvPr>
+          <p:cNvSpPr/>
+          <p:nvPr/>
+        </p:nvSpPr>
+        <p:spPr>
+          <a:xfrm>
+            <a:off x="498985" y="4729395"/>
+            <a:ext cx="2064776" cy="1446464"/>
+          </a:xfrm>
+          <a:prstGeom prst="rect">
+            <a:avLst/>
+          </a:prstGeom>
+          <a:noFill/>
+          <a:ln w="57150">
+            <a:solidFill>
+              <a:schemeClr val="tx1"/>
+            </a:solidFill>
+          </a:ln>
+        </p:spPr>
+        <p:style>
+          <a:lnRef idx="2">
+            <a:schemeClr val="accent1">
+              <a:shade val="50000"/>
+            </a:schemeClr>
+          </a:lnRef>
+          <a:fillRef idx="1">
+            <a:schemeClr val="accent1"/>
+          </a:fillRef>
+          <a:effectRef idx="0">
+            <a:schemeClr val="accent1"/>
+          </a:effectRef>
+          <a:fontRef idx="minor">
+            <a:schemeClr val="lt1"/>
+          </a:fontRef>
+        </p:style>
+        <p:txBody>
+          <a:bodyPr rtlCol="0" anchor="ctr"/>
+          <a:lstStyle/>
+          <a:p>
+            <a:pPr algn="ctr"/>
+            <a:r>
+              <a:rPr lang="sr-Latn-RS" sz="2800" dirty="0">
+                <a:solidFill>
+                  <a:schemeClr val="tx1"/>
+                </a:solidFill>
+                <a:latin typeface="Tahoma" panose="020B0604030504040204" pitchFamily="34" charset="0"/>
+                <a:ea typeface="Tahoma" panose="020B0604030504040204" pitchFamily="34" charset="0"/>
+                <a:cs typeface="Tahoma" panose="020B0604030504040204" pitchFamily="34" charset="0"/>
+              </a:rPr>
+              <a:t>Kalibracija kamere</a:t>
+            </a:r>
+          </a:p>
+        </p:txBody>
+      </p:sp>
+      <p:cxnSp>
+        <p:nvCxnSpPr>
+          <p:cNvPr id="12" name="Straight Arrow Connector 11">
+            <a:extLst>
+              <a:ext uri="{FF2B5EF4-FFF2-40B4-BE49-F238E27FC236}">
+                <a16:creationId xmlns:a16="http://schemas.microsoft.com/office/drawing/2014/main" id="{A3B47ACF-07E7-44C2-B8D6-1ACCA4F16536}"/>
+              </a:ext>
+            </a:extLst>
+          </p:cNvPr>
+          <p:cNvCxnSpPr>
+            <a:cxnSpLocks/>
+            <a:endCxn id="5" idx="5"/>
+          </p:cNvCxnSpPr>
+          <p:nvPr/>
+        </p:nvCxnSpPr>
+        <p:spPr>
+          <a:xfrm>
+            <a:off x="2861187" y="3324139"/>
+            <a:ext cx="1011576" cy="0"/>
+          </a:xfrm>
+          <a:prstGeom prst="straightConnector1">
+            <a:avLst/>
+          </a:prstGeom>
+          <a:ln w="57150">
+            <a:solidFill>
+              <a:schemeClr val="tx1"/>
+            </a:solidFill>
+            <a:tailEnd type="triangle"/>
+          </a:ln>
+        </p:spPr>
+        <p:style>
+          <a:lnRef idx="1">
+            <a:schemeClr val="accent1"/>
+          </a:lnRef>
+          <a:fillRef idx="0">
+            <a:schemeClr val="accent1"/>
+          </a:fillRef>
+          <a:effectRef idx="0">
+            <a:schemeClr val="accent1"/>
+          </a:effectRef>
+          <a:fontRef idx="minor">
+            <a:schemeClr val="tx1"/>
+          </a:fontRef>
+        </p:style>
+      </p:cxnSp>
+      <p:cxnSp>
+        <p:nvCxnSpPr>
+          <p:cNvPr id="15" name="Straight Connector 14">
+            <a:extLst>
+              <a:ext uri="{FF2B5EF4-FFF2-40B4-BE49-F238E27FC236}">
+                <a16:creationId xmlns:a16="http://schemas.microsoft.com/office/drawing/2014/main" id="{FC1C624E-3088-4DCE-9B7D-625955B85490}"/>
+              </a:ext>
+            </a:extLst>
+          </p:cNvPr>
+          <p:cNvCxnSpPr>
+            <a:cxnSpLocks/>
+          </p:cNvCxnSpPr>
+          <p:nvPr/>
+        </p:nvCxnSpPr>
+        <p:spPr>
+          <a:xfrm flipV="1">
+            <a:off x="2861187" y="1341687"/>
+            <a:ext cx="0" cy="1982452"/>
+          </a:xfrm>
+          <a:prstGeom prst="line">
+            <a:avLst/>
+          </a:prstGeom>
+          <a:ln w="57150">
+            <a:solidFill>
+              <a:schemeClr val="tx1"/>
+            </a:solidFill>
+          </a:ln>
+        </p:spPr>
+        <p:style>
+          <a:lnRef idx="1">
+            <a:schemeClr val="accent1"/>
+          </a:lnRef>
+          <a:fillRef idx="0">
+            <a:schemeClr val="accent1"/>
+          </a:fillRef>
+          <a:effectRef idx="0">
+            <a:schemeClr val="accent1"/>
+          </a:effectRef>
+          <a:fontRef idx="minor">
+            <a:schemeClr val="tx1"/>
+          </a:fontRef>
+        </p:style>
+      </p:cxnSp>
+      <p:cxnSp>
+        <p:nvCxnSpPr>
+          <p:cNvPr id="19" name="Straight Arrow Connector 18">
+            <a:extLst>
+              <a:ext uri="{FF2B5EF4-FFF2-40B4-BE49-F238E27FC236}">
+                <a16:creationId xmlns:a16="http://schemas.microsoft.com/office/drawing/2014/main" id="{E872559F-DE45-4E71-AB58-B9D38F9B9D44}"/>
+              </a:ext>
+            </a:extLst>
+          </p:cNvPr>
+          <p:cNvCxnSpPr>
+            <a:cxnSpLocks/>
+            <a:stCxn id="9" idx="3"/>
+            <a:endCxn id="8" idx="5"/>
+          </p:cNvCxnSpPr>
+          <p:nvPr/>
+        </p:nvCxnSpPr>
+        <p:spPr>
+          <a:xfrm>
+            <a:off x="2563761" y="5452627"/>
+            <a:ext cx="1309005" cy="0"/>
+          </a:xfrm>
+          <a:prstGeom prst="straightConnector1">
+            <a:avLst/>
+          </a:prstGeom>
+          <a:ln w="57150">
+            <a:solidFill>
+              <a:schemeClr val="tx1"/>
+            </a:solidFill>
+            <a:tailEnd type="triangle"/>
+          </a:ln>
+        </p:spPr>
+        <p:style>
+          <a:lnRef idx="1">
+            <a:schemeClr val="accent1"/>
+          </a:lnRef>
+          <a:fillRef idx="0">
+            <a:schemeClr val="accent1"/>
+          </a:fillRef>
+          <a:effectRef idx="0">
+            <a:schemeClr val="accent1"/>
+          </a:effectRef>
+          <a:fontRef idx="minor">
+            <a:schemeClr val="tx1"/>
+          </a:fontRef>
+        </p:style>
+      </p:cxnSp>
+      <p:cxnSp>
+        <p:nvCxnSpPr>
+          <p:cNvPr id="25" name="Straight Arrow Connector 24">
+            <a:extLst>
+              <a:ext uri="{FF2B5EF4-FFF2-40B4-BE49-F238E27FC236}">
+                <a16:creationId xmlns:a16="http://schemas.microsoft.com/office/drawing/2014/main" id="{F6FFB64C-9FD5-4590-9248-DE46F4840A36}"/>
+              </a:ext>
+            </a:extLst>
+          </p:cNvPr>
+          <p:cNvCxnSpPr>
+            <a:cxnSpLocks/>
+          </p:cNvCxnSpPr>
+          <p:nvPr/>
+        </p:nvCxnSpPr>
+        <p:spPr>
+          <a:xfrm>
+            <a:off x="9586452" y="1341685"/>
+            <a:ext cx="0" cy="1982453"/>
+          </a:xfrm>
+          <a:prstGeom prst="straightConnector1">
+            <a:avLst/>
+          </a:prstGeom>
+          <a:ln w="57150">
+            <a:solidFill>
+              <a:schemeClr val="tx1"/>
+            </a:solidFill>
+            <a:tailEnd type="triangle"/>
+          </a:ln>
+        </p:spPr>
+        <p:style>
+          <a:lnRef idx="1">
+            <a:schemeClr val="accent1"/>
+          </a:lnRef>
+          <a:fillRef idx="0">
+            <a:schemeClr val="accent1"/>
+          </a:fillRef>
+          <a:effectRef idx="0">
+            <a:schemeClr val="accent1"/>
+          </a:effectRef>
+          <a:fontRef idx="minor">
+            <a:schemeClr val="tx1"/>
+          </a:fontRef>
+        </p:style>
+      </p:cxnSp>
+      <p:cxnSp>
+        <p:nvCxnSpPr>
+          <p:cNvPr id="26" name="Straight Arrow Connector 25">
+            <a:extLst>
+              <a:ext uri="{FF2B5EF4-FFF2-40B4-BE49-F238E27FC236}">
+                <a16:creationId xmlns:a16="http://schemas.microsoft.com/office/drawing/2014/main" id="{65872F9F-3C5C-46D4-BB1B-ED2E27F4B865}"/>
+              </a:ext>
+            </a:extLst>
+          </p:cNvPr>
+          <p:cNvCxnSpPr>
+            <a:cxnSpLocks/>
+            <a:stCxn id="5" idx="2"/>
+          </p:cNvCxnSpPr>
+          <p:nvPr/>
+        </p:nvCxnSpPr>
+        <p:spPr>
+          <a:xfrm>
+            <a:off x="8671060" y="3324139"/>
+            <a:ext cx="2567211" cy="25669"/>
+          </a:xfrm>
+          <a:prstGeom prst="straightConnector1">
+            <a:avLst/>
+          </a:prstGeom>
+          <a:ln w="57150">
+            <a:solidFill>
+              <a:schemeClr val="tx1"/>
+            </a:solidFill>
+            <a:tailEnd type="triangle"/>
+          </a:ln>
+        </p:spPr>
+        <p:style>
+          <a:lnRef idx="1">
+            <a:schemeClr val="accent1"/>
+          </a:lnRef>
+          <a:fillRef idx="0">
+            <a:schemeClr val="accent1"/>
+          </a:fillRef>
+          <a:effectRef idx="0">
+            <a:schemeClr val="accent1"/>
+          </a:effectRef>
+          <a:fontRef idx="minor">
+            <a:schemeClr val="tx1"/>
+          </a:fontRef>
+        </p:style>
+      </p:cxnSp>
+      <p:cxnSp>
+        <p:nvCxnSpPr>
+          <p:cNvPr id="29" name="Straight Connector 28">
+            <a:extLst>
+              <a:ext uri="{FF2B5EF4-FFF2-40B4-BE49-F238E27FC236}">
+                <a16:creationId xmlns:a16="http://schemas.microsoft.com/office/drawing/2014/main" id="{BCA45F55-D73E-4197-B76B-104BBC26283F}"/>
+              </a:ext>
+            </a:extLst>
+          </p:cNvPr>
+          <p:cNvCxnSpPr>
+            <a:cxnSpLocks/>
+            <a:endCxn id="8" idx="2"/>
+          </p:cNvCxnSpPr>
+          <p:nvPr/>
+        </p:nvCxnSpPr>
+        <p:spPr>
+          <a:xfrm flipH="1">
+            <a:off x="8671063" y="5452626"/>
+            <a:ext cx="915389" cy="1"/>
+          </a:xfrm>
+          <a:prstGeom prst="line">
+            <a:avLst/>
+          </a:prstGeom>
+          <a:ln w="57150">
+            <a:solidFill>
+              <a:schemeClr val="tx1"/>
+            </a:solidFill>
+          </a:ln>
+        </p:spPr>
+        <p:style>
+          <a:lnRef idx="1">
+            <a:schemeClr val="accent1"/>
+          </a:lnRef>
+          <a:fillRef idx="0">
+            <a:schemeClr val="accent1"/>
+          </a:fillRef>
+          <a:effectRef idx="0">
+            <a:schemeClr val="accent1"/>
+          </a:effectRef>
+          <a:fontRef idx="minor">
+            <a:schemeClr val="tx1"/>
+          </a:fontRef>
+        </p:style>
+      </p:cxnSp>
+      <p:cxnSp>
+        <p:nvCxnSpPr>
+          <p:cNvPr id="33" name="Straight Connector 32">
+            <a:extLst>
+              <a:ext uri="{FF2B5EF4-FFF2-40B4-BE49-F238E27FC236}">
+                <a16:creationId xmlns:a16="http://schemas.microsoft.com/office/drawing/2014/main" id="{5B3A0810-BBC9-4DA4-BE7B-940139772EA2}"/>
+              </a:ext>
+            </a:extLst>
+          </p:cNvPr>
+          <p:cNvCxnSpPr>
+            <a:cxnSpLocks/>
+            <a:endCxn id="4" idx="2"/>
+          </p:cNvCxnSpPr>
+          <p:nvPr/>
+        </p:nvCxnSpPr>
+        <p:spPr>
+          <a:xfrm flipH="1">
+            <a:off x="8671061" y="1341685"/>
+            <a:ext cx="915391" cy="1"/>
+          </a:xfrm>
+          <a:prstGeom prst="line">
+            <a:avLst/>
+          </a:prstGeom>
+          <a:ln w="57150">
+            <a:solidFill>
+              <a:schemeClr val="tx1"/>
+            </a:solidFill>
+          </a:ln>
+        </p:spPr>
+        <p:style>
+          <a:lnRef idx="1">
+            <a:schemeClr val="accent1"/>
+          </a:lnRef>
+          <a:fillRef idx="0">
+            <a:schemeClr val="accent1"/>
+          </a:fillRef>
+          <a:effectRef idx="0">
+            <a:schemeClr val="accent1"/>
+          </a:effectRef>
+          <a:fontRef idx="minor">
+            <a:schemeClr val="tx1"/>
+          </a:fontRef>
+        </p:style>
+      </p:cxnSp>
+      <p:cxnSp>
+        <p:nvCxnSpPr>
+          <p:cNvPr id="41" name="Straight Arrow Connector 40">
+            <a:extLst>
+              <a:ext uri="{FF2B5EF4-FFF2-40B4-BE49-F238E27FC236}">
+                <a16:creationId xmlns:a16="http://schemas.microsoft.com/office/drawing/2014/main" id="{7D5B9C3B-52BC-4726-B816-A951F7EA152C}"/>
+              </a:ext>
+            </a:extLst>
+          </p:cNvPr>
+          <p:cNvCxnSpPr>
+            <a:cxnSpLocks/>
+          </p:cNvCxnSpPr>
+          <p:nvPr/>
+        </p:nvCxnSpPr>
+        <p:spPr>
+          <a:xfrm flipV="1">
+            <a:off x="9586452" y="3349808"/>
+            <a:ext cx="0" cy="2102818"/>
+          </a:xfrm>
+          <a:prstGeom prst="straightConnector1">
+            <a:avLst/>
+          </a:prstGeom>
+          <a:ln w="57150">
+            <a:solidFill>
+              <a:schemeClr val="tx1"/>
+            </a:solidFill>
+            <a:tailEnd type="triangle"/>
+          </a:ln>
+        </p:spPr>
+        <p:style>
+          <a:lnRef idx="1">
+            <a:schemeClr val="accent1"/>
+          </a:lnRef>
+          <a:fillRef idx="0">
+            <a:schemeClr val="accent1"/>
+          </a:fillRef>
+          <a:effectRef idx="0">
+            <a:schemeClr val="accent1"/>
+          </a:effectRef>
+          <a:fontRef idx="minor">
+            <a:schemeClr val="tx1"/>
+          </a:fontRef>
+        </p:style>
+      </p:cxnSp>
+      <p:cxnSp>
+        <p:nvCxnSpPr>
+          <p:cNvPr id="46" name="Straight Connector 45">
+            <a:extLst>
+              <a:ext uri="{FF2B5EF4-FFF2-40B4-BE49-F238E27FC236}">
+                <a16:creationId xmlns:a16="http://schemas.microsoft.com/office/drawing/2014/main" id="{510C2D48-71ED-478A-8F76-54C5479A5175}"/>
+              </a:ext>
+            </a:extLst>
+          </p:cNvPr>
+          <p:cNvCxnSpPr>
+            <a:cxnSpLocks/>
+          </p:cNvCxnSpPr>
+          <p:nvPr/>
+        </p:nvCxnSpPr>
+        <p:spPr>
+          <a:xfrm flipH="1" flipV="1">
+            <a:off x="10127226" y="3336973"/>
+            <a:ext cx="2064775" cy="12835"/>
+          </a:xfrm>
+          <a:prstGeom prst="line">
+            <a:avLst/>
+          </a:prstGeom>
+          <a:ln w="57150">
+            <a:solidFill>
+              <a:schemeClr val="tx1"/>
+            </a:solidFill>
+          </a:ln>
+        </p:spPr>
+        <p:style>
+          <a:lnRef idx="1">
+            <a:schemeClr val="accent1"/>
+          </a:lnRef>
+          <a:fillRef idx="0">
+            <a:schemeClr val="accent1"/>
+          </a:fillRef>
+          <a:effectRef idx="0">
+            <a:schemeClr val="accent1"/>
+          </a:effectRef>
+          <a:fontRef idx="minor">
+            <a:schemeClr val="tx1"/>
+          </a:fontRef>
+        </p:style>
+      </p:cxnSp>
     </p:spTree>
     <p:extLst>
       <p:ext uri="{BB962C8B-B14F-4D97-AF65-F5344CB8AC3E}">
@@ -8779,9 +9378,18 @@
   <p:clrMapOvr>
     <a:masterClrMapping/>
   </p:clrMapOvr>
-  <p:transition spd="med">
-    <p:pull/>
-  </p:transition>
+  <mc:AlternateContent xmlns:mc="http://schemas.openxmlformats.org/markup-compatibility/2006">
+    <mc:Choice xmlns:p14="http://schemas.microsoft.com/office/powerpoint/2010/main" Requires="p14">
+      <p:transition spd="slow" p14:dur="1300">
+        <p14:pan/>
+      </p:transition>
+    </mc:Choice>
+    <mc:Fallback>
+      <p:transition spd="slow">
+        <p:fade/>
+      </p:transition>
+    </mc:Fallback>
+  </mc:AlternateContent>
 </p:sld>
 </file>
 
@@ -9392,9 +10000,18 @@
   <p:clrMapOvr>
     <a:masterClrMapping/>
   </p:clrMapOvr>
-  <p:transition spd="med">
-    <p:pull/>
-  </p:transition>
+  <mc:AlternateContent xmlns:mc="http://schemas.openxmlformats.org/markup-compatibility/2006">
+    <mc:Choice xmlns:p14="http://schemas.microsoft.com/office/powerpoint/2010/main" Requires="p14">
+      <p:transition spd="slow" p14:dur="1300">
+        <p14:pan/>
+      </p:transition>
+    </mc:Choice>
+    <mc:Fallback>
+      <p:transition spd="slow">
+        <p:fade/>
+      </p:transition>
+    </mc:Fallback>
+  </mc:AlternateContent>
 </p:sld>
 </file>
 

--- a/MARKERI.pptx
+++ b/MARKERI.pptx
@@ -10,7 +10,8 @@
     <p:sldId id="259" r:id="rId4"/>
     <p:sldId id="260" r:id="rId5"/>
     <p:sldId id="261" r:id="rId6"/>
-    <p:sldId id="262" r:id="rId7"/>
+    <p:sldId id="263" r:id="rId7"/>
+    <p:sldId id="262" r:id="rId8"/>
   </p:sldIdLst>
   <p:sldSz cx="12192000" cy="6858000"/>
   <p:notesSz cx="6858000" cy="9144000"/>
@@ -111,7 +112,18 @@
   </p:defaultTextStyle>
   <p:extLst>
     <p:ext uri="{EFAFB233-063F-42B5-8137-9DF3F51BA10A}">
-      <p15:sldGuideLst xmlns:p15="http://schemas.microsoft.com/office/powerpoint/2012/main"/>
+      <p15:sldGuideLst xmlns:p15="http://schemas.microsoft.com/office/powerpoint/2012/main">
+        <p15:guide id="1" orient="horz" pos="2160" userDrawn="1">
+          <p15:clr>
+            <a:srgbClr val="A4A3A4"/>
+          </p15:clr>
+        </p15:guide>
+        <p15:guide id="2" pos="3840" userDrawn="1">
+          <p15:clr>
+            <a:srgbClr val="A4A3A4"/>
+          </p15:clr>
+        </p15:guide>
+      </p15:sldGuideLst>
     </p:ext>
   </p:extLst>
 </p:presentation>
@@ -143,7 +155,7 @@
           <p:cNvPr id="2" name="Title 1">
             <a:extLst>
               <a:ext uri="{FF2B5EF4-FFF2-40B4-BE49-F238E27FC236}">
-                <a16:creationId xmlns:a16="http://schemas.microsoft.com/office/drawing/2014/main" id="{41D204DA-82A9-4FE2-A198-BD0E7C6B42D0}"/>
+                <a16:creationId xmlns:a16="http://schemas.microsoft.com/office/drawing/2014/main" xmlns="" id="{41D204DA-82A9-4FE2-A198-BD0E7C6B42D0}"/>
               </a:ext>
             </a:extLst>
           </p:cNvPr>
@@ -181,7 +193,7 @@
           <p:cNvPr id="3" name="Subtitle 2">
             <a:extLst>
               <a:ext uri="{FF2B5EF4-FFF2-40B4-BE49-F238E27FC236}">
-                <a16:creationId xmlns:a16="http://schemas.microsoft.com/office/drawing/2014/main" id="{29421182-DF0B-46DC-9DAC-BB63937A334A}"/>
+                <a16:creationId xmlns:a16="http://schemas.microsoft.com/office/drawing/2014/main" xmlns="" id="{29421182-DF0B-46DC-9DAC-BB63937A334A}"/>
               </a:ext>
             </a:extLst>
           </p:cNvPr>
@@ -252,7 +264,7 @@
           <p:cNvPr id="4" name="Date Placeholder 3">
             <a:extLst>
               <a:ext uri="{FF2B5EF4-FFF2-40B4-BE49-F238E27FC236}">
-                <a16:creationId xmlns:a16="http://schemas.microsoft.com/office/drawing/2014/main" id="{E882BE22-9FE8-4C67-9F2A-EE9FE80D5DBE}"/>
+                <a16:creationId xmlns:a16="http://schemas.microsoft.com/office/drawing/2014/main" xmlns="" id="{E882BE22-9FE8-4C67-9F2A-EE9FE80D5DBE}"/>
               </a:ext>
             </a:extLst>
           </p:cNvPr>
@@ -281,7 +293,7 @@
           <p:cNvPr id="5" name="Footer Placeholder 4">
             <a:extLst>
               <a:ext uri="{FF2B5EF4-FFF2-40B4-BE49-F238E27FC236}">
-                <a16:creationId xmlns:a16="http://schemas.microsoft.com/office/drawing/2014/main" id="{CC334DAD-7BCB-4B69-B7C8-EF1AAC7CA1D2}"/>
+                <a16:creationId xmlns:a16="http://schemas.microsoft.com/office/drawing/2014/main" xmlns="" id="{CC334DAD-7BCB-4B69-B7C8-EF1AAC7CA1D2}"/>
               </a:ext>
             </a:extLst>
           </p:cNvPr>
@@ -306,7 +318,7 @@
           <p:cNvPr id="6" name="Slide Number Placeholder 5">
             <a:extLst>
               <a:ext uri="{FF2B5EF4-FFF2-40B4-BE49-F238E27FC236}">
-                <a16:creationId xmlns:a16="http://schemas.microsoft.com/office/drawing/2014/main" id="{2ACA2AB9-C959-4A6C-A33E-E33F6AA892CE}"/>
+                <a16:creationId xmlns:a16="http://schemas.microsoft.com/office/drawing/2014/main" xmlns="" id="{2ACA2AB9-C959-4A6C-A33E-E33F6AA892CE}"/>
               </a:ext>
             </a:extLst>
           </p:cNvPr>
@@ -340,13 +352,13 @@
   <p:clrMapOvr>
     <a:masterClrMapping/>
   </p:clrMapOvr>
-  <mc:AlternateContent xmlns:mc="http://schemas.openxmlformats.org/markup-compatibility/2006">
-    <mc:Choice xmlns:p14="http://schemas.microsoft.com/office/powerpoint/2010/main" Requires="p14">
+  <mc:AlternateContent xmlns:mc="http://schemas.openxmlformats.org/markup-compatibility/2006" xmlns:p14="http://schemas.microsoft.com/office/powerpoint/2010/main">
+    <mc:Choice Requires="p14">
       <p:transition spd="slow" p14:dur="1300">
         <p14:pan/>
       </p:transition>
     </mc:Choice>
-    <mc:Fallback>
+    <mc:Fallback xmlns="">
       <p:transition spd="slow">
         <p:fade/>
       </p:transition>
@@ -377,7 +389,7 @@
           <p:cNvPr id="2" name="Title 1">
             <a:extLst>
               <a:ext uri="{FF2B5EF4-FFF2-40B4-BE49-F238E27FC236}">
-                <a16:creationId xmlns:a16="http://schemas.microsoft.com/office/drawing/2014/main" id="{C00FBC1F-ACD2-4DB1-9FF8-3D01A3FDDBE8}"/>
+                <a16:creationId xmlns:a16="http://schemas.microsoft.com/office/drawing/2014/main" xmlns="" id="{C00FBC1F-ACD2-4DB1-9FF8-3D01A3FDDBE8}"/>
               </a:ext>
             </a:extLst>
           </p:cNvPr>
@@ -406,7 +418,7 @@
           <p:cNvPr id="3" name="Vertical Text Placeholder 2">
             <a:extLst>
               <a:ext uri="{FF2B5EF4-FFF2-40B4-BE49-F238E27FC236}">
-                <a16:creationId xmlns:a16="http://schemas.microsoft.com/office/drawing/2014/main" id="{489A604C-72D0-46D8-B589-1D12D19A3317}"/>
+                <a16:creationId xmlns:a16="http://schemas.microsoft.com/office/drawing/2014/main" xmlns="" id="{489A604C-72D0-46D8-B589-1D12D19A3317}"/>
               </a:ext>
             </a:extLst>
           </p:cNvPr>
@@ -464,7 +476,7 @@
           <p:cNvPr id="4" name="Date Placeholder 3">
             <a:extLst>
               <a:ext uri="{FF2B5EF4-FFF2-40B4-BE49-F238E27FC236}">
-                <a16:creationId xmlns:a16="http://schemas.microsoft.com/office/drawing/2014/main" id="{642EC623-37CA-4CA8-93C6-A8342C6A2FA8}"/>
+                <a16:creationId xmlns:a16="http://schemas.microsoft.com/office/drawing/2014/main" xmlns="" id="{642EC623-37CA-4CA8-93C6-A8342C6A2FA8}"/>
               </a:ext>
             </a:extLst>
           </p:cNvPr>
@@ -493,7 +505,7 @@
           <p:cNvPr id="5" name="Footer Placeholder 4">
             <a:extLst>
               <a:ext uri="{FF2B5EF4-FFF2-40B4-BE49-F238E27FC236}">
-                <a16:creationId xmlns:a16="http://schemas.microsoft.com/office/drawing/2014/main" id="{7BD01D33-FCBC-41EE-B685-D200B517523E}"/>
+                <a16:creationId xmlns:a16="http://schemas.microsoft.com/office/drawing/2014/main" xmlns="" id="{7BD01D33-FCBC-41EE-B685-D200B517523E}"/>
               </a:ext>
             </a:extLst>
           </p:cNvPr>
@@ -518,7 +530,7 @@
           <p:cNvPr id="6" name="Slide Number Placeholder 5">
             <a:extLst>
               <a:ext uri="{FF2B5EF4-FFF2-40B4-BE49-F238E27FC236}">
-                <a16:creationId xmlns:a16="http://schemas.microsoft.com/office/drawing/2014/main" id="{187096EA-AB4D-459F-AAA1-7FA06936BA5E}"/>
+                <a16:creationId xmlns:a16="http://schemas.microsoft.com/office/drawing/2014/main" xmlns="" id="{187096EA-AB4D-459F-AAA1-7FA06936BA5E}"/>
               </a:ext>
             </a:extLst>
           </p:cNvPr>
@@ -552,13 +564,13 @@
   <p:clrMapOvr>
     <a:masterClrMapping/>
   </p:clrMapOvr>
-  <mc:AlternateContent xmlns:mc="http://schemas.openxmlformats.org/markup-compatibility/2006">
-    <mc:Choice xmlns:p14="http://schemas.microsoft.com/office/powerpoint/2010/main" Requires="p14">
+  <mc:AlternateContent xmlns:mc="http://schemas.openxmlformats.org/markup-compatibility/2006" xmlns:p14="http://schemas.microsoft.com/office/powerpoint/2010/main">
+    <mc:Choice Requires="p14">
       <p:transition spd="slow" p14:dur="1300">
         <p14:pan/>
       </p:transition>
     </mc:Choice>
-    <mc:Fallback>
+    <mc:Fallback xmlns="">
       <p:transition spd="slow">
         <p:fade/>
       </p:transition>
@@ -589,7 +601,7 @@
           <p:cNvPr id="2" name="Vertical Title 1">
             <a:extLst>
               <a:ext uri="{FF2B5EF4-FFF2-40B4-BE49-F238E27FC236}">
-                <a16:creationId xmlns:a16="http://schemas.microsoft.com/office/drawing/2014/main" id="{FCBB516A-0DED-45D1-AAA5-0164E4034C22}"/>
+                <a16:creationId xmlns:a16="http://schemas.microsoft.com/office/drawing/2014/main" xmlns="" id="{FCBB516A-0DED-45D1-AAA5-0164E4034C22}"/>
               </a:ext>
             </a:extLst>
           </p:cNvPr>
@@ -623,7 +635,7 @@
           <p:cNvPr id="3" name="Vertical Text Placeholder 2">
             <a:extLst>
               <a:ext uri="{FF2B5EF4-FFF2-40B4-BE49-F238E27FC236}">
-                <a16:creationId xmlns:a16="http://schemas.microsoft.com/office/drawing/2014/main" id="{8E33144E-E9AC-4BE5-999A-F1EA092CE547}"/>
+                <a16:creationId xmlns:a16="http://schemas.microsoft.com/office/drawing/2014/main" xmlns="" id="{8E33144E-E9AC-4BE5-999A-F1EA092CE547}"/>
               </a:ext>
             </a:extLst>
           </p:cNvPr>
@@ -686,7 +698,7 @@
           <p:cNvPr id="4" name="Date Placeholder 3">
             <a:extLst>
               <a:ext uri="{FF2B5EF4-FFF2-40B4-BE49-F238E27FC236}">
-                <a16:creationId xmlns:a16="http://schemas.microsoft.com/office/drawing/2014/main" id="{FF173F19-FBE0-48B0-8115-14223F3A0917}"/>
+                <a16:creationId xmlns:a16="http://schemas.microsoft.com/office/drawing/2014/main" xmlns="" id="{FF173F19-FBE0-48B0-8115-14223F3A0917}"/>
               </a:ext>
             </a:extLst>
           </p:cNvPr>
@@ -715,7 +727,7 @@
           <p:cNvPr id="5" name="Footer Placeholder 4">
             <a:extLst>
               <a:ext uri="{FF2B5EF4-FFF2-40B4-BE49-F238E27FC236}">
-                <a16:creationId xmlns:a16="http://schemas.microsoft.com/office/drawing/2014/main" id="{DBA114EB-4439-4F8B-8C6B-E29F154939CD}"/>
+                <a16:creationId xmlns:a16="http://schemas.microsoft.com/office/drawing/2014/main" xmlns="" id="{DBA114EB-4439-4F8B-8C6B-E29F154939CD}"/>
               </a:ext>
             </a:extLst>
           </p:cNvPr>
@@ -740,7 +752,7 @@
           <p:cNvPr id="6" name="Slide Number Placeholder 5">
             <a:extLst>
               <a:ext uri="{FF2B5EF4-FFF2-40B4-BE49-F238E27FC236}">
-                <a16:creationId xmlns:a16="http://schemas.microsoft.com/office/drawing/2014/main" id="{1FD80A4A-9FAE-479C-86C8-49BDA6C17444}"/>
+                <a16:creationId xmlns:a16="http://schemas.microsoft.com/office/drawing/2014/main" xmlns="" id="{1FD80A4A-9FAE-479C-86C8-49BDA6C17444}"/>
               </a:ext>
             </a:extLst>
           </p:cNvPr>
@@ -774,13 +786,13 @@
   <p:clrMapOvr>
     <a:masterClrMapping/>
   </p:clrMapOvr>
-  <mc:AlternateContent xmlns:mc="http://schemas.openxmlformats.org/markup-compatibility/2006">
-    <mc:Choice xmlns:p14="http://schemas.microsoft.com/office/powerpoint/2010/main" Requires="p14">
+  <mc:AlternateContent xmlns:mc="http://schemas.openxmlformats.org/markup-compatibility/2006" xmlns:p14="http://schemas.microsoft.com/office/powerpoint/2010/main">
+    <mc:Choice Requires="p14">
       <p:transition spd="slow" p14:dur="1300">
         <p14:pan/>
       </p:transition>
     </mc:Choice>
-    <mc:Fallback>
+    <mc:Fallback xmlns="">
       <p:transition spd="slow">
         <p:fade/>
       </p:transition>
@@ -811,7 +823,7 @@
           <p:cNvPr id="2" name="Title 1">
             <a:extLst>
               <a:ext uri="{FF2B5EF4-FFF2-40B4-BE49-F238E27FC236}">
-                <a16:creationId xmlns:a16="http://schemas.microsoft.com/office/drawing/2014/main" id="{8F4D4F01-4DA8-4902-AE00-AE7E2C9332FD}"/>
+                <a16:creationId xmlns:a16="http://schemas.microsoft.com/office/drawing/2014/main" xmlns="" id="{8F4D4F01-4DA8-4902-AE00-AE7E2C9332FD}"/>
               </a:ext>
             </a:extLst>
           </p:cNvPr>
@@ -840,7 +852,7 @@
           <p:cNvPr id="3" name="Content Placeholder 2">
             <a:extLst>
               <a:ext uri="{FF2B5EF4-FFF2-40B4-BE49-F238E27FC236}">
-                <a16:creationId xmlns:a16="http://schemas.microsoft.com/office/drawing/2014/main" id="{8336399F-667C-468B-B917-FCB74D5C5499}"/>
+                <a16:creationId xmlns:a16="http://schemas.microsoft.com/office/drawing/2014/main" xmlns="" id="{8336399F-667C-468B-B917-FCB74D5C5499}"/>
               </a:ext>
             </a:extLst>
           </p:cNvPr>
@@ -898,7 +910,7 @@
           <p:cNvPr id="4" name="Date Placeholder 3">
             <a:extLst>
               <a:ext uri="{FF2B5EF4-FFF2-40B4-BE49-F238E27FC236}">
-                <a16:creationId xmlns:a16="http://schemas.microsoft.com/office/drawing/2014/main" id="{75A6CA5B-DE05-466D-9397-7FD29407161C}"/>
+                <a16:creationId xmlns:a16="http://schemas.microsoft.com/office/drawing/2014/main" xmlns="" id="{75A6CA5B-DE05-466D-9397-7FD29407161C}"/>
               </a:ext>
             </a:extLst>
           </p:cNvPr>
@@ -927,7 +939,7 @@
           <p:cNvPr id="5" name="Footer Placeholder 4">
             <a:extLst>
               <a:ext uri="{FF2B5EF4-FFF2-40B4-BE49-F238E27FC236}">
-                <a16:creationId xmlns:a16="http://schemas.microsoft.com/office/drawing/2014/main" id="{A228FED0-C8B9-4D3B-BC68-3A62D0069DC3}"/>
+                <a16:creationId xmlns:a16="http://schemas.microsoft.com/office/drawing/2014/main" xmlns="" id="{A228FED0-C8B9-4D3B-BC68-3A62D0069DC3}"/>
               </a:ext>
             </a:extLst>
           </p:cNvPr>
@@ -952,7 +964,7 @@
           <p:cNvPr id="6" name="Slide Number Placeholder 5">
             <a:extLst>
               <a:ext uri="{FF2B5EF4-FFF2-40B4-BE49-F238E27FC236}">
-                <a16:creationId xmlns:a16="http://schemas.microsoft.com/office/drawing/2014/main" id="{63D5E6C9-35A6-456C-963F-D18626E8057B}"/>
+                <a16:creationId xmlns:a16="http://schemas.microsoft.com/office/drawing/2014/main" xmlns="" id="{63D5E6C9-35A6-456C-963F-D18626E8057B}"/>
               </a:ext>
             </a:extLst>
           </p:cNvPr>
@@ -986,13 +998,13 @@
   <p:clrMapOvr>
     <a:masterClrMapping/>
   </p:clrMapOvr>
-  <mc:AlternateContent xmlns:mc="http://schemas.openxmlformats.org/markup-compatibility/2006">
-    <mc:Choice xmlns:p14="http://schemas.microsoft.com/office/powerpoint/2010/main" Requires="p14">
+  <mc:AlternateContent xmlns:mc="http://schemas.openxmlformats.org/markup-compatibility/2006" xmlns:p14="http://schemas.microsoft.com/office/powerpoint/2010/main">
+    <mc:Choice Requires="p14">
       <p:transition spd="slow" p14:dur="1300">
         <p14:pan/>
       </p:transition>
     </mc:Choice>
-    <mc:Fallback>
+    <mc:Fallback xmlns="">
       <p:transition spd="slow">
         <p:fade/>
       </p:transition>
@@ -1023,7 +1035,7 @@
           <p:cNvPr id="2" name="Title 1">
             <a:extLst>
               <a:ext uri="{FF2B5EF4-FFF2-40B4-BE49-F238E27FC236}">
-                <a16:creationId xmlns:a16="http://schemas.microsoft.com/office/drawing/2014/main" id="{E9198ADC-FA8D-4241-89FA-0A11568C8825}"/>
+                <a16:creationId xmlns:a16="http://schemas.microsoft.com/office/drawing/2014/main" xmlns="" id="{E9198ADC-FA8D-4241-89FA-0A11568C8825}"/>
               </a:ext>
             </a:extLst>
           </p:cNvPr>
@@ -1061,7 +1073,7 @@
           <p:cNvPr id="3" name="Text Placeholder 2">
             <a:extLst>
               <a:ext uri="{FF2B5EF4-FFF2-40B4-BE49-F238E27FC236}">
-                <a16:creationId xmlns:a16="http://schemas.microsoft.com/office/drawing/2014/main" id="{05A02B92-76D5-411A-B304-85E998567266}"/>
+                <a16:creationId xmlns:a16="http://schemas.microsoft.com/office/drawing/2014/main" xmlns="" id="{05A02B92-76D5-411A-B304-85E998567266}"/>
               </a:ext>
             </a:extLst>
           </p:cNvPr>
@@ -1186,7 +1198,7 @@
           <p:cNvPr id="4" name="Date Placeholder 3">
             <a:extLst>
               <a:ext uri="{FF2B5EF4-FFF2-40B4-BE49-F238E27FC236}">
-                <a16:creationId xmlns:a16="http://schemas.microsoft.com/office/drawing/2014/main" id="{CBF8D074-DF2D-43BA-8531-E8F9F8021BFA}"/>
+                <a16:creationId xmlns:a16="http://schemas.microsoft.com/office/drawing/2014/main" xmlns="" id="{CBF8D074-DF2D-43BA-8531-E8F9F8021BFA}"/>
               </a:ext>
             </a:extLst>
           </p:cNvPr>
@@ -1215,7 +1227,7 @@
           <p:cNvPr id="5" name="Footer Placeholder 4">
             <a:extLst>
               <a:ext uri="{FF2B5EF4-FFF2-40B4-BE49-F238E27FC236}">
-                <a16:creationId xmlns:a16="http://schemas.microsoft.com/office/drawing/2014/main" id="{D1211841-6090-41D8-982E-16B6DA9355AD}"/>
+                <a16:creationId xmlns:a16="http://schemas.microsoft.com/office/drawing/2014/main" xmlns="" id="{D1211841-6090-41D8-982E-16B6DA9355AD}"/>
               </a:ext>
             </a:extLst>
           </p:cNvPr>
@@ -1240,7 +1252,7 @@
           <p:cNvPr id="6" name="Slide Number Placeholder 5">
             <a:extLst>
               <a:ext uri="{FF2B5EF4-FFF2-40B4-BE49-F238E27FC236}">
-                <a16:creationId xmlns:a16="http://schemas.microsoft.com/office/drawing/2014/main" id="{C44CAFDB-E614-4817-BB1E-546252D2EB05}"/>
+                <a16:creationId xmlns:a16="http://schemas.microsoft.com/office/drawing/2014/main" xmlns="" id="{C44CAFDB-E614-4817-BB1E-546252D2EB05}"/>
               </a:ext>
             </a:extLst>
           </p:cNvPr>
@@ -1274,13 +1286,13 @@
   <p:clrMapOvr>
     <a:masterClrMapping/>
   </p:clrMapOvr>
-  <mc:AlternateContent xmlns:mc="http://schemas.openxmlformats.org/markup-compatibility/2006">
-    <mc:Choice xmlns:p14="http://schemas.microsoft.com/office/powerpoint/2010/main" Requires="p14">
+  <mc:AlternateContent xmlns:mc="http://schemas.openxmlformats.org/markup-compatibility/2006" xmlns:p14="http://schemas.microsoft.com/office/powerpoint/2010/main">
+    <mc:Choice Requires="p14">
       <p:transition spd="slow" p14:dur="1300">
         <p14:pan/>
       </p:transition>
     </mc:Choice>
-    <mc:Fallback>
+    <mc:Fallback xmlns="">
       <p:transition spd="slow">
         <p:fade/>
       </p:transition>
@@ -1311,7 +1323,7 @@
           <p:cNvPr id="2" name="Title 1">
             <a:extLst>
               <a:ext uri="{FF2B5EF4-FFF2-40B4-BE49-F238E27FC236}">
-                <a16:creationId xmlns:a16="http://schemas.microsoft.com/office/drawing/2014/main" id="{B3EEC79C-CA85-49D5-BDE9-8195E7A8E8E1}"/>
+                <a16:creationId xmlns:a16="http://schemas.microsoft.com/office/drawing/2014/main" xmlns="" id="{B3EEC79C-CA85-49D5-BDE9-8195E7A8E8E1}"/>
               </a:ext>
             </a:extLst>
           </p:cNvPr>
@@ -1340,7 +1352,7 @@
           <p:cNvPr id="3" name="Content Placeholder 2">
             <a:extLst>
               <a:ext uri="{FF2B5EF4-FFF2-40B4-BE49-F238E27FC236}">
-                <a16:creationId xmlns:a16="http://schemas.microsoft.com/office/drawing/2014/main" id="{E3DE359F-C7D0-4311-8239-A4FDB905B466}"/>
+                <a16:creationId xmlns:a16="http://schemas.microsoft.com/office/drawing/2014/main" xmlns="" id="{E3DE359F-C7D0-4311-8239-A4FDB905B466}"/>
               </a:ext>
             </a:extLst>
           </p:cNvPr>
@@ -1403,7 +1415,7 @@
           <p:cNvPr id="4" name="Content Placeholder 3">
             <a:extLst>
               <a:ext uri="{FF2B5EF4-FFF2-40B4-BE49-F238E27FC236}">
-                <a16:creationId xmlns:a16="http://schemas.microsoft.com/office/drawing/2014/main" id="{469438A1-626E-43D3-B3D7-A71F1643A83B}"/>
+                <a16:creationId xmlns:a16="http://schemas.microsoft.com/office/drawing/2014/main" xmlns="" id="{469438A1-626E-43D3-B3D7-A71F1643A83B}"/>
               </a:ext>
             </a:extLst>
           </p:cNvPr>
@@ -1466,7 +1478,7 @@
           <p:cNvPr id="5" name="Date Placeholder 4">
             <a:extLst>
               <a:ext uri="{FF2B5EF4-FFF2-40B4-BE49-F238E27FC236}">
-                <a16:creationId xmlns:a16="http://schemas.microsoft.com/office/drawing/2014/main" id="{2378537E-FF3F-49A3-A472-627CF2C323EA}"/>
+                <a16:creationId xmlns:a16="http://schemas.microsoft.com/office/drawing/2014/main" xmlns="" id="{2378537E-FF3F-49A3-A472-627CF2C323EA}"/>
               </a:ext>
             </a:extLst>
           </p:cNvPr>
@@ -1495,7 +1507,7 @@
           <p:cNvPr id="6" name="Footer Placeholder 5">
             <a:extLst>
               <a:ext uri="{FF2B5EF4-FFF2-40B4-BE49-F238E27FC236}">
-                <a16:creationId xmlns:a16="http://schemas.microsoft.com/office/drawing/2014/main" id="{74B02756-FF9B-460E-AF55-3E6E85E2E196}"/>
+                <a16:creationId xmlns:a16="http://schemas.microsoft.com/office/drawing/2014/main" xmlns="" id="{74B02756-FF9B-460E-AF55-3E6E85E2E196}"/>
               </a:ext>
             </a:extLst>
           </p:cNvPr>
@@ -1520,7 +1532,7 @@
           <p:cNvPr id="7" name="Slide Number Placeholder 6">
             <a:extLst>
               <a:ext uri="{FF2B5EF4-FFF2-40B4-BE49-F238E27FC236}">
-                <a16:creationId xmlns:a16="http://schemas.microsoft.com/office/drawing/2014/main" id="{D2AA251E-7140-48A3-A0BC-DD00BB9D3B0C}"/>
+                <a16:creationId xmlns:a16="http://schemas.microsoft.com/office/drawing/2014/main" xmlns="" id="{D2AA251E-7140-48A3-A0BC-DD00BB9D3B0C}"/>
               </a:ext>
             </a:extLst>
           </p:cNvPr>
@@ -1554,13 +1566,13 @@
   <p:clrMapOvr>
     <a:masterClrMapping/>
   </p:clrMapOvr>
-  <mc:AlternateContent xmlns:mc="http://schemas.openxmlformats.org/markup-compatibility/2006">
-    <mc:Choice xmlns:p14="http://schemas.microsoft.com/office/powerpoint/2010/main" Requires="p14">
+  <mc:AlternateContent xmlns:mc="http://schemas.openxmlformats.org/markup-compatibility/2006" xmlns:p14="http://schemas.microsoft.com/office/powerpoint/2010/main">
+    <mc:Choice Requires="p14">
       <p:transition spd="slow" p14:dur="1300">
         <p14:pan/>
       </p:transition>
     </mc:Choice>
-    <mc:Fallback>
+    <mc:Fallback xmlns="">
       <p:transition spd="slow">
         <p:fade/>
       </p:transition>
@@ -1591,7 +1603,7 @@
           <p:cNvPr id="2" name="Title 1">
             <a:extLst>
               <a:ext uri="{FF2B5EF4-FFF2-40B4-BE49-F238E27FC236}">
-                <a16:creationId xmlns:a16="http://schemas.microsoft.com/office/drawing/2014/main" id="{80F7D869-6A0E-4931-984C-4FC8DECBB5B4}"/>
+                <a16:creationId xmlns:a16="http://schemas.microsoft.com/office/drawing/2014/main" xmlns="" id="{80F7D869-6A0E-4931-984C-4FC8DECBB5B4}"/>
               </a:ext>
             </a:extLst>
           </p:cNvPr>
@@ -1625,7 +1637,7 @@
           <p:cNvPr id="3" name="Text Placeholder 2">
             <a:extLst>
               <a:ext uri="{FF2B5EF4-FFF2-40B4-BE49-F238E27FC236}">
-                <a16:creationId xmlns:a16="http://schemas.microsoft.com/office/drawing/2014/main" id="{EEEBCBD7-4403-48C7-835B-31AE37D64C0F}"/>
+                <a16:creationId xmlns:a16="http://schemas.microsoft.com/office/drawing/2014/main" xmlns="" id="{EEEBCBD7-4403-48C7-835B-31AE37D64C0F}"/>
               </a:ext>
             </a:extLst>
           </p:cNvPr>
@@ -1696,7 +1708,7 @@
           <p:cNvPr id="4" name="Content Placeholder 3">
             <a:extLst>
               <a:ext uri="{FF2B5EF4-FFF2-40B4-BE49-F238E27FC236}">
-                <a16:creationId xmlns:a16="http://schemas.microsoft.com/office/drawing/2014/main" id="{2CF1642C-5EF0-4881-99A4-357021F6F57A}"/>
+                <a16:creationId xmlns:a16="http://schemas.microsoft.com/office/drawing/2014/main" xmlns="" id="{2CF1642C-5EF0-4881-99A4-357021F6F57A}"/>
               </a:ext>
             </a:extLst>
           </p:cNvPr>
@@ -1759,7 +1771,7 @@
           <p:cNvPr id="5" name="Text Placeholder 4">
             <a:extLst>
               <a:ext uri="{FF2B5EF4-FFF2-40B4-BE49-F238E27FC236}">
-                <a16:creationId xmlns:a16="http://schemas.microsoft.com/office/drawing/2014/main" id="{25DB77E6-954A-4857-960D-BE7E970ACE3E}"/>
+                <a16:creationId xmlns:a16="http://schemas.microsoft.com/office/drawing/2014/main" xmlns="" id="{25DB77E6-954A-4857-960D-BE7E970ACE3E}"/>
               </a:ext>
             </a:extLst>
           </p:cNvPr>
@@ -1830,7 +1842,7 @@
           <p:cNvPr id="6" name="Content Placeholder 5">
             <a:extLst>
               <a:ext uri="{FF2B5EF4-FFF2-40B4-BE49-F238E27FC236}">
-                <a16:creationId xmlns:a16="http://schemas.microsoft.com/office/drawing/2014/main" id="{572F0C40-394A-428A-BE94-50AB611D3997}"/>
+                <a16:creationId xmlns:a16="http://schemas.microsoft.com/office/drawing/2014/main" xmlns="" id="{572F0C40-394A-428A-BE94-50AB611D3997}"/>
               </a:ext>
             </a:extLst>
           </p:cNvPr>
@@ -1893,7 +1905,7 @@
           <p:cNvPr id="7" name="Date Placeholder 6">
             <a:extLst>
               <a:ext uri="{FF2B5EF4-FFF2-40B4-BE49-F238E27FC236}">
-                <a16:creationId xmlns:a16="http://schemas.microsoft.com/office/drawing/2014/main" id="{D8F4BDC2-5978-4303-AA8E-ECD4C2AFCA62}"/>
+                <a16:creationId xmlns:a16="http://schemas.microsoft.com/office/drawing/2014/main" xmlns="" id="{D8F4BDC2-5978-4303-AA8E-ECD4C2AFCA62}"/>
               </a:ext>
             </a:extLst>
           </p:cNvPr>
@@ -1922,7 +1934,7 @@
           <p:cNvPr id="8" name="Footer Placeholder 7">
             <a:extLst>
               <a:ext uri="{FF2B5EF4-FFF2-40B4-BE49-F238E27FC236}">
-                <a16:creationId xmlns:a16="http://schemas.microsoft.com/office/drawing/2014/main" id="{35A4631C-7A2A-4980-8CCA-602E7C20834E}"/>
+                <a16:creationId xmlns:a16="http://schemas.microsoft.com/office/drawing/2014/main" xmlns="" id="{35A4631C-7A2A-4980-8CCA-602E7C20834E}"/>
               </a:ext>
             </a:extLst>
           </p:cNvPr>
@@ -1947,7 +1959,7 @@
           <p:cNvPr id="9" name="Slide Number Placeholder 8">
             <a:extLst>
               <a:ext uri="{FF2B5EF4-FFF2-40B4-BE49-F238E27FC236}">
-                <a16:creationId xmlns:a16="http://schemas.microsoft.com/office/drawing/2014/main" id="{C22DA29B-043A-4B0F-BAC7-B8DAD109A789}"/>
+                <a16:creationId xmlns:a16="http://schemas.microsoft.com/office/drawing/2014/main" xmlns="" id="{C22DA29B-043A-4B0F-BAC7-B8DAD109A789}"/>
               </a:ext>
             </a:extLst>
           </p:cNvPr>
@@ -1981,13 +1993,13 @@
   <p:clrMapOvr>
     <a:masterClrMapping/>
   </p:clrMapOvr>
-  <mc:AlternateContent xmlns:mc="http://schemas.openxmlformats.org/markup-compatibility/2006">
-    <mc:Choice xmlns:p14="http://schemas.microsoft.com/office/powerpoint/2010/main" Requires="p14">
+  <mc:AlternateContent xmlns:mc="http://schemas.openxmlformats.org/markup-compatibility/2006" xmlns:p14="http://schemas.microsoft.com/office/powerpoint/2010/main">
+    <mc:Choice Requires="p14">
       <p:transition spd="slow" p14:dur="1300">
         <p14:pan/>
       </p:transition>
     </mc:Choice>
-    <mc:Fallback>
+    <mc:Fallback xmlns="">
       <p:transition spd="slow">
         <p:fade/>
       </p:transition>
@@ -2018,7 +2030,7 @@
           <p:cNvPr id="2" name="Title 1">
             <a:extLst>
               <a:ext uri="{FF2B5EF4-FFF2-40B4-BE49-F238E27FC236}">
-                <a16:creationId xmlns:a16="http://schemas.microsoft.com/office/drawing/2014/main" id="{B8AA96C5-34B2-465B-AB0D-DD5A251C66AF}"/>
+                <a16:creationId xmlns:a16="http://schemas.microsoft.com/office/drawing/2014/main" xmlns="" id="{B8AA96C5-34B2-465B-AB0D-DD5A251C66AF}"/>
               </a:ext>
             </a:extLst>
           </p:cNvPr>
@@ -2047,7 +2059,7 @@
           <p:cNvPr id="3" name="Date Placeholder 2">
             <a:extLst>
               <a:ext uri="{FF2B5EF4-FFF2-40B4-BE49-F238E27FC236}">
-                <a16:creationId xmlns:a16="http://schemas.microsoft.com/office/drawing/2014/main" id="{17EDAE27-FCE8-44CB-9667-8A33DAF47EFC}"/>
+                <a16:creationId xmlns:a16="http://schemas.microsoft.com/office/drawing/2014/main" xmlns="" id="{17EDAE27-FCE8-44CB-9667-8A33DAF47EFC}"/>
               </a:ext>
             </a:extLst>
           </p:cNvPr>
@@ -2076,7 +2088,7 @@
           <p:cNvPr id="4" name="Footer Placeholder 3">
             <a:extLst>
               <a:ext uri="{FF2B5EF4-FFF2-40B4-BE49-F238E27FC236}">
-                <a16:creationId xmlns:a16="http://schemas.microsoft.com/office/drawing/2014/main" id="{36DB3FCA-C966-44DE-AC8B-4C0C4AB3C786}"/>
+                <a16:creationId xmlns:a16="http://schemas.microsoft.com/office/drawing/2014/main" xmlns="" id="{36DB3FCA-C966-44DE-AC8B-4C0C4AB3C786}"/>
               </a:ext>
             </a:extLst>
           </p:cNvPr>
@@ -2101,7 +2113,7 @@
           <p:cNvPr id="5" name="Slide Number Placeholder 4">
             <a:extLst>
               <a:ext uri="{FF2B5EF4-FFF2-40B4-BE49-F238E27FC236}">
-                <a16:creationId xmlns:a16="http://schemas.microsoft.com/office/drawing/2014/main" id="{C8AF8170-0E30-4214-95C5-0F901C90E014}"/>
+                <a16:creationId xmlns:a16="http://schemas.microsoft.com/office/drawing/2014/main" xmlns="" id="{C8AF8170-0E30-4214-95C5-0F901C90E014}"/>
               </a:ext>
             </a:extLst>
           </p:cNvPr>
@@ -2135,13 +2147,13 @@
   <p:clrMapOvr>
     <a:masterClrMapping/>
   </p:clrMapOvr>
-  <mc:AlternateContent xmlns:mc="http://schemas.openxmlformats.org/markup-compatibility/2006">
-    <mc:Choice xmlns:p14="http://schemas.microsoft.com/office/powerpoint/2010/main" Requires="p14">
+  <mc:AlternateContent xmlns:mc="http://schemas.openxmlformats.org/markup-compatibility/2006" xmlns:p14="http://schemas.microsoft.com/office/powerpoint/2010/main">
+    <mc:Choice Requires="p14">
       <p:transition spd="slow" p14:dur="1300">
         <p14:pan/>
       </p:transition>
     </mc:Choice>
-    <mc:Fallback>
+    <mc:Fallback xmlns="">
       <p:transition spd="slow">
         <p:fade/>
       </p:transition>
@@ -2172,7 +2184,7 @@
           <p:cNvPr id="2" name="Date Placeholder 1">
             <a:extLst>
               <a:ext uri="{FF2B5EF4-FFF2-40B4-BE49-F238E27FC236}">
-                <a16:creationId xmlns:a16="http://schemas.microsoft.com/office/drawing/2014/main" id="{4FB0CF90-AD34-4B43-8D03-77683392BC91}"/>
+                <a16:creationId xmlns:a16="http://schemas.microsoft.com/office/drawing/2014/main" xmlns="" id="{4FB0CF90-AD34-4B43-8D03-77683392BC91}"/>
               </a:ext>
             </a:extLst>
           </p:cNvPr>
@@ -2201,7 +2213,7 @@
           <p:cNvPr id="3" name="Footer Placeholder 2">
             <a:extLst>
               <a:ext uri="{FF2B5EF4-FFF2-40B4-BE49-F238E27FC236}">
-                <a16:creationId xmlns:a16="http://schemas.microsoft.com/office/drawing/2014/main" id="{E1018A48-B201-4048-B6F1-C2BBF71EE0BF}"/>
+                <a16:creationId xmlns:a16="http://schemas.microsoft.com/office/drawing/2014/main" xmlns="" id="{E1018A48-B201-4048-B6F1-C2BBF71EE0BF}"/>
               </a:ext>
             </a:extLst>
           </p:cNvPr>
@@ -2226,7 +2238,7 @@
           <p:cNvPr id="4" name="Slide Number Placeholder 3">
             <a:extLst>
               <a:ext uri="{FF2B5EF4-FFF2-40B4-BE49-F238E27FC236}">
-                <a16:creationId xmlns:a16="http://schemas.microsoft.com/office/drawing/2014/main" id="{76756364-939C-41CF-9CDF-C98DE0B59B02}"/>
+                <a16:creationId xmlns:a16="http://schemas.microsoft.com/office/drawing/2014/main" xmlns="" id="{76756364-939C-41CF-9CDF-C98DE0B59B02}"/>
               </a:ext>
             </a:extLst>
           </p:cNvPr>
@@ -2260,13 +2272,13 @@
   <p:clrMapOvr>
     <a:masterClrMapping/>
   </p:clrMapOvr>
-  <mc:AlternateContent xmlns:mc="http://schemas.openxmlformats.org/markup-compatibility/2006">
-    <mc:Choice xmlns:p14="http://schemas.microsoft.com/office/powerpoint/2010/main" Requires="p14">
+  <mc:AlternateContent xmlns:mc="http://schemas.openxmlformats.org/markup-compatibility/2006" xmlns:p14="http://schemas.microsoft.com/office/powerpoint/2010/main">
+    <mc:Choice Requires="p14">
       <p:transition spd="slow" p14:dur="1300">
         <p14:pan/>
       </p:transition>
     </mc:Choice>
-    <mc:Fallback>
+    <mc:Fallback xmlns="">
       <p:transition spd="slow">
         <p:fade/>
       </p:transition>
@@ -2297,7 +2309,7 @@
           <p:cNvPr id="2" name="Title 1">
             <a:extLst>
               <a:ext uri="{FF2B5EF4-FFF2-40B4-BE49-F238E27FC236}">
-                <a16:creationId xmlns:a16="http://schemas.microsoft.com/office/drawing/2014/main" id="{FFCD7D0E-98BC-4234-ACDE-3EF32F815812}"/>
+                <a16:creationId xmlns:a16="http://schemas.microsoft.com/office/drawing/2014/main" xmlns="" id="{FFCD7D0E-98BC-4234-ACDE-3EF32F815812}"/>
               </a:ext>
             </a:extLst>
           </p:cNvPr>
@@ -2335,7 +2347,7 @@
           <p:cNvPr id="3" name="Content Placeholder 2">
             <a:extLst>
               <a:ext uri="{FF2B5EF4-FFF2-40B4-BE49-F238E27FC236}">
-                <a16:creationId xmlns:a16="http://schemas.microsoft.com/office/drawing/2014/main" id="{53FA8348-AD76-4EFC-A730-DA95B9A8A23E}"/>
+                <a16:creationId xmlns:a16="http://schemas.microsoft.com/office/drawing/2014/main" xmlns="" id="{53FA8348-AD76-4EFC-A730-DA95B9A8A23E}"/>
               </a:ext>
             </a:extLst>
           </p:cNvPr>
@@ -2426,7 +2438,7 @@
           <p:cNvPr id="4" name="Text Placeholder 3">
             <a:extLst>
               <a:ext uri="{FF2B5EF4-FFF2-40B4-BE49-F238E27FC236}">
-                <a16:creationId xmlns:a16="http://schemas.microsoft.com/office/drawing/2014/main" id="{6082E8A3-6664-4B75-AA73-A9C12C04594E}"/>
+                <a16:creationId xmlns:a16="http://schemas.microsoft.com/office/drawing/2014/main" xmlns="" id="{6082E8A3-6664-4B75-AA73-A9C12C04594E}"/>
               </a:ext>
             </a:extLst>
           </p:cNvPr>
@@ -2497,7 +2509,7 @@
           <p:cNvPr id="5" name="Date Placeholder 4">
             <a:extLst>
               <a:ext uri="{FF2B5EF4-FFF2-40B4-BE49-F238E27FC236}">
-                <a16:creationId xmlns:a16="http://schemas.microsoft.com/office/drawing/2014/main" id="{838C9F23-E889-416A-B003-E55C1BCCC763}"/>
+                <a16:creationId xmlns:a16="http://schemas.microsoft.com/office/drawing/2014/main" xmlns="" id="{838C9F23-E889-416A-B003-E55C1BCCC763}"/>
               </a:ext>
             </a:extLst>
           </p:cNvPr>
@@ -2526,7 +2538,7 @@
           <p:cNvPr id="6" name="Footer Placeholder 5">
             <a:extLst>
               <a:ext uri="{FF2B5EF4-FFF2-40B4-BE49-F238E27FC236}">
-                <a16:creationId xmlns:a16="http://schemas.microsoft.com/office/drawing/2014/main" id="{E8A58162-903B-47D4-BE52-B7E4F2DA5440}"/>
+                <a16:creationId xmlns:a16="http://schemas.microsoft.com/office/drawing/2014/main" xmlns="" id="{E8A58162-903B-47D4-BE52-B7E4F2DA5440}"/>
               </a:ext>
             </a:extLst>
           </p:cNvPr>
@@ -2551,7 +2563,7 @@
           <p:cNvPr id="7" name="Slide Number Placeholder 6">
             <a:extLst>
               <a:ext uri="{FF2B5EF4-FFF2-40B4-BE49-F238E27FC236}">
-                <a16:creationId xmlns:a16="http://schemas.microsoft.com/office/drawing/2014/main" id="{F59FEB49-9570-44C1-911D-59A96C2AADEC}"/>
+                <a16:creationId xmlns:a16="http://schemas.microsoft.com/office/drawing/2014/main" xmlns="" id="{F59FEB49-9570-44C1-911D-59A96C2AADEC}"/>
               </a:ext>
             </a:extLst>
           </p:cNvPr>
@@ -2585,13 +2597,13 @@
   <p:clrMapOvr>
     <a:masterClrMapping/>
   </p:clrMapOvr>
-  <mc:AlternateContent xmlns:mc="http://schemas.openxmlformats.org/markup-compatibility/2006">
-    <mc:Choice xmlns:p14="http://schemas.microsoft.com/office/powerpoint/2010/main" Requires="p14">
+  <mc:AlternateContent xmlns:mc="http://schemas.openxmlformats.org/markup-compatibility/2006" xmlns:p14="http://schemas.microsoft.com/office/powerpoint/2010/main">
+    <mc:Choice Requires="p14">
       <p:transition spd="slow" p14:dur="1300">
         <p14:pan/>
       </p:transition>
     </mc:Choice>
-    <mc:Fallback>
+    <mc:Fallback xmlns="">
       <p:transition spd="slow">
         <p:fade/>
       </p:transition>
@@ -2622,7 +2634,7 @@
           <p:cNvPr id="2" name="Title 1">
             <a:extLst>
               <a:ext uri="{FF2B5EF4-FFF2-40B4-BE49-F238E27FC236}">
-                <a16:creationId xmlns:a16="http://schemas.microsoft.com/office/drawing/2014/main" id="{2F35BCD0-8577-4478-8E3D-6C492E086B10}"/>
+                <a16:creationId xmlns:a16="http://schemas.microsoft.com/office/drawing/2014/main" xmlns="" id="{2F35BCD0-8577-4478-8E3D-6C492E086B10}"/>
               </a:ext>
             </a:extLst>
           </p:cNvPr>
@@ -2660,7 +2672,7 @@
           <p:cNvPr id="3" name="Picture Placeholder 2">
             <a:extLst>
               <a:ext uri="{FF2B5EF4-FFF2-40B4-BE49-F238E27FC236}">
-                <a16:creationId xmlns:a16="http://schemas.microsoft.com/office/drawing/2014/main" id="{52DD08B2-7AB7-413E-ACDE-5FF9CF9895EE}"/>
+                <a16:creationId xmlns:a16="http://schemas.microsoft.com/office/drawing/2014/main" xmlns="" id="{52DD08B2-7AB7-413E-ACDE-5FF9CF9895EE}"/>
               </a:ext>
             </a:extLst>
           </p:cNvPr>
@@ -2727,7 +2739,7 @@
           <p:cNvPr id="4" name="Text Placeholder 3">
             <a:extLst>
               <a:ext uri="{FF2B5EF4-FFF2-40B4-BE49-F238E27FC236}">
-                <a16:creationId xmlns:a16="http://schemas.microsoft.com/office/drawing/2014/main" id="{428F2792-3D2F-4561-8B70-57CDDA568E7E}"/>
+                <a16:creationId xmlns:a16="http://schemas.microsoft.com/office/drawing/2014/main" xmlns="" id="{428F2792-3D2F-4561-8B70-57CDDA568E7E}"/>
               </a:ext>
             </a:extLst>
           </p:cNvPr>
@@ -2798,7 +2810,7 @@
           <p:cNvPr id="5" name="Date Placeholder 4">
             <a:extLst>
               <a:ext uri="{FF2B5EF4-FFF2-40B4-BE49-F238E27FC236}">
-                <a16:creationId xmlns:a16="http://schemas.microsoft.com/office/drawing/2014/main" id="{8A015FBF-D135-41A0-8FAA-FE85C33D218C}"/>
+                <a16:creationId xmlns:a16="http://schemas.microsoft.com/office/drawing/2014/main" xmlns="" id="{8A015FBF-D135-41A0-8FAA-FE85C33D218C}"/>
               </a:ext>
             </a:extLst>
           </p:cNvPr>
@@ -2827,7 +2839,7 @@
           <p:cNvPr id="6" name="Footer Placeholder 5">
             <a:extLst>
               <a:ext uri="{FF2B5EF4-FFF2-40B4-BE49-F238E27FC236}">
-                <a16:creationId xmlns:a16="http://schemas.microsoft.com/office/drawing/2014/main" id="{DEF510E4-9A55-477B-805E-41292C194936}"/>
+                <a16:creationId xmlns:a16="http://schemas.microsoft.com/office/drawing/2014/main" xmlns="" id="{DEF510E4-9A55-477B-805E-41292C194936}"/>
               </a:ext>
             </a:extLst>
           </p:cNvPr>
@@ -2852,7 +2864,7 @@
           <p:cNvPr id="7" name="Slide Number Placeholder 6">
             <a:extLst>
               <a:ext uri="{FF2B5EF4-FFF2-40B4-BE49-F238E27FC236}">
-                <a16:creationId xmlns:a16="http://schemas.microsoft.com/office/drawing/2014/main" id="{266EE095-1BDE-4B11-BCF0-63B8A581EA32}"/>
+                <a16:creationId xmlns:a16="http://schemas.microsoft.com/office/drawing/2014/main" xmlns="" id="{266EE095-1BDE-4B11-BCF0-63B8A581EA32}"/>
               </a:ext>
             </a:extLst>
           </p:cNvPr>
@@ -2886,13 +2898,13 @@
   <p:clrMapOvr>
     <a:masterClrMapping/>
   </p:clrMapOvr>
-  <mc:AlternateContent xmlns:mc="http://schemas.openxmlformats.org/markup-compatibility/2006">
-    <mc:Choice xmlns:p14="http://schemas.microsoft.com/office/powerpoint/2010/main" Requires="p14">
+  <mc:AlternateContent xmlns:mc="http://schemas.openxmlformats.org/markup-compatibility/2006" xmlns:p14="http://schemas.microsoft.com/office/powerpoint/2010/main">
+    <mc:Choice Requires="p14">
       <p:transition spd="slow" p14:dur="1300">
         <p14:pan/>
       </p:transition>
     </mc:Choice>
-    <mc:Fallback>
+    <mc:Fallback xmlns="">
       <p:transition spd="slow">
         <p:fade/>
       </p:transition>
@@ -2928,7 +2940,7 @@
           <p:cNvPr id="2" name="Title Placeholder 1">
             <a:extLst>
               <a:ext uri="{FF2B5EF4-FFF2-40B4-BE49-F238E27FC236}">
-                <a16:creationId xmlns:a16="http://schemas.microsoft.com/office/drawing/2014/main" id="{3C64EE21-0232-4E9C-8E1A-231B24CCB356}"/>
+                <a16:creationId xmlns:a16="http://schemas.microsoft.com/office/drawing/2014/main" xmlns="" id="{3C64EE21-0232-4E9C-8E1A-231B24CCB356}"/>
               </a:ext>
             </a:extLst>
           </p:cNvPr>
@@ -2967,7 +2979,7 @@
           <p:cNvPr id="3" name="Text Placeholder 2">
             <a:extLst>
               <a:ext uri="{FF2B5EF4-FFF2-40B4-BE49-F238E27FC236}">
-                <a16:creationId xmlns:a16="http://schemas.microsoft.com/office/drawing/2014/main" id="{1EF2C910-D341-422F-8C8C-C0F74EFFA284}"/>
+                <a16:creationId xmlns:a16="http://schemas.microsoft.com/office/drawing/2014/main" xmlns="" id="{1EF2C910-D341-422F-8C8C-C0F74EFFA284}"/>
               </a:ext>
             </a:extLst>
           </p:cNvPr>
@@ -3035,7 +3047,7 @@
           <p:cNvPr id="4" name="Date Placeholder 3">
             <a:extLst>
               <a:ext uri="{FF2B5EF4-FFF2-40B4-BE49-F238E27FC236}">
-                <a16:creationId xmlns:a16="http://schemas.microsoft.com/office/drawing/2014/main" id="{09020BC4-80E8-493F-8867-90B9421F7089}"/>
+                <a16:creationId xmlns:a16="http://schemas.microsoft.com/office/drawing/2014/main" xmlns="" id="{09020BC4-80E8-493F-8867-90B9421F7089}"/>
               </a:ext>
             </a:extLst>
           </p:cNvPr>
@@ -3082,7 +3094,7 @@
           <p:cNvPr id="5" name="Footer Placeholder 4">
             <a:extLst>
               <a:ext uri="{FF2B5EF4-FFF2-40B4-BE49-F238E27FC236}">
-                <a16:creationId xmlns:a16="http://schemas.microsoft.com/office/drawing/2014/main" id="{3935EDD9-B948-4EE8-BAED-E8BBD93F79EF}"/>
+                <a16:creationId xmlns:a16="http://schemas.microsoft.com/office/drawing/2014/main" xmlns="" id="{3935EDD9-B948-4EE8-BAED-E8BBD93F79EF}"/>
               </a:ext>
             </a:extLst>
           </p:cNvPr>
@@ -3125,7 +3137,7 @@
           <p:cNvPr id="6" name="Slide Number Placeholder 5">
             <a:extLst>
               <a:ext uri="{FF2B5EF4-FFF2-40B4-BE49-F238E27FC236}">
-                <a16:creationId xmlns:a16="http://schemas.microsoft.com/office/drawing/2014/main" id="{F6A4F01C-0F8C-4941-9F5D-86E3040771D5}"/>
+                <a16:creationId xmlns:a16="http://schemas.microsoft.com/office/drawing/2014/main" xmlns="" id="{F6A4F01C-0F8C-4941-9F5D-86E3040771D5}"/>
               </a:ext>
             </a:extLst>
           </p:cNvPr>
@@ -3188,13 +3200,13 @@
     <p:sldLayoutId id="2147483658" r:id="rId10"/>
     <p:sldLayoutId id="2147483659" r:id="rId11"/>
   </p:sldLayoutIdLst>
-  <mc:AlternateContent xmlns:mc="http://schemas.openxmlformats.org/markup-compatibility/2006">
-    <mc:Choice xmlns:p14="http://schemas.microsoft.com/office/powerpoint/2010/main" Requires="p14">
+  <mc:AlternateContent xmlns:mc="http://schemas.openxmlformats.org/markup-compatibility/2006" xmlns:p14="http://schemas.microsoft.com/office/powerpoint/2010/main">
+    <mc:Choice Requires="p14">
       <p:transition spd="slow" p14:dur="1300">
         <p14:pan/>
       </p:transition>
     </mc:Choice>
-    <mc:Fallback>
+    <mc:Fallback xmlns="">
       <p:transition spd="slow">
         <p:fade/>
       </p:transition>
@@ -3505,7 +3517,7 @@
           <p:cNvPr id="2" name="Title 1">
             <a:extLst>
               <a:ext uri="{FF2B5EF4-FFF2-40B4-BE49-F238E27FC236}">
-                <a16:creationId xmlns:a16="http://schemas.microsoft.com/office/drawing/2014/main" id="{88C6F4D8-9449-49AB-A587-144E92FA4DA3}"/>
+                <a16:creationId xmlns:a16="http://schemas.microsoft.com/office/drawing/2014/main" xmlns="" id="{88C6F4D8-9449-49AB-A587-144E92FA4DA3}"/>
               </a:ext>
             </a:extLst>
           </p:cNvPr>
@@ -3544,7 +3556,7 @@
           <p:cNvPr id="3" name="Subtitle 2">
             <a:extLst>
               <a:ext uri="{FF2B5EF4-FFF2-40B4-BE49-F238E27FC236}">
-                <a16:creationId xmlns:a16="http://schemas.microsoft.com/office/drawing/2014/main" id="{FBAB4ACC-AEFF-4A50-A2AD-D0E5B31D1F91}"/>
+                <a16:creationId xmlns:a16="http://schemas.microsoft.com/office/drawing/2014/main" xmlns="" id="{FBAB4ACC-AEFF-4A50-A2AD-D0E5B31D1F91}"/>
               </a:ext>
             </a:extLst>
           </p:cNvPr>
@@ -3593,7 +3605,7 @@
           <p:cNvPr id="8" name="Rectangle 7">
             <a:extLst>
               <a:ext uri="{FF2B5EF4-FFF2-40B4-BE49-F238E27FC236}">
-                <a16:creationId xmlns:a16="http://schemas.microsoft.com/office/drawing/2014/main" id="{BF585FC5-A3FB-461F-BD24-1E4057225FC3}"/>
+                <a16:creationId xmlns:a16="http://schemas.microsoft.com/office/drawing/2014/main" xmlns="" id="{BF585FC5-A3FB-461F-BD24-1E4057225FC3}"/>
               </a:ext>
             </a:extLst>
           </p:cNvPr>
@@ -3645,7 +3657,7 @@
           <p:cNvPr id="9" name="Rectangle 8">
             <a:extLst>
               <a:ext uri="{FF2B5EF4-FFF2-40B4-BE49-F238E27FC236}">
-                <a16:creationId xmlns:a16="http://schemas.microsoft.com/office/drawing/2014/main" id="{F2C55255-63C2-47BB-9F52-BBE37B46C461}"/>
+                <a16:creationId xmlns:a16="http://schemas.microsoft.com/office/drawing/2014/main" xmlns="" id="{F2C55255-63C2-47BB-9F52-BBE37B46C461}"/>
               </a:ext>
             </a:extLst>
           </p:cNvPr>
@@ -3697,7 +3709,7 @@
           <p:cNvPr id="10" name="Rectangle 9">
             <a:extLst>
               <a:ext uri="{FF2B5EF4-FFF2-40B4-BE49-F238E27FC236}">
-                <a16:creationId xmlns:a16="http://schemas.microsoft.com/office/drawing/2014/main" id="{54CBE2CD-28F0-456C-B133-527B54A37DEB}"/>
+                <a16:creationId xmlns:a16="http://schemas.microsoft.com/office/drawing/2014/main" xmlns="" id="{54CBE2CD-28F0-456C-B133-527B54A37DEB}"/>
               </a:ext>
             </a:extLst>
           </p:cNvPr>
@@ -3749,7 +3761,7 @@
           <p:cNvPr id="12" name="Rectangle 11">
             <a:extLst>
               <a:ext uri="{FF2B5EF4-FFF2-40B4-BE49-F238E27FC236}">
-                <a16:creationId xmlns:a16="http://schemas.microsoft.com/office/drawing/2014/main" id="{97535CD0-D270-4508-91C0-31E7DBB59B21}"/>
+                <a16:creationId xmlns:a16="http://schemas.microsoft.com/office/drawing/2014/main" xmlns="" id="{97535CD0-D270-4508-91C0-31E7DBB59B21}"/>
               </a:ext>
             </a:extLst>
           </p:cNvPr>
@@ -3801,7 +3813,7 @@
           <p:cNvPr id="13" name="Rectangle 12">
             <a:extLst>
               <a:ext uri="{FF2B5EF4-FFF2-40B4-BE49-F238E27FC236}">
-                <a16:creationId xmlns:a16="http://schemas.microsoft.com/office/drawing/2014/main" id="{DCD36F55-BF70-4168-A419-B305F43C47CF}"/>
+                <a16:creationId xmlns:a16="http://schemas.microsoft.com/office/drawing/2014/main" xmlns="" id="{DCD36F55-BF70-4168-A419-B305F43C47CF}"/>
               </a:ext>
             </a:extLst>
           </p:cNvPr>
@@ -3853,7 +3865,7 @@
           <p:cNvPr id="14" name="Rectangle 13">
             <a:extLst>
               <a:ext uri="{FF2B5EF4-FFF2-40B4-BE49-F238E27FC236}">
-                <a16:creationId xmlns:a16="http://schemas.microsoft.com/office/drawing/2014/main" id="{667BC4A3-C775-4941-8E70-68F022F43D93}"/>
+                <a16:creationId xmlns:a16="http://schemas.microsoft.com/office/drawing/2014/main" xmlns="" id="{667BC4A3-C775-4941-8E70-68F022F43D93}"/>
               </a:ext>
             </a:extLst>
           </p:cNvPr>
@@ -3905,7 +3917,7 @@
           <p:cNvPr id="15" name="Rectangle 14">
             <a:extLst>
               <a:ext uri="{FF2B5EF4-FFF2-40B4-BE49-F238E27FC236}">
-                <a16:creationId xmlns:a16="http://schemas.microsoft.com/office/drawing/2014/main" id="{DEA1F1A6-48C6-4F4A-A72E-173920ABB53D}"/>
+                <a16:creationId xmlns:a16="http://schemas.microsoft.com/office/drawing/2014/main" xmlns="" id="{DEA1F1A6-48C6-4F4A-A72E-173920ABB53D}"/>
               </a:ext>
             </a:extLst>
           </p:cNvPr>
@@ -3957,7 +3969,7 @@
           <p:cNvPr id="17" name="Rectangle 16">
             <a:extLst>
               <a:ext uri="{FF2B5EF4-FFF2-40B4-BE49-F238E27FC236}">
-                <a16:creationId xmlns:a16="http://schemas.microsoft.com/office/drawing/2014/main" id="{60530C1F-4C6C-4FC2-878E-288FA6485D25}"/>
+                <a16:creationId xmlns:a16="http://schemas.microsoft.com/office/drawing/2014/main" xmlns="" id="{60530C1F-4C6C-4FC2-878E-288FA6485D25}"/>
               </a:ext>
             </a:extLst>
           </p:cNvPr>
@@ -4009,7 +4021,7 @@
           <p:cNvPr id="18" name="Rectangle 17">
             <a:extLst>
               <a:ext uri="{FF2B5EF4-FFF2-40B4-BE49-F238E27FC236}">
-                <a16:creationId xmlns:a16="http://schemas.microsoft.com/office/drawing/2014/main" id="{EB786629-329C-4CFD-BB18-EAAAAA84727A}"/>
+                <a16:creationId xmlns:a16="http://schemas.microsoft.com/office/drawing/2014/main" xmlns="" id="{EB786629-329C-4CFD-BB18-EAAAAA84727A}"/>
               </a:ext>
             </a:extLst>
           </p:cNvPr>
@@ -4061,7 +4073,7 @@
           <p:cNvPr id="19" name="Rectangle 18">
             <a:extLst>
               <a:ext uri="{FF2B5EF4-FFF2-40B4-BE49-F238E27FC236}">
-                <a16:creationId xmlns:a16="http://schemas.microsoft.com/office/drawing/2014/main" id="{86C599ED-839E-4228-B69A-3C70F5371E0A}"/>
+                <a16:creationId xmlns:a16="http://schemas.microsoft.com/office/drawing/2014/main" xmlns="" id="{86C599ED-839E-4228-B69A-3C70F5371E0A}"/>
               </a:ext>
             </a:extLst>
           </p:cNvPr>
@@ -4113,7 +4125,7 @@
           <p:cNvPr id="20" name="Rectangle 19">
             <a:extLst>
               <a:ext uri="{FF2B5EF4-FFF2-40B4-BE49-F238E27FC236}">
-                <a16:creationId xmlns:a16="http://schemas.microsoft.com/office/drawing/2014/main" id="{898A2E3C-1A40-47E7-A940-B0FD998A04DD}"/>
+                <a16:creationId xmlns:a16="http://schemas.microsoft.com/office/drawing/2014/main" xmlns="" id="{898A2E3C-1A40-47E7-A940-B0FD998A04DD}"/>
               </a:ext>
             </a:extLst>
           </p:cNvPr>
@@ -4165,7 +4177,7 @@
           <p:cNvPr id="21" name="Rectangle 20">
             <a:extLst>
               <a:ext uri="{FF2B5EF4-FFF2-40B4-BE49-F238E27FC236}">
-                <a16:creationId xmlns:a16="http://schemas.microsoft.com/office/drawing/2014/main" id="{D81AE6DE-DADF-46EE-A0D9-F55192738432}"/>
+                <a16:creationId xmlns:a16="http://schemas.microsoft.com/office/drawing/2014/main" xmlns="" id="{D81AE6DE-DADF-46EE-A0D9-F55192738432}"/>
               </a:ext>
             </a:extLst>
           </p:cNvPr>
@@ -4217,7 +4229,7 @@
           <p:cNvPr id="23" name="Rectangle 22">
             <a:extLst>
               <a:ext uri="{FF2B5EF4-FFF2-40B4-BE49-F238E27FC236}">
-                <a16:creationId xmlns:a16="http://schemas.microsoft.com/office/drawing/2014/main" id="{1298A5FD-717A-483D-B29C-34DE95C4C5F1}"/>
+                <a16:creationId xmlns:a16="http://schemas.microsoft.com/office/drawing/2014/main" xmlns="" id="{1298A5FD-717A-483D-B29C-34DE95C4C5F1}"/>
               </a:ext>
             </a:extLst>
           </p:cNvPr>
@@ -4269,7 +4281,7 @@
           <p:cNvPr id="24" name="Rectangle 23">
             <a:extLst>
               <a:ext uri="{FF2B5EF4-FFF2-40B4-BE49-F238E27FC236}">
-                <a16:creationId xmlns:a16="http://schemas.microsoft.com/office/drawing/2014/main" id="{BD578283-0401-411D-84A7-A6061C9E3B57}"/>
+                <a16:creationId xmlns:a16="http://schemas.microsoft.com/office/drawing/2014/main" xmlns="" id="{BD578283-0401-411D-84A7-A6061C9E3B57}"/>
               </a:ext>
             </a:extLst>
           </p:cNvPr>
@@ -4321,7 +4333,7 @@
           <p:cNvPr id="27" name="Picture 26">
             <a:extLst>
               <a:ext uri="{FF2B5EF4-FFF2-40B4-BE49-F238E27FC236}">
-                <a16:creationId xmlns:a16="http://schemas.microsoft.com/office/drawing/2014/main" id="{F2166F79-5DD7-4559-8DAC-1F9EFFE6409B}"/>
+                <a16:creationId xmlns:a16="http://schemas.microsoft.com/office/drawing/2014/main" xmlns="" id="{F2166F79-5DD7-4559-8DAC-1F9EFFE6409B}"/>
               </a:ext>
             </a:extLst>
           </p:cNvPr>
@@ -4331,7 +4343,7 @@
           <p:nvPr/>
         </p:nvPicPr>
         <p:blipFill>
-          <a:blip r:embed="rId2">
+          <a:blip r:embed="rId2" cstate="print">
             <a:extLst>
               <a:ext uri="{28A0092B-C50C-407E-A947-70E740481C1C}">
                 <a14:useLocalDpi xmlns:a14="http://schemas.microsoft.com/office/drawing/2010/main" val="0"/>
@@ -4357,7 +4369,7 @@
           <p:cNvPr id="28" name="Rectangle 27">
             <a:extLst>
               <a:ext uri="{FF2B5EF4-FFF2-40B4-BE49-F238E27FC236}">
-                <a16:creationId xmlns:a16="http://schemas.microsoft.com/office/drawing/2014/main" id="{BE82BA3D-EB74-4E28-A6A6-545CBE13CBAE}"/>
+                <a16:creationId xmlns:a16="http://schemas.microsoft.com/office/drawing/2014/main" xmlns="" id="{BE82BA3D-EB74-4E28-A6A6-545CBE13CBAE}"/>
               </a:ext>
             </a:extLst>
           </p:cNvPr>
@@ -4409,7 +4421,7 @@
           <p:cNvPr id="29" name="Rectangle 28">
             <a:extLst>
               <a:ext uri="{FF2B5EF4-FFF2-40B4-BE49-F238E27FC236}">
-                <a16:creationId xmlns:a16="http://schemas.microsoft.com/office/drawing/2014/main" id="{A521701D-EB36-498F-8C91-AC766C08EA2E}"/>
+                <a16:creationId xmlns:a16="http://schemas.microsoft.com/office/drawing/2014/main" xmlns="" id="{A521701D-EB36-498F-8C91-AC766C08EA2E}"/>
               </a:ext>
             </a:extLst>
           </p:cNvPr>
@@ -4461,7 +4473,7 @@
           <p:cNvPr id="31" name="Rectangle 30">
             <a:extLst>
               <a:ext uri="{FF2B5EF4-FFF2-40B4-BE49-F238E27FC236}">
-                <a16:creationId xmlns:a16="http://schemas.microsoft.com/office/drawing/2014/main" id="{17FD238E-6694-44FD-8D65-5D6227ACF833}"/>
+                <a16:creationId xmlns:a16="http://schemas.microsoft.com/office/drawing/2014/main" xmlns="" id="{17FD238E-6694-44FD-8D65-5D6227ACF833}"/>
               </a:ext>
             </a:extLst>
           </p:cNvPr>
@@ -4513,7 +4525,7 @@
           <p:cNvPr id="32" name="Rectangle 31">
             <a:extLst>
               <a:ext uri="{FF2B5EF4-FFF2-40B4-BE49-F238E27FC236}">
-                <a16:creationId xmlns:a16="http://schemas.microsoft.com/office/drawing/2014/main" id="{348E7518-4C52-4795-BDE7-AC6BE77D8FDB}"/>
+                <a16:creationId xmlns:a16="http://schemas.microsoft.com/office/drawing/2014/main" xmlns="" id="{348E7518-4C52-4795-BDE7-AC6BE77D8FDB}"/>
               </a:ext>
             </a:extLst>
           </p:cNvPr>
@@ -4565,7 +4577,7 @@
           <p:cNvPr id="33" name="Rectangle 32">
             <a:extLst>
               <a:ext uri="{FF2B5EF4-FFF2-40B4-BE49-F238E27FC236}">
-                <a16:creationId xmlns:a16="http://schemas.microsoft.com/office/drawing/2014/main" id="{8AF493FD-8F38-438F-A96A-0E3046DC8001}"/>
+                <a16:creationId xmlns:a16="http://schemas.microsoft.com/office/drawing/2014/main" xmlns="" id="{8AF493FD-8F38-438F-A96A-0E3046DC8001}"/>
               </a:ext>
             </a:extLst>
           </p:cNvPr>
@@ -4617,7 +4629,7 @@
           <p:cNvPr id="34" name="Rectangle 33">
             <a:extLst>
               <a:ext uri="{FF2B5EF4-FFF2-40B4-BE49-F238E27FC236}">
-                <a16:creationId xmlns:a16="http://schemas.microsoft.com/office/drawing/2014/main" id="{58B8985B-F3FC-422C-A10E-F3AA5F3F09BA}"/>
+                <a16:creationId xmlns:a16="http://schemas.microsoft.com/office/drawing/2014/main" xmlns="" id="{58B8985B-F3FC-422C-A10E-F3AA5F3F09BA}"/>
               </a:ext>
             </a:extLst>
           </p:cNvPr>
@@ -4669,7 +4681,7 @@
           <p:cNvPr id="35" name="Rectangle 34">
             <a:extLst>
               <a:ext uri="{FF2B5EF4-FFF2-40B4-BE49-F238E27FC236}">
-                <a16:creationId xmlns:a16="http://schemas.microsoft.com/office/drawing/2014/main" id="{421F6CAD-5D63-484D-B9DD-A5662296D59A}"/>
+                <a16:creationId xmlns:a16="http://schemas.microsoft.com/office/drawing/2014/main" xmlns="" id="{421F6CAD-5D63-484D-B9DD-A5662296D59A}"/>
               </a:ext>
             </a:extLst>
           </p:cNvPr>
@@ -4721,7 +4733,7 @@
           <p:cNvPr id="36" name="Rectangle 35">
             <a:extLst>
               <a:ext uri="{FF2B5EF4-FFF2-40B4-BE49-F238E27FC236}">
-                <a16:creationId xmlns:a16="http://schemas.microsoft.com/office/drawing/2014/main" id="{BC9E69AB-366E-40CF-A185-102D84DFAFBC}"/>
+                <a16:creationId xmlns:a16="http://schemas.microsoft.com/office/drawing/2014/main" xmlns="" id="{BC9E69AB-366E-40CF-A185-102D84DFAFBC}"/>
               </a:ext>
             </a:extLst>
           </p:cNvPr>
@@ -4773,7 +4785,7 @@
           <p:cNvPr id="37" name="Rectangle 36">
             <a:extLst>
               <a:ext uri="{FF2B5EF4-FFF2-40B4-BE49-F238E27FC236}">
-                <a16:creationId xmlns:a16="http://schemas.microsoft.com/office/drawing/2014/main" id="{E4F31FC7-6955-4D24-91BA-B9603C8F53CB}"/>
+                <a16:creationId xmlns:a16="http://schemas.microsoft.com/office/drawing/2014/main" xmlns="" id="{E4F31FC7-6955-4D24-91BA-B9603C8F53CB}"/>
               </a:ext>
             </a:extLst>
           </p:cNvPr>
@@ -4825,7 +4837,7 @@
           <p:cNvPr id="39" name="Rectangle 38">
             <a:extLst>
               <a:ext uri="{FF2B5EF4-FFF2-40B4-BE49-F238E27FC236}">
-                <a16:creationId xmlns:a16="http://schemas.microsoft.com/office/drawing/2014/main" id="{FB3D2ACE-FA9D-4326-84C3-93ECE6C616E0}"/>
+                <a16:creationId xmlns:a16="http://schemas.microsoft.com/office/drawing/2014/main" xmlns="" id="{FB3D2ACE-FA9D-4326-84C3-93ECE6C616E0}"/>
               </a:ext>
             </a:extLst>
           </p:cNvPr>
@@ -4882,18 +4894,25 @@
   <p:clrMapOvr>
     <a:masterClrMapping/>
   </p:clrMapOvr>
-  <mc:AlternateContent xmlns:mc="http://schemas.openxmlformats.org/markup-compatibility/2006">
-    <mc:Choice xmlns:p14="http://schemas.microsoft.com/office/powerpoint/2010/main" Requires="p14">
+  <mc:AlternateContent xmlns:mc="http://schemas.openxmlformats.org/markup-compatibility/2006" xmlns:p14="http://schemas.microsoft.com/office/powerpoint/2010/main">
+    <mc:Choice Requires="p14">
       <p:transition spd="slow" p14:dur="1300">
         <p14:pan/>
       </p:transition>
     </mc:Choice>
-    <mc:Fallback>
+    <mc:Fallback xmlns="">
       <p:transition spd="slow">
         <p:fade/>
       </p:transition>
     </mc:Fallback>
   </mc:AlternateContent>
+  <p:timing>
+    <p:tnLst>
+      <p:par>
+        <p:cTn id="1" dur="indefinite" restart="never" nodeType="tmRoot"/>
+      </p:par>
+    </p:tnLst>
+  </p:timing>
 </p:sld>
 </file>
 
@@ -4919,7 +4938,7 @@
           <p:cNvPr id="2" name="Title 1">
             <a:extLst>
               <a:ext uri="{FF2B5EF4-FFF2-40B4-BE49-F238E27FC236}">
-                <a16:creationId xmlns:a16="http://schemas.microsoft.com/office/drawing/2014/main" id="{C6D7463F-9F6E-4D3B-83DD-8397ED79BE28}"/>
+                <a16:creationId xmlns:a16="http://schemas.microsoft.com/office/drawing/2014/main" xmlns="" id="{C6D7463F-9F6E-4D3B-83DD-8397ED79BE28}"/>
               </a:ext>
             </a:extLst>
           </p:cNvPr>
@@ -4958,7 +4977,7 @@
           <p:cNvPr id="10" name="Group 9">
             <a:extLst>
               <a:ext uri="{FF2B5EF4-FFF2-40B4-BE49-F238E27FC236}">
-                <a16:creationId xmlns:a16="http://schemas.microsoft.com/office/drawing/2014/main" id="{914CCC3B-46D3-4749-97E6-77E314EE6AE1}"/>
+                <a16:creationId xmlns:a16="http://schemas.microsoft.com/office/drawing/2014/main" xmlns="" id="{914CCC3B-46D3-4749-97E6-77E314EE6AE1}"/>
               </a:ext>
             </a:extLst>
           </p:cNvPr>
@@ -4978,7 +4997,7 @@
             <p:cNvPr id="4" name="Rectangle 3">
               <a:extLst>
                 <a:ext uri="{FF2B5EF4-FFF2-40B4-BE49-F238E27FC236}">
-                  <a16:creationId xmlns:a16="http://schemas.microsoft.com/office/drawing/2014/main" id="{A772D45E-762B-4F8E-B470-5BD9C3C24114}"/>
+                  <a16:creationId xmlns:a16="http://schemas.microsoft.com/office/drawing/2014/main" xmlns="" id="{A772D45E-762B-4F8E-B470-5BD9C3C24114}"/>
                 </a:ext>
               </a:extLst>
             </p:cNvPr>
@@ -5030,7 +5049,7 @@
             <p:cNvPr id="5" name="Rectangle 4">
               <a:extLst>
                 <a:ext uri="{FF2B5EF4-FFF2-40B4-BE49-F238E27FC236}">
-                  <a16:creationId xmlns:a16="http://schemas.microsoft.com/office/drawing/2014/main" id="{3071A387-E04A-477B-BDE5-EE7D56761260}"/>
+                  <a16:creationId xmlns:a16="http://schemas.microsoft.com/office/drawing/2014/main" xmlns="" id="{3071A387-E04A-477B-BDE5-EE7D56761260}"/>
                 </a:ext>
               </a:extLst>
             </p:cNvPr>
@@ -5082,7 +5101,7 @@
             <p:cNvPr id="6" name="Rectangle 5">
               <a:extLst>
                 <a:ext uri="{FF2B5EF4-FFF2-40B4-BE49-F238E27FC236}">
-                  <a16:creationId xmlns:a16="http://schemas.microsoft.com/office/drawing/2014/main" id="{DDA75967-F57D-4D56-90A8-42DDFB6AF502}"/>
+                  <a16:creationId xmlns:a16="http://schemas.microsoft.com/office/drawing/2014/main" xmlns="" id="{DDA75967-F57D-4D56-90A8-42DDFB6AF502}"/>
                 </a:ext>
               </a:extLst>
             </p:cNvPr>
@@ -5134,7 +5153,7 @@
             <p:cNvPr id="7" name="Rectangle 6">
               <a:extLst>
                 <a:ext uri="{FF2B5EF4-FFF2-40B4-BE49-F238E27FC236}">
-                  <a16:creationId xmlns:a16="http://schemas.microsoft.com/office/drawing/2014/main" id="{097EE627-2202-4F70-A746-A53D96074EB5}"/>
+                  <a16:creationId xmlns:a16="http://schemas.microsoft.com/office/drawing/2014/main" xmlns="" id="{097EE627-2202-4F70-A746-A53D96074EB5}"/>
                 </a:ext>
               </a:extLst>
             </p:cNvPr>
@@ -5186,7 +5205,7 @@
             <p:cNvPr id="8" name="Rectangle 7">
               <a:extLst>
                 <a:ext uri="{FF2B5EF4-FFF2-40B4-BE49-F238E27FC236}">
-                  <a16:creationId xmlns:a16="http://schemas.microsoft.com/office/drawing/2014/main" id="{71273667-98E5-47E6-B6B3-7B1DDB11E11D}"/>
+                  <a16:creationId xmlns:a16="http://schemas.microsoft.com/office/drawing/2014/main" xmlns="" id="{71273667-98E5-47E6-B6B3-7B1DDB11E11D}"/>
                 </a:ext>
               </a:extLst>
             </p:cNvPr>
@@ -5238,7 +5257,7 @@
             <p:cNvPr id="9" name="Rectangle 8">
               <a:extLst>
                 <a:ext uri="{FF2B5EF4-FFF2-40B4-BE49-F238E27FC236}">
-                  <a16:creationId xmlns:a16="http://schemas.microsoft.com/office/drawing/2014/main" id="{AD88E19C-84A6-4085-AA04-696441355D33}"/>
+                  <a16:creationId xmlns:a16="http://schemas.microsoft.com/office/drawing/2014/main" xmlns="" id="{AD88E19C-84A6-4085-AA04-696441355D33}"/>
                 </a:ext>
               </a:extLst>
             </p:cNvPr>
@@ -5286,6 +5305,337 @@
           </p:txBody>
         </p:sp>
       </p:grpSp>
+      <p:pic>
+        <p:nvPicPr>
+          <p:cNvPr id="11" name="Picture 10"/>
+          <p:cNvPicPr>
+            <a:picLocks noChangeAspect="1"/>
+          </p:cNvPicPr>
+          <p:nvPr/>
+        </p:nvPicPr>
+        <p:blipFill>
+          <a:blip r:embed="rId2">
+            <a:extLst>
+              <a:ext uri="{28A0092B-C50C-407E-A947-70E740481C1C}">
+                <a14:useLocalDpi xmlns:a14="http://schemas.microsoft.com/office/drawing/2010/main" val="0"/>
+              </a:ext>
+            </a:extLst>
+          </a:blip>
+          <a:stretch>
+            <a:fillRect/>
+          </a:stretch>
+        </p:blipFill>
+        <p:spPr>
+          <a:xfrm rot="19589606">
+            <a:off x="7489079" y="2663512"/>
+            <a:ext cx="1304056" cy="1304056"/>
+          </a:xfrm>
+          <a:prstGeom prst="rect">
+            <a:avLst/>
+          </a:prstGeom>
+        </p:spPr>
+      </p:pic>
+      <p:grpSp>
+        <p:nvGrpSpPr>
+          <p:cNvPr id="20" name="Group 19"/>
+          <p:cNvGrpSpPr/>
+          <p:nvPr/>
+        </p:nvGrpSpPr>
+        <p:grpSpPr>
+          <a:xfrm>
+            <a:off x="4679204" y="118089"/>
+            <a:ext cx="6609641" cy="6600113"/>
+            <a:chOff x="4679204" y="118089"/>
+            <a:chExt cx="6609641" cy="6600113"/>
+          </a:xfrm>
+        </p:grpSpPr>
+        <p:sp>
+          <p:nvSpPr>
+            <p:cNvPr id="3" name="Rectangle 2"/>
+            <p:cNvSpPr/>
+            <p:nvPr/>
+          </p:nvSpPr>
+          <p:spPr>
+            <a:xfrm>
+              <a:off x="5067760" y="479383"/>
+              <a:ext cx="5924447" cy="5924447"/>
+            </a:xfrm>
+            <a:prstGeom prst="rect">
+              <a:avLst/>
+            </a:prstGeom>
+            <a:noFill/>
+            <a:ln w="76200">
+              <a:solidFill>
+                <a:schemeClr val="tx1"/>
+              </a:solidFill>
+            </a:ln>
+          </p:spPr>
+          <p:style>
+            <a:lnRef idx="2">
+              <a:schemeClr val="accent1">
+                <a:shade val="50000"/>
+              </a:schemeClr>
+            </a:lnRef>
+            <a:fillRef idx="1">
+              <a:schemeClr val="accent1"/>
+            </a:fillRef>
+            <a:effectRef idx="0">
+              <a:schemeClr val="accent1"/>
+            </a:effectRef>
+            <a:fontRef idx="minor">
+              <a:schemeClr val="lt1"/>
+            </a:fontRef>
+          </p:style>
+          <p:txBody>
+            <a:bodyPr rtlCol="0" anchor="ctr"/>
+            <a:lstStyle/>
+            <a:p>
+              <a:pPr algn="ctr"/>
+              <a:endParaRPr lang="en-US"/>
+            </a:p>
+          </p:txBody>
+        </p:sp>
+        <p:pic>
+          <p:nvPicPr>
+            <p:cNvPr id="12" name="Picture 11"/>
+            <p:cNvPicPr>
+              <a:picLocks noChangeAspect="1"/>
+            </p:cNvPicPr>
+            <p:nvPr/>
+          </p:nvPicPr>
+          <p:blipFill>
+            <a:blip r:embed="rId3" cstate="print">
+              <a:extLst>
+                <a:ext uri="{28A0092B-C50C-407E-A947-70E740481C1C}">
+                  <a14:useLocalDpi xmlns:a14="http://schemas.microsoft.com/office/drawing/2010/main" val="0"/>
+                </a:ext>
+              </a:extLst>
+            </a:blip>
+            <a:stretch>
+              <a:fillRect/>
+            </a:stretch>
+          </p:blipFill>
+          <p:spPr>
+            <a:xfrm>
+              <a:off x="9449428" y="138325"/>
+              <a:ext cx="682116" cy="682116"/>
+            </a:xfrm>
+            <a:prstGeom prst="rect">
+              <a:avLst/>
+            </a:prstGeom>
+          </p:spPr>
+        </p:pic>
+        <p:pic>
+          <p:nvPicPr>
+            <p:cNvPr id="13" name="Picture 12"/>
+            <p:cNvPicPr>
+              <a:picLocks noChangeAspect="1"/>
+            </p:cNvPicPr>
+            <p:nvPr/>
+          </p:nvPicPr>
+          <p:blipFill>
+            <a:blip r:embed="rId3" cstate="print">
+              <a:extLst>
+                <a:ext uri="{28A0092B-C50C-407E-A947-70E740481C1C}">
+                  <a14:useLocalDpi xmlns:a14="http://schemas.microsoft.com/office/drawing/2010/main" val="0"/>
+                </a:ext>
+              </a:extLst>
+            </a:blip>
+            <a:stretch>
+              <a:fillRect/>
+            </a:stretch>
+          </p:blipFill>
+          <p:spPr>
+            <a:xfrm rot="5400000">
+              <a:off x="10606729" y="2633423"/>
+              <a:ext cx="682116" cy="682116"/>
+            </a:xfrm>
+            <a:prstGeom prst="rect">
+              <a:avLst/>
+            </a:prstGeom>
+          </p:spPr>
+        </p:pic>
+        <p:pic>
+          <p:nvPicPr>
+            <p:cNvPr id="14" name="Picture 13"/>
+            <p:cNvPicPr>
+              <a:picLocks noChangeAspect="1"/>
+            </p:cNvPicPr>
+            <p:nvPr/>
+          </p:nvPicPr>
+          <p:blipFill>
+            <a:blip r:embed="rId3" cstate="print">
+              <a:extLst>
+                <a:ext uri="{28A0092B-C50C-407E-A947-70E740481C1C}">
+                  <a14:useLocalDpi xmlns:a14="http://schemas.microsoft.com/office/drawing/2010/main" val="0"/>
+                </a:ext>
+              </a:extLst>
+            </a:blip>
+            <a:stretch>
+              <a:fillRect/>
+            </a:stretch>
+          </p:blipFill>
+          <p:spPr>
+            <a:xfrm rot="16200000">
+              <a:off x="5469412" y="6036086"/>
+              <a:ext cx="682116" cy="682116"/>
+            </a:xfrm>
+            <a:prstGeom prst="rect">
+              <a:avLst/>
+            </a:prstGeom>
+          </p:spPr>
+        </p:pic>
+        <p:pic>
+          <p:nvPicPr>
+            <p:cNvPr id="15" name="Picture 14"/>
+            <p:cNvPicPr>
+              <a:picLocks noChangeAspect="1"/>
+            </p:cNvPicPr>
+            <p:nvPr/>
+          </p:nvPicPr>
+          <p:blipFill>
+            <a:blip r:embed="rId3" cstate="print">
+              <a:extLst>
+                <a:ext uri="{28A0092B-C50C-407E-A947-70E740481C1C}">
+                  <a14:useLocalDpi xmlns:a14="http://schemas.microsoft.com/office/drawing/2010/main" val="0"/>
+                </a:ext>
+              </a:extLst>
+            </a:blip>
+            <a:stretch>
+              <a:fillRect/>
+            </a:stretch>
+          </p:blipFill>
+          <p:spPr>
+            <a:xfrm>
+              <a:off x="4679204" y="3878098"/>
+              <a:ext cx="682116" cy="682116"/>
+            </a:xfrm>
+            <a:prstGeom prst="rect">
+              <a:avLst/>
+            </a:prstGeom>
+          </p:spPr>
+        </p:pic>
+        <p:pic>
+          <p:nvPicPr>
+            <p:cNvPr id="16" name="Picture 15"/>
+            <p:cNvPicPr>
+              <a:picLocks noChangeAspect="1"/>
+            </p:cNvPicPr>
+            <p:nvPr/>
+          </p:nvPicPr>
+          <p:blipFill>
+            <a:blip r:embed="rId3" cstate="print">
+              <a:extLst>
+                <a:ext uri="{28A0092B-C50C-407E-A947-70E740481C1C}">
+                  <a14:useLocalDpi xmlns:a14="http://schemas.microsoft.com/office/drawing/2010/main" val="0"/>
+                </a:ext>
+              </a:extLst>
+            </a:blip>
+            <a:stretch>
+              <a:fillRect/>
+            </a:stretch>
+          </p:blipFill>
+          <p:spPr>
+            <a:xfrm>
+              <a:off x="4748264" y="1477978"/>
+              <a:ext cx="682116" cy="682116"/>
+            </a:xfrm>
+            <a:prstGeom prst="rect">
+              <a:avLst/>
+            </a:prstGeom>
+          </p:spPr>
+        </p:pic>
+        <p:pic>
+          <p:nvPicPr>
+            <p:cNvPr id="17" name="Picture 16"/>
+            <p:cNvPicPr>
+              <a:picLocks noChangeAspect="1"/>
+            </p:cNvPicPr>
+            <p:nvPr/>
+          </p:nvPicPr>
+          <p:blipFill>
+            <a:blip r:embed="rId3" cstate="print">
+              <a:extLst>
+                <a:ext uri="{28A0092B-C50C-407E-A947-70E740481C1C}">
+                  <a14:useLocalDpi xmlns:a14="http://schemas.microsoft.com/office/drawing/2010/main" val="0"/>
+                </a:ext>
+              </a:extLst>
+            </a:blip>
+            <a:stretch>
+              <a:fillRect/>
+            </a:stretch>
+          </p:blipFill>
+          <p:spPr>
+            <a:xfrm rot="5400000">
+              <a:off x="6291155" y="118089"/>
+              <a:ext cx="682116" cy="682116"/>
+            </a:xfrm>
+            <a:prstGeom prst="rect">
+              <a:avLst/>
+            </a:prstGeom>
+          </p:spPr>
+        </p:pic>
+        <p:pic>
+          <p:nvPicPr>
+            <p:cNvPr id="18" name="Picture 17"/>
+            <p:cNvPicPr>
+              <a:picLocks noChangeAspect="1"/>
+            </p:cNvPicPr>
+            <p:nvPr/>
+          </p:nvPicPr>
+          <p:blipFill>
+            <a:blip r:embed="rId3" cstate="print">
+              <a:extLst>
+                <a:ext uri="{28A0092B-C50C-407E-A947-70E740481C1C}">
+                  <a14:useLocalDpi xmlns:a14="http://schemas.microsoft.com/office/drawing/2010/main" val="0"/>
+                </a:ext>
+              </a:extLst>
+            </a:blip>
+            <a:stretch>
+              <a:fillRect/>
+            </a:stretch>
+          </p:blipFill>
+          <p:spPr>
+            <a:xfrm rot="16200000">
+              <a:off x="10606729" y="5005398"/>
+              <a:ext cx="682116" cy="682116"/>
+            </a:xfrm>
+            <a:prstGeom prst="rect">
+              <a:avLst/>
+            </a:prstGeom>
+          </p:spPr>
+        </p:pic>
+        <p:pic>
+          <p:nvPicPr>
+            <p:cNvPr id="19" name="Picture 18"/>
+            <p:cNvPicPr>
+              <a:picLocks noChangeAspect="1"/>
+            </p:cNvPicPr>
+            <p:nvPr/>
+          </p:nvPicPr>
+          <p:blipFill>
+            <a:blip r:embed="rId3" cstate="print">
+              <a:extLst>
+                <a:ext uri="{28A0092B-C50C-407E-A947-70E740481C1C}">
+                  <a14:useLocalDpi xmlns:a14="http://schemas.microsoft.com/office/drawing/2010/main" val="0"/>
+                </a:ext>
+              </a:extLst>
+            </a:blip>
+            <a:stretch>
+              <a:fillRect/>
+            </a:stretch>
+          </p:blipFill>
+          <p:spPr>
+            <a:xfrm rot="16200000">
+              <a:off x="9194855" y="6036085"/>
+              <a:ext cx="682116" cy="682116"/>
+            </a:xfrm>
+            <a:prstGeom prst="rect">
+              <a:avLst/>
+            </a:prstGeom>
+          </p:spPr>
+        </p:pic>
+      </p:grpSp>
     </p:spTree>
     <p:extLst>
       <p:ext uri="{BB962C8B-B14F-4D97-AF65-F5344CB8AC3E}">
@@ -5296,13 +5646,13 @@
   <p:clrMapOvr>
     <a:masterClrMapping/>
   </p:clrMapOvr>
-  <mc:AlternateContent xmlns:mc="http://schemas.openxmlformats.org/markup-compatibility/2006">
-    <mc:Choice xmlns:p14="http://schemas.microsoft.com/office/powerpoint/2010/main" Requires="p14">
+  <mc:AlternateContent xmlns:mc="http://schemas.openxmlformats.org/markup-compatibility/2006" xmlns:p14="http://schemas.microsoft.com/office/powerpoint/2010/main">
+    <mc:Choice Requires="p14">
       <p:transition spd="slow" p14:dur="1300">
         <p14:pan/>
       </p:transition>
     </mc:Choice>
-    <mc:Fallback>
+    <mc:Fallback xmlns="">
       <p:transition spd="slow">
         <p:fade/>
       </p:transition>
@@ -5336,7 +5686,7 @@
                                   <p:childTnLst>
                                     <p:animMotion origin="layout" path="M 0 0 L -0.25 0 E" pathEditMode="relative" ptsTypes="">
                                       <p:cBhvr>
-                                        <p:cTn id="6" dur="2000" fill="hold"/>
+                                        <p:cTn id="6" dur="900" fill="hold"/>
                                         <p:tgtEl>
                                           <p:spTgt spid="10"/>
                                         </p:tgtEl>
@@ -5357,7 +5707,7 @@
                                   <p:childTnLst>
                                     <p:animMotion origin="layout" path="M 0 0 L -0.25 0 E" pathEditMode="relative" ptsTypes="">
                                       <p:cBhvr>
-                                        <p:cTn id="8" dur="2000" fill="hold"/>
+                                        <p:cTn id="8" dur="900" fill="hold"/>
                                         <p:tgtEl>
                                           <p:spTgt spid="2"/>
                                         </p:tgtEl>
@@ -5367,6 +5717,94 @@
                                         </p:attrNameLst>
                                       </p:cBhvr>
                                     </p:animMotion>
+                                  </p:childTnLst>
+                                </p:cTn>
+                              </p:par>
+                              <p:par>
+                                <p:cTn id="9" presetID="10" presetClass="entr" presetSubtype="0" fill="hold" nodeType="withEffect">
+                                  <p:stCondLst>
+                                    <p:cond delay="0"/>
+                                  </p:stCondLst>
+                                  <p:childTnLst>
+                                    <p:set>
+                                      <p:cBhvr>
+                                        <p:cTn id="10" dur="1" fill="hold">
+                                          <p:stCondLst>
+                                            <p:cond delay="0"/>
+                                          </p:stCondLst>
+                                        </p:cTn>
+                                        <p:tgtEl>
+                                          <p:spTgt spid="20"/>
+                                        </p:tgtEl>
+                                        <p:attrNameLst>
+                                          <p:attrName>style.visibility</p:attrName>
+                                        </p:attrNameLst>
+                                      </p:cBhvr>
+                                      <p:to>
+                                        <p:strVal val="visible"/>
+                                      </p:to>
+                                    </p:set>
+                                    <p:animEffect transition="in" filter="fade">
+                                      <p:cBhvr>
+                                        <p:cTn id="11" dur="500"/>
+                                        <p:tgtEl>
+                                          <p:spTgt spid="20"/>
+                                        </p:tgtEl>
+                                      </p:cBhvr>
+                                    </p:animEffect>
+                                  </p:childTnLst>
+                                </p:cTn>
+                              </p:par>
+                            </p:childTnLst>
+                          </p:cTn>
+                        </p:par>
+                      </p:childTnLst>
+                    </p:cTn>
+                  </p:par>
+                  <p:par>
+                    <p:cTn id="12" fill="hold">
+                      <p:stCondLst>
+                        <p:cond delay="indefinite"/>
+                      </p:stCondLst>
+                      <p:childTnLst>
+                        <p:par>
+                          <p:cTn id="13" fill="hold">
+                            <p:stCondLst>
+                              <p:cond delay="0"/>
+                            </p:stCondLst>
+                            <p:childTnLst>
+                              <p:par>
+                                <p:cTn id="14" presetID="10" presetClass="entr" presetSubtype="0" fill="hold" nodeType="clickEffect">
+                                  <p:stCondLst>
+                                    <p:cond delay="0"/>
+                                  </p:stCondLst>
+                                  <p:childTnLst>
+                                    <p:set>
+                                      <p:cBhvr>
+                                        <p:cTn id="15" dur="1" fill="hold">
+                                          <p:stCondLst>
+                                            <p:cond delay="0"/>
+                                          </p:stCondLst>
+                                        </p:cTn>
+                                        <p:tgtEl>
+                                          <p:spTgt spid="11"/>
+                                        </p:tgtEl>
+                                        <p:attrNameLst>
+                                          <p:attrName>style.visibility</p:attrName>
+                                        </p:attrNameLst>
+                                      </p:cBhvr>
+                                      <p:to>
+                                        <p:strVal val="visible"/>
+                                      </p:to>
+                                    </p:set>
+                                    <p:animEffect transition="in" filter="fade">
+                                      <p:cBhvr>
+                                        <p:cTn id="16" dur="300"/>
+                                        <p:tgtEl>
+                                          <p:spTgt spid="11"/>
+                                        </p:tgtEl>
+                                      </p:cBhvr>
+                                    </p:animEffect>
                                   </p:childTnLst>
                                 </p:cTn>
                               </p:par>
@@ -5426,7 +5864,7 @@
           <p:cNvPr id="39" name="Picture 38">
             <a:extLst>
               <a:ext uri="{FF2B5EF4-FFF2-40B4-BE49-F238E27FC236}">
-                <a16:creationId xmlns:a16="http://schemas.microsoft.com/office/drawing/2014/main" id="{05D716FF-08B6-4E0F-8D21-789EBF8F39DF}"/>
+                <a16:creationId xmlns:a16="http://schemas.microsoft.com/office/drawing/2014/main" xmlns="" id="{05D716FF-08B6-4E0F-8D21-789EBF8F39DF}"/>
               </a:ext>
             </a:extLst>
           </p:cNvPr>
@@ -5436,7 +5874,7 @@
           <p:nvPr/>
         </p:nvPicPr>
         <p:blipFill>
-          <a:blip r:embed="rId2">
+          <a:blip r:embed="rId2" cstate="print">
             <a:extLst>
               <a:ext uri="{28A0092B-C50C-407E-A947-70E740481C1C}">
                 <a14:useLocalDpi xmlns:a14="http://schemas.microsoft.com/office/drawing/2010/main" val="0"/>
@@ -5462,7 +5900,7 @@
           <p:cNvPr id="40" name="Group 39">
             <a:extLst>
               <a:ext uri="{FF2B5EF4-FFF2-40B4-BE49-F238E27FC236}">
-                <a16:creationId xmlns:a16="http://schemas.microsoft.com/office/drawing/2014/main" id="{1A9BA091-F0CB-4622-B452-10F5DAE8E5E8}"/>
+                <a16:creationId xmlns:a16="http://schemas.microsoft.com/office/drawing/2014/main" xmlns="" id="{1A9BA091-F0CB-4622-B452-10F5DAE8E5E8}"/>
               </a:ext>
             </a:extLst>
           </p:cNvPr>
@@ -5482,7 +5920,7 @@
             <p:cNvPr id="7" name="Parallelogram 6">
               <a:extLst>
                 <a:ext uri="{FF2B5EF4-FFF2-40B4-BE49-F238E27FC236}">
-                  <a16:creationId xmlns:a16="http://schemas.microsoft.com/office/drawing/2014/main" id="{5E352C89-8A8D-42C9-92E9-B23C60B0E4E0}"/>
+                  <a16:creationId xmlns:a16="http://schemas.microsoft.com/office/drawing/2014/main" xmlns="" id="{5E352C89-8A8D-42C9-92E9-B23C60B0E4E0}"/>
                 </a:ext>
               </a:extLst>
             </p:cNvPr>
@@ -5552,7 +5990,7 @@
             <p:cNvPr id="17" name="Straight Arrow Connector 16">
               <a:extLst>
                 <a:ext uri="{FF2B5EF4-FFF2-40B4-BE49-F238E27FC236}">
-                  <a16:creationId xmlns:a16="http://schemas.microsoft.com/office/drawing/2014/main" id="{843BFD65-7B30-484A-95B0-C2B9F3DD5F6B}"/>
+                  <a16:creationId xmlns:a16="http://schemas.microsoft.com/office/drawing/2014/main" xmlns="" id="{843BFD65-7B30-484A-95B0-C2B9F3DD5F6B}"/>
                 </a:ext>
               </a:extLst>
             </p:cNvPr>
@@ -5598,7 +6036,7 @@
           <p:cNvPr id="43" name="Group 42">
             <a:extLst>
               <a:ext uri="{FF2B5EF4-FFF2-40B4-BE49-F238E27FC236}">
-                <a16:creationId xmlns:a16="http://schemas.microsoft.com/office/drawing/2014/main" id="{5330C528-ED77-4892-B728-07047D74F015}"/>
+                <a16:creationId xmlns:a16="http://schemas.microsoft.com/office/drawing/2014/main" xmlns="" id="{5330C528-ED77-4892-B728-07047D74F015}"/>
               </a:ext>
             </a:extLst>
           </p:cNvPr>
@@ -5618,7 +6056,7 @@
             <p:cNvPr id="14" name="Rectangle 13">
               <a:extLst>
                 <a:ext uri="{FF2B5EF4-FFF2-40B4-BE49-F238E27FC236}">
-                  <a16:creationId xmlns:a16="http://schemas.microsoft.com/office/drawing/2014/main" id="{9A9335DE-91E0-4C6D-899E-CB15537E429C}"/>
+                  <a16:creationId xmlns:a16="http://schemas.microsoft.com/office/drawing/2014/main" xmlns="" id="{9A9335DE-91E0-4C6D-899E-CB15537E429C}"/>
                 </a:ext>
               </a:extLst>
             </p:cNvPr>
@@ -5680,7 +6118,7 @@
             <p:cNvPr id="21" name="Straight Arrow Connector 20">
               <a:extLst>
                 <a:ext uri="{FF2B5EF4-FFF2-40B4-BE49-F238E27FC236}">
-                  <a16:creationId xmlns:a16="http://schemas.microsoft.com/office/drawing/2014/main" id="{D1B04BB9-A8DC-48A4-8F81-477670F9EF96}"/>
+                  <a16:creationId xmlns:a16="http://schemas.microsoft.com/office/drawing/2014/main" xmlns="" id="{D1B04BB9-A8DC-48A4-8F81-477670F9EF96}"/>
                 </a:ext>
               </a:extLst>
             </p:cNvPr>
@@ -5727,7 +6165,7 @@
           <p:cNvPr id="42" name="Group 41">
             <a:extLst>
               <a:ext uri="{FF2B5EF4-FFF2-40B4-BE49-F238E27FC236}">
-                <a16:creationId xmlns:a16="http://schemas.microsoft.com/office/drawing/2014/main" id="{8164DC81-1EE1-48C3-9F38-F8D43B6A739A}"/>
+                <a16:creationId xmlns:a16="http://schemas.microsoft.com/office/drawing/2014/main" xmlns="" id="{8164DC81-1EE1-48C3-9F38-F8D43B6A739A}"/>
               </a:ext>
             </a:extLst>
           </p:cNvPr>
@@ -5747,7 +6185,7 @@
             <p:cNvPr id="15" name="Parallelogram 14">
               <a:extLst>
                 <a:ext uri="{FF2B5EF4-FFF2-40B4-BE49-F238E27FC236}">
-                  <a16:creationId xmlns:a16="http://schemas.microsoft.com/office/drawing/2014/main" id="{2F296ED4-8DAB-43A5-AD71-6286B7A4B160}"/>
+                  <a16:creationId xmlns:a16="http://schemas.microsoft.com/office/drawing/2014/main" xmlns="" id="{2F296ED4-8DAB-43A5-AD71-6286B7A4B160}"/>
                 </a:ext>
               </a:extLst>
             </p:cNvPr>
@@ -5820,7 +6258,7 @@
             <p:cNvPr id="24" name="Straight Arrow Connector 23">
               <a:extLst>
                 <a:ext uri="{FF2B5EF4-FFF2-40B4-BE49-F238E27FC236}">
-                  <a16:creationId xmlns:a16="http://schemas.microsoft.com/office/drawing/2014/main" id="{49806DE6-1254-439F-BBAC-BEEF7BA1CB09}"/>
+                  <a16:creationId xmlns:a16="http://schemas.microsoft.com/office/drawing/2014/main" xmlns="" id="{49806DE6-1254-439F-BBAC-BEEF7BA1CB09}"/>
                 </a:ext>
               </a:extLst>
             </p:cNvPr>
@@ -5867,7 +6305,7 @@
           <p:cNvPr id="41" name="Group 40">
             <a:extLst>
               <a:ext uri="{FF2B5EF4-FFF2-40B4-BE49-F238E27FC236}">
-                <a16:creationId xmlns:a16="http://schemas.microsoft.com/office/drawing/2014/main" id="{40B003DB-1844-4E60-A7F9-D52170CC33C9}"/>
+                <a16:creationId xmlns:a16="http://schemas.microsoft.com/office/drawing/2014/main" xmlns="" id="{40B003DB-1844-4E60-A7F9-D52170CC33C9}"/>
               </a:ext>
             </a:extLst>
           </p:cNvPr>
@@ -5887,7 +6325,7 @@
             <p:cNvPr id="18" name="Straight Arrow Connector 17">
               <a:extLst>
                 <a:ext uri="{FF2B5EF4-FFF2-40B4-BE49-F238E27FC236}">
-                  <a16:creationId xmlns:a16="http://schemas.microsoft.com/office/drawing/2014/main" id="{86B81E15-DD3B-4068-944A-E82B803D8CC5}"/>
+                  <a16:creationId xmlns:a16="http://schemas.microsoft.com/office/drawing/2014/main" xmlns="" id="{86B81E15-DD3B-4068-944A-E82B803D8CC5}"/>
                 </a:ext>
               </a:extLst>
             </p:cNvPr>
@@ -5933,7 +6371,7 @@
             <p:cNvPr id="13" name="Rectangle 12">
               <a:extLst>
                 <a:ext uri="{FF2B5EF4-FFF2-40B4-BE49-F238E27FC236}">
-                  <a16:creationId xmlns:a16="http://schemas.microsoft.com/office/drawing/2014/main" id="{83E17B0C-B800-4A45-A1FE-866336E2D531}"/>
+                  <a16:creationId xmlns:a16="http://schemas.microsoft.com/office/drawing/2014/main" xmlns="" id="{83E17B0C-B800-4A45-A1FE-866336E2D531}"/>
                 </a:ext>
               </a:extLst>
             </p:cNvPr>
@@ -5996,7 +6434,7 @@
           <p:cNvPr id="3" name="Straight Connector 2">
             <a:extLst>
               <a:ext uri="{FF2B5EF4-FFF2-40B4-BE49-F238E27FC236}">
-                <a16:creationId xmlns:a16="http://schemas.microsoft.com/office/drawing/2014/main" id="{3519380E-EC4D-499B-80AA-6D50A06A7444}"/>
+                <a16:creationId xmlns:a16="http://schemas.microsoft.com/office/drawing/2014/main" xmlns="" id="{3519380E-EC4D-499B-80AA-6D50A06A7444}"/>
               </a:ext>
             </a:extLst>
           </p:cNvPr>
@@ -6045,13 +6483,13 @@
   <p:clrMapOvr>
     <a:masterClrMapping/>
   </p:clrMapOvr>
-  <mc:AlternateContent xmlns:mc="http://schemas.openxmlformats.org/markup-compatibility/2006">
-    <mc:Choice xmlns:p14="http://schemas.microsoft.com/office/powerpoint/2010/main" Requires="p14">
+  <mc:AlternateContent xmlns:mc="http://schemas.openxmlformats.org/markup-compatibility/2006" xmlns:p14="http://schemas.microsoft.com/office/powerpoint/2010/main">
+    <mc:Choice Requires="p14">
       <p:transition spd="slow" p14:dur="1300">
         <p14:pan/>
       </p:transition>
     </mc:Choice>
-    <mc:Fallback>
+    <mc:Fallback xmlns="">
       <p:transition spd="slow">
         <p:fade/>
       </p:transition>
@@ -6091,7 +6529,7 @@
                                           </p:stCondLst>
                                         </p:cTn>
                                         <p:tgtEl>
-                                          <p:spTgt spid="42"/>
+                                          <p:spTgt spid="40"/>
                                         </p:tgtEl>
                                         <p:attrNameLst>
                                           <p:attrName>style.visibility</p:attrName>
@@ -6105,7 +6543,7 @@
                                       <p:cBhvr>
                                         <p:cTn id="7" dur="500"/>
                                         <p:tgtEl>
-                                          <p:spTgt spid="42"/>
+                                          <p:spTgt spid="40"/>
                                         </p:tgtEl>
                                       </p:cBhvr>
                                     </p:animEffect>
@@ -6144,7 +6582,7 @@
                                           </p:stCondLst>
                                         </p:cTn>
                                         <p:tgtEl>
-                                          <p:spTgt spid="43"/>
+                                          <p:spTgt spid="41"/>
                                         </p:tgtEl>
                                         <p:attrNameLst>
                                           <p:attrName>style.visibility</p:attrName>
@@ -6158,7 +6596,148 @@
                                       <p:cBhvr>
                                         <p:cTn id="12" dur="500"/>
                                         <p:tgtEl>
+                                          <p:spTgt spid="41"/>
+                                        </p:tgtEl>
+                                      </p:cBhvr>
+                                    </p:animEffect>
+                                  </p:childTnLst>
+                                </p:cTn>
+                              </p:par>
+                            </p:childTnLst>
+                          </p:cTn>
+                        </p:par>
+                      </p:childTnLst>
+                    </p:cTn>
+                  </p:par>
+                  <p:par>
+                    <p:cTn id="13" fill="hold">
+                      <p:stCondLst>
+                        <p:cond delay="indefinite"/>
+                      </p:stCondLst>
+                      <p:childTnLst>
+                        <p:par>
+                          <p:cTn id="14" fill="hold">
+                            <p:stCondLst>
+                              <p:cond delay="0"/>
+                            </p:stCondLst>
+                            <p:childTnLst>
+                              <p:par>
+                                <p:cTn id="15" presetID="10" presetClass="entr" presetSubtype="0" fill="hold" nodeType="clickEffect">
+                                  <p:stCondLst>
+                                    <p:cond delay="0"/>
+                                  </p:stCondLst>
+                                  <p:childTnLst>
+                                    <p:set>
+                                      <p:cBhvr>
+                                        <p:cTn id="16" dur="1" fill="hold">
+                                          <p:stCondLst>
+                                            <p:cond delay="0"/>
+                                          </p:stCondLst>
+                                        </p:cTn>
+                                        <p:tgtEl>
+                                          <p:spTgt spid="42"/>
+                                        </p:tgtEl>
+                                        <p:attrNameLst>
+                                          <p:attrName>style.visibility</p:attrName>
+                                        </p:attrNameLst>
+                                      </p:cBhvr>
+                                      <p:to>
+                                        <p:strVal val="visible"/>
+                                      </p:to>
+                                    </p:set>
+                                    <p:animEffect transition="in" filter="fade">
+                                      <p:cBhvr>
+                                        <p:cTn id="17" dur="500"/>
+                                        <p:tgtEl>
+                                          <p:spTgt spid="42"/>
+                                        </p:tgtEl>
+                                      </p:cBhvr>
+                                    </p:animEffect>
+                                  </p:childTnLst>
+                                </p:cTn>
+                              </p:par>
+                            </p:childTnLst>
+                          </p:cTn>
+                        </p:par>
+                      </p:childTnLst>
+                    </p:cTn>
+                  </p:par>
+                  <p:par>
+                    <p:cTn id="18" fill="hold">
+                      <p:stCondLst>
+                        <p:cond delay="indefinite"/>
+                      </p:stCondLst>
+                      <p:childTnLst>
+                        <p:par>
+                          <p:cTn id="19" fill="hold">
+                            <p:stCondLst>
+                              <p:cond delay="0"/>
+                            </p:stCondLst>
+                            <p:childTnLst>
+                              <p:par>
+                                <p:cTn id="20" presetID="10" presetClass="entr" presetSubtype="0" fill="hold" nodeType="clickEffect">
+                                  <p:stCondLst>
+                                    <p:cond delay="0"/>
+                                  </p:stCondLst>
+                                  <p:childTnLst>
+                                    <p:set>
+                                      <p:cBhvr>
+                                        <p:cTn id="21" dur="1" fill="hold">
+                                          <p:stCondLst>
+                                            <p:cond delay="0"/>
+                                          </p:stCondLst>
+                                        </p:cTn>
+                                        <p:tgtEl>
                                           <p:spTgt spid="43"/>
+                                        </p:tgtEl>
+                                        <p:attrNameLst>
+                                          <p:attrName>style.visibility</p:attrName>
+                                        </p:attrNameLst>
+                                      </p:cBhvr>
+                                      <p:to>
+                                        <p:strVal val="visible"/>
+                                      </p:to>
+                                    </p:set>
+                                    <p:animEffect transition="in" filter="fade">
+                                      <p:cBhvr>
+                                        <p:cTn id="22" dur="500"/>
+                                        <p:tgtEl>
+                                          <p:spTgt spid="43"/>
+                                        </p:tgtEl>
+                                      </p:cBhvr>
+                                    </p:animEffect>
+                                  </p:childTnLst>
+                                </p:cTn>
+                              </p:par>
+                              <p:par>
+                                <p:cTn id="23" presetID="10" presetClass="entr" presetSubtype="0" fill="hold" nodeType="withEffect">
+                                  <p:stCondLst>
+                                    <p:cond delay="0"/>
+                                  </p:stCondLst>
+                                  <p:childTnLst>
+                                    <p:set>
+                                      <p:cBhvr>
+                                        <p:cTn id="24" dur="1" fill="hold">
+                                          <p:stCondLst>
+                                            <p:cond delay="0"/>
+                                          </p:stCondLst>
+                                        </p:cTn>
+                                        <p:tgtEl>
+                                          <p:spTgt spid="3"/>
+                                        </p:tgtEl>
+                                        <p:attrNameLst>
+                                          <p:attrName>style.visibility</p:attrName>
+                                        </p:attrNameLst>
+                                      </p:cBhvr>
+                                      <p:to>
+                                        <p:strVal val="visible"/>
+                                      </p:to>
+                                    </p:set>
+                                    <p:animEffect transition="in" filter="fade">
+                                      <p:cBhvr>
+                                        <p:cTn id="25" dur="500"/>
+                                        <p:tgtEl>
+                                          <p:spTgt spid="3"/>
                                         </p:tgtEl>
                                       </p:cBhvr>
                                     </p:animEffect>
@@ -6215,74 +6794,10 @@
       </p:grpSpPr>
       <p:sp>
         <p:nvSpPr>
-          <p:cNvPr id="28" name="Rectangle 27">
-            <a:extLst>
-              <a:ext uri="{FF2B5EF4-FFF2-40B4-BE49-F238E27FC236}">
-                <a16:creationId xmlns:a16="http://schemas.microsoft.com/office/drawing/2014/main" id="{529D282C-A92C-474A-B596-105AB8C10238}"/>
-              </a:ext>
-            </a:extLst>
-          </p:cNvPr>
-          <p:cNvSpPr/>
-          <p:nvPr/>
-        </p:nvSpPr>
-        <p:spPr>
-          <a:xfrm>
-            <a:off x="2887193" y="5410845"/>
-            <a:ext cx="6469681" cy="749917"/>
-          </a:xfrm>
-          <a:prstGeom prst="rect">
-            <a:avLst/>
-          </a:prstGeom>
-          <a:solidFill>
-            <a:schemeClr val="bg1"/>
-          </a:solidFill>
-          <a:ln w="57150">
-            <a:solidFill>
-              <a:schemeClr val="tx1"/>
-            </a:solidFill>
-          </a:ln>
-        </p:spPr>
-        <p:style>
-          <a:lnRef idx="2">
-            <a:schemeClr val="accent1">
-              <a:shade val="50000"/>
-            </a:schemeClr>
-          </a:lnRef>
-          <a:fillRef idx="1">
-            <a:schemeClr val="accent1"/>
-          </a:fillRef>
-          <a:effectRef idx="0">
-            <a:schemeClr val="accent1"/>
-          </a:effectRef>
-          <a:fontRef idx="minor">
-            <a:schemeClr val="lt1"/>
-          </a:fontRef>
-        </p:style>
-        <p:txBody>
-          <a:bodyPr rtlCol="0" anchor="ctr"/>
-          <a:lstStyle/>
-          <a:p>
-            <a:pPr algn="ctr"/>
-            <a:r>
-              <a:rPr lang="sr-Latn-RS" sz="2800" dirty="0">
-                <a:solidFill>
-                  <a:schemeClr val="tx1"/>
-                </a:solidFill>
-                <a:latin typeface="Tahoma" panose="020B0604030504040204" pitchFamily="34" charset="0"/>
-                <a:ea typeface="Tahoma" panose="020B0604030504040204" pitchFamily="34" charset="0"/>
-                <a:cs typeface="Tahoma" panose="020B0604030504040204" pitchFamily="34" charset="0"/>
-              </a:rPr>
-              <a:t>Tok algoritma</a:t>
-            </a:r>
-          </a:p>
-        </p:txBody>
-      </p:sp>
-      <p:sp>
-        <p:nvSpPr>
           <p:cNvPr id="4" name="Rectangle 3">
             <a:extLst>
               <a:ext uri="{FF2B5EF4-FFF2-40B4-BE49-F238E27FC236}">
-                <a16:creationId xmlns:a16="http://schemas.microsoft.com/office/drawing/2014/main" id="{ADD4E0FE-3603-46C9-85CF-E14B212DB5F2}"/>
+                <a16:creationId xmlns:a16="http://schemas.microsoft.com/office/drawing/2014/main" xmlns="" id="{ADD4E0FE-3603-46C9-85CF-E14B212DB5F2}"/>
               </a:ext>
             </a:extLst>
           </p:cNvPr>
@@ -6341,7 +6856,7 @@
           <p:cNvPr id="7" name="Straight Arrow Connector 6">
             <a:extLst>
               <a:ext uri="{FF2B5EF4-FFF2-40B4-BE49-F238E27FC236}">
-                <a16:creationId xmlns:a16="http://schemas.microsoft.com/office/drawing/2014/main" id="{3E3C018B-01AA-42BC-A1E6-2212D29BB258}"/>
+                <a16:creationId xmlns:a16="http://schemas.microsoft.com/office/drawing/2014/main" xmlns="" id="{3E3C018B-01AA-42BC-A1E6-2212D29BB258}"/>
               </a:ext>
             </a:extLst>
           </p:cNvPr>
@@ -6352,7 +6867,7 @@
         </p:nvCxnSpPr>
         <p:spPr>
           <a:xfrm>
-            <a:off x="0" y="1302357"/>
+            <a:off x="0" y="1317781"/>
             <a:ext cx="2892250" cy="0"/>
           </a:xfrm>
           <a:prstGeom prst="straightConnector1">
@@ -6382,10 +6897,10 @@
       </p:cxnSp>
       <p:sp>
         <p:nvSpPr>
-          <p:cNvPr id="27" name="Rectangle 26">
-            <a:extLst>
-              <a:ext uri="{FF2B5EF4-FFF2-40B4-BE49-F238E27FC236}">
-                <a16:creationId xmlns:a16="http://schemas.microsoft.com/office/drawing/2014/main" id="{F59898C2-9313-4051-AFC9-04435A35E2C9}"/>
+          <p:cNvPr id="9" name="Rectangle 8">
+            <a:extLst>
+              <a:ext uri="{FF2B5EF4-FFF2-40B4-BE49-F238E27FC236}">
+                <a16:creationId xmlns:a16="http://schemas.microsoft.com/office/drawing/2014/main" xmlns="" id="{C5F19352-C7AD-4C04-86CD-434898726928}"/>
               </a:ext>
             </a:extLst>
           </p:cNvPr>
@@ -6394,65 +6909,7 @@
         </p:nvSpPr>
         <p:spPr>
           <a:xfrm>
-            <a:off x="2892472" y="556388"/>
-            <a:ext cx="6469681" cy="4598040"/>
-          </a:xfrm>
-          <a:prstGeom prst="rect">
-            <a:avLst/>
-          </a:prstGeom>
-          <a:solidFill>
-            <a:schemeClr val="bg1"/>
-          </a:solidFill>
-          <a:ln w="57150">
-            <a:solidFill>
-              <a:schemeClr val="tx1"/>
-            </a:solidFill>
-          </a:ln>
-        </p:spPr>
-        <p:style>
-          <a:lnRef idx="2">
-            <a:schemeClr val="accent1">
-              <a:shade val="50000"/>
-            </a:schemeClr>
-          </a:lnRef>
-          <a:fillRef idx="1">
-            <a:schemeClr val="accent1"/>
-          </a:fillRef>
-          <a:effectRef idx="0">
-            <a:schemeClr val="accent1"/>
-          </a:effectRef>
-          <a:fontRef idx="minor">
-            <a:schemeClr val="lt1"/>
-          </a:fontRef>
-        </p:style>
-        <p:txBody>
-          <a:bodyPr rtlCol="0" anchor="ctr"/>
-          <a:lstStyle/>
-          <a:p>
-            <a:pPr algn="ctr"/>
-            <a:endParaRPr lang="sr-Latn-RS" sz="2800" dirty="0">
-              <a:solidFill>
-                <a:schemeClr val="tx1"/>
-              </a:solidFill>
-            </a:endParaRPr>
-          </a:p>
-        </p:txBody>
-      </p:sp>
-      <p:sp>
-        <p:nvSpPr>
-          <p:cNvPr id="9" name="Rectangle 8">
-            <a:extLst>
-              <a:ext uri="{FF2B5EF4-FFF2-40B4-BE49-F238E27FC236}">
-                <a16:creationId xmlns:a16="http://schemas.microsoft.com/office/drawing/2014/main" id="{C5F19352-C7AD-4C04-86CD-434898726928}"/>
-              </a:ext>
-            </a:extLst>
-          </p:cNvPr>
-          <p:cNvSpPr/>
-          <p:nvPr/>
-        </p:nvSpPr>
-        <p:spPr>
-          <a:xfrm>
-            <a:off x="2892250" y="556853"/>
+            <a:off x="2887192" y="571043"/>
             <a:ext cx="6469681" cy="4598040"/>
           </a:xfrm>
           <a:prstGeom prst="rect">
@@ -6511,7 +6968,7 @@
           <p:cNvPr id="10" name="Rectangle 9">
             <a:extLst>
               <a:ext uri="{FF2B5EF4-FFF2-40B4-BE49-F238E27FC236}">
-                <a16:creationId xmlns:a16="http://schemas.microsoft.com/office/drawing/2014/main" id="{39D7748A-60A3-48DF-9AF1-2B6F02453938}"/>
+                <a16:creationId xmlns:a16="http://schemas.microsoft.com/office/drawing/2014/main" xmlns="" id="{39D7748A-60A3-48DF-9AF1-2B6F02453938}"/>
               </a:ext>
             </a:extLst>
           </p:cNvPr>
@@ -6520,7 +6977,7 @@
         </p:nvSpPr>
         <p:spPr>
           <a:xfrm>
-            <a:off x="2897082" y="5405634"/>
+            <a:off x="2888016" y="5437212"/>
             <a:ext cx="6469681" cy="749917"/>
           </a:xfrm>
           <a:prstGeom prst="rect">
@@ -6575,7 +7032,7 @@
           <p:cNvPr id="15" name="Rectangle 14">
             <a:extLst>
               <a:ext uri="{FF2B5EF4-FFF2-40B4-BE49-F238E27FC236}">
-                <a16:creationId xmlns:a16="http://schemas.microsoft.com/office/drawing/2014/main" id="{3E4BE1E6-F132-4C7D-8828-18B99FA7F8EA}"/>
+                <a16:creationId xmlns:a16="http://schemas.microsoft.com/office/drawing/2014/main" xmlns="" id="{3E4BE1E6-F132-4C7D-8828-18B99FA7F8EA}"/>
               </a:ext>
             </a:extLst>
           </p:cNvPr>
@@ -6584,7 +7041,7 @@
         </p:nvSpPr>
         <p:spPr>
           <a:xfrm>
-            <a:off x="2892250" y="563910"/>
+            <a:off x="2897081" y="564597"/>
             <a:ext cx="6469681" cy="4598040"/>
           </a:xfrm>
           <a:prstGeom prst="rect">
@@ -6643,7 +7100,7 @@
           <p:cNvPr id="16" name="Rectangle 15">
             <a:extLst>
               <a:ext uri="{FF2B5EF4-FFF2-40B4-BE49-F238E27FC236}">
-                <a16:creationId xmlns:a16="http://schemas.microsoft.com/office/drawing/2014/main" id="{F18B01E1-8F3B-437F-8FF0-4A40F9404EFB}"/>
+                <a16:creationId xmlns:a16="http://schemas.microsoft.com/office/drawing/2014/main" xmlns="" id="{F18B01E1-8F3B-437F-8FF0-4A40F9404EFB}"/>
               </a:ext>
             </a:extLst>
           </p:cNvPr>
@@ -6652,7 +7109,7 @@
         </p:nvSpPr>
         <p:spPr>
           <a:xfrm>
-            <a:off x="2887193" y="5397123"/>
+            <a:off x="2882247" y="5442244"/>
             <a:ext cx="6469681" cy="749917"/>
           </a:xfrm>
           <a:prstGeom prst="rect">
@@ -6707,7 +7164,7 @@
           <p:cNvPr id="17" name="Rectangle 16">
             <a:extLst>
               <a:ext uri="{FF2B5EF4-FFF2-40B4-BE49-F238E27FC236}">
-                <a16:creationId xmlns:a16="http://schemas.microsoft.com/office/drawing/2014/main" id="{5CAC0057-52D0-4150-89B6-F6DDAAB21EF9}"/>
+                <a16:creationId xmlns:a16="http://schemas.microsoft.com/office/drawing/2014/main" xmlns="" id="{5CAC0057-52D0-4150-89B6-F6DDAAB21EF9}"/>
               </a:ext>
             </a:extLst>
           </p:cNvPr>
@@ -6716,7 +7173,7 @@
         </p:nvSpPr>
         <p:spPr>
           <a:xfrm>
-            <a:off x="2892250" y="551580"/>
+            <a:off x="2882248" y="570535"/>
             <a:ext cx="6469681" cy="4598040"/>
           </a:xfrm>
           <a:prstGeom prst="rect">
@@ -6775,7 +7232,7 @@
           <p:cNvPr id="18" name="Rectangle 17">
             <a:extLst>
               <a:ext uri="{FF2B5EF4-FFF2-40B4-BE49-F238E27FC236}">
-                <a16:creationId xmlns:a16="http://schemas.microsoft.com/office/drawing/2014/main" id="{2946539D-7BA6-47D8-9D26-6955DF3A4E14}"/>
+                <a16:creationId xmlns:a16="http://schemas.microsoft.com/office/drawing/2014/main" xmlns="" id="{2946539D-7BA6-47D8-9D26-6955DF3A4E14}"/>
               </a:ext>
             </a:extLst>
           </p:cNvPr>
@@ -6784,7 +7241,7 @@
         </p:nvSpPr>
         <p:spPr>
           <a:xfrm>
-            <a:off x="2887193" y="5403118"/>
+            <a:off x="2880276" y="5442244"/>
             <a:ext cx="6469681" cy="749917"/>
           </a:xfrm>
           <a:prstGeom prst="rect">
@@ -6839,7 +7296,7 @@
           <p:cNvPr id="19" name="Rectangle 18">
             <a:extLst>
               <a:ext uri="{FF2B5EF4-FFF2-40B4-BE49-F238E27FC236}">
-                <a16:creationId xmlns:a16="http://schemas.microsoft.com/office/drawing/2014/main" id="{3FB82F63-E4E7-4A07-95F8-DA78B656C72B}"/>
+                <a16:creationId xmlns:a16="http://schemas.microsoft.com/office/drawing/2014/main" xmlns="" id="{3FB82F63-E4E7-4A07-95F8-DA78B656C72B}"/>
               </a:ext>
             </a:extLst>
           </p:cNvPr>
@@ -6848,7 +7305,7 @@
         </p:nvSpPr>
         <p:spPr>
           <a:xfrm>
-            <a:off x="2897304" y="553487"/>
+            <a:off x="2887192" y="568275"/>
             <a:ext cx="6469681" cy="4598040"/>
           </a:xfrm>
           <a:prstGeom prst="rect">
@@ -6907,7 +7364,7 @@
           <p:cNvPr id="20" name="Rectangle 19">
             <a:extLst>
               <a:ext uri="{FF2B5EF4-FFF2-40B4-BE49-F238E27FC236}">
-                <a16:creationId xmlns:a16="http://schemas.microsoft.com/office/drawing/2014/main" id="{58F94C87-F77A-4663-839A-21EC1F475AF7}"/>
+                <a16:creationId xmlns:a16="http://schemas.microsoft.com/office/drawing/2014/main" xmlns="" id="{58F94C87-F77A-4663-839A-21EC1F475AF7}"/>
               </a:ext>
             </a:extLst>
           </p:cNvPr>
@@ -6916,7 +7373,7 @@
         </p:nvSpPr>
         <p:spPr>
           <a:xfrm>
-            <a:off x="2887195" y="5396918"/>
+            <a:off x="2882247" y="5448182"/>
             <a:ext cx="6469681" cy="749917"/>
           </a:xfrm>
           <a:prstGeom prst="rect">
@@ -6971,7 +7428,7 @@
           <p:cNvPr id="29" name="Group 28">
             <a:extLst>
               <a:ext uri="{FF2B5EF4-FFF2-40B4-BE49-F238E27FC236}">
-                <a16:creationId xmlns:a16="http://schemas.microsoft.com/office/drawing/2014/main" id="{36F2750F-4E60-4663-A6F4-DB30EA0E29A6}"/>
+                <a16:creationId xmlns:a16="http://schemas.microsoft.com/office/drawing/2014/main" xmlns="" id="{36F2750F-4E60-4663-A6F4-DB30EA0E29A6}"/>
               </a:ext>
             </a:extLst>
           </p:cNvPr>
@@ -6980,7 +7437,7 @@
         </p:nvGrpSpPr>
         <p:grpSpPr>
           <a:xfrm>
-            <a:off x="2897082" y="558699"/>
+            <a:off x="2887193" y="562337"/>
             <a:ext cx="6469681" cy="4598040"/>
             <a:chOff x="2334746" y="524447"/>
             <a:chExt cx="6469681" cy="4598040"/>
@@ -6991,7 +7448,7 @@
             <p:cNvPr id="21" name="Rectangle 20">
               <a:extLst>
                 <a:ext uri="{FF2B5EF4-FFF2-40B4-BE49-F238E27FC236}">
-                  <a16:creationId xmlns:a16="http://schemas.microsoft.com/office/drawing/2014/main" id="{2677296B-79D1-4F08-A4E3-CF1E9D0A7295}"/>
+                  <a16:creationId xmlns:a16="http://schemas.microsoft.com/office/drawing/2014/main" xmlns="" id="{2677296B-79D1-4F08-A4E3-CF1E9D0A7295}"/>
                 </a:ext>
               </a:extLst>
             </p:cNvPr>
@@ -7049,7 +7506,7 @@
             <p:cNvPr id="22" name="Rectangle 21">
               <a:extLst>
                 <a:ext uri="{FF2B5EF4-FFF2-40B4-BE49-F238E27FC236}">
-                  <a16:creationId xmlns:a16="http://schemas.microsoft.com/office/drawing/2014/main" id="{86682EA4-7CC7-45D0-A09B-8A03EF5AB87A}"/>
+                  <a16:creationId xmlns:a16="http://schemas.microsoft.com/office/drawing/2014/main" xmlns="" id="{86682EA4-7CC7-45D0-A09B-8A03EF5AB87A}"/>
                 </a:ext>
               </a:extLst>
             </p:cNvPr>
@@ -7112,7 +7569,7 @@
           <p:cNvPr id="23" name="Rectangle 22">
             <a:extLst>
               <a:ext uri="{FF2B5EF4-FFF2-40B4-BE49-F238E27FC236}">
-                <a16:creationId xmlns:a16="http://schemas.microsoft.com/office/drawing/2014/main" id="{25D72537-DDBC-49F9-AF2D-A533FDB5AA38}"/>
+                <a16:creationId xmlns:a16="http://schemas.microsoft.com/office/drawing/2014/main" xmlns="" id="{25D72537-DDBC-49F9-AF2D-A533FDB5AA38}"/>
               </a:ext>
             </a:extLst>
           </p:cNvPr>
@@ -7121,7 +7578,7 @@
         </p:nvSpPr>
         <p:spPr>
           <a:xfrm>
-            <a:off x="2887194" y="5396453"/>
+            <a:off x="2874507" y="5429275"/>
             <a:ext cx="6469681" cy="749917"/>
           </a:xfrm>
           <a:prstGeom prst="rect">
@@ -7173,21 +7630,15 @@
       </p:sp>
       <p:grpSp>
         <p:nvGrpSpPr>
-          <p:cNvPr id="30" name="Group 29">
-            <a:extLst>
-              <a:ext uri="{FF2B5EF4-FFF2-40B4-BE49-F238E27FC236}">
-                <a16:creationId xmlns:a16="http://schemas.microsoft.com/office/drawing/2014/main" id="{B319819B-5ADA-41BC-BB8D-B956F218BB32}"/>
-              </a:ext>
-            </a:extLst>
-          </p:cNvPr>
+          <p:cNvPr id="2" name="Group 1"/>
           <p:cNvGrpSpPr/>
           <p:nvPr/>
         </p:nvGrpSpPr>
         <p:grpSpPr>
           <a:xfrm>
-            <a:off x="2887196" y="551580"/>
+            <a:off x="2907009" y="568695"/>
             <a:ext cx="6469681" cy="4598040"/>
-            <a:chOff x="6100887" y="2634758"/>
+            <a:chOff x="4592118" y="1535068"/>
             <a:chExt cx="6469681" cy="4598040"/>
           </a:xfrm>
         </p:grpSpPr>
@@ -7196,7 +7647,7 @@
             <p:cNvPr id="24" name="Rectangle 23">
               <a:extLst>
                 <a:ext uri="{FF2B5EF4-FFF2-40B4-BE49-F238E27FC236}">
-                  <a16:creationId xmlns:a16="http://schemas.microsoft.com/office/drawing/2014/main" id="{5517A6A5-0910-415A-B7A2-D56841F2E197}"/>
+                  <a16:creationId xmlns:a16="http://schemas.microsoft.com/office/drawing/2014/main" xmlns="" id="{5517A6A5-0910-415A-B7A2-D56841F2E197}"/>
                 </a:ext>
               </a:extLst>
             </p:cNvPr>
@@ -7205,7 +7656,7 @@
           </p:nvSpPr>
           <p:spPr>
             <a:xfrm>
-              <a:off x="6100887" y="2634758"/>
+              <a:off x="4592118" y="1535068"/>
               <a:ext cx="6469681" cy="4598040"/>
             </a:xfrm>
             <a:prstGeom prst="rect">
@@ -7254,7 +7705,7 @@
             <p:cNvPr id="25" name="Rectangle 24">
               <a:extLst>
                 <a:ext uri="{FF2B5EF4-FFF2-40B4-BE49-F238E27FC236}">
-                  <a16:creationId xmlns:a16="http://schemas.microsoft.com/office/drawing/2014/main" id="{2DAC825F-C885-4302-B685-C4F9467B7052}"/>
+                  <a16:creationId xmlns:a16="http://schemas.microsoft.com/office/drawing/2014/main" xmlns="" id="{2DAC825F-C885-4302-B685-C4F9467B7052}"/>
                 </a:ext>
               </a:extLst>
             </p:cNvPr>
@@ -7263,8 +7714,8 @@
           </p:nvSpPr>
           <p:spPr>
             <a:xfrm>
-              <a:off x="7755392" y="3597733"/>
-              <a:ext cx="3220077" cy="2801770"/>
+              <a:off x="6337087" y="2522414"/>
+              <a:ext cx="3223384" cy="2768020"/>
             </a:xfrm>
             <a:prstGeom prst="rect">
               <a:avLst/>
@@ -7279,7 +7730,7 @@
               </a:blip>
               <a:srcRect/>
               <a:stretch>
-                <a:fillRect/>
+                <a:fillRect l="103" t="-1219" b="1"/>
               </a:stretch>
             </a:blipFill>
             <a:ln>
@@ -7312,12 +7763,55 @@
           </p:txBody>
         </p:sp>
       </p:grpSp>
+      <p:cxnSp>
+        <p:nvCxnSpPr>
+          <p:cNvPr id="31" name="Straight Connector 30">
+            <a:extLst>
+              <a:ext uri="{FF2B5EF4-FFF2-40B4-BE49-F238E27FC236}">
+                <a16:creationId xmlns:a16="http://schemas.microsoft.com/office/drawing/2014/main" xmlns="" id="{BF465AC2-CF11-4F5C-9F33-FF6117ED0E87}"/>
+              </a:ext>
+            </a:extLst>
+          </p:cNvPr>
+          <p:cNvCxnSpPr>
+            <a:cxnSpLocks/>
+          </p:cNvCxnSpPr>
+          <p:nvPr/>
+        </p:nvCxnSpPr>
+        <p:spPr>
+          <a:xfrm>
+            <a:off x="9356874" y="1340359"/>
+            <a:ext cx="2825237" cy="0"/>
+          </a:xfrm>
+          <a:prstGeom prst="line">
+            <a:avLst/>
+          </a:prstGeom>
+          <a:ln w="57150">
+            <a:solidFill>
+              <a:schemeClr val="tx1"/>
+            </a:solidFill>
+          </a:ln>
+        </p:spPr>
+        <p:style>
+          <a:lnRef idx="1">
+            <a:schemeClr val="accent1"/>
+          </a:lnRef>
+          <a:fillRef idx="0">
+            <a:schemeClr val="accent1"/>
+          </a:fillRef>
+          <a:effectRef idx="0">
+            <a:schemeClr val="accent1"/>
+          </a:effectRef>
+          <a:fontRef idx="minor">
+            <a:schemeClr val="tx1"/>
+          </a:fontRef>
+        </p:style>
+      </p:cxnSp>
       <p:sp>
         <p:nvSpPr>
           <p:cNvPr id="26" name="Rectangle 25">
             <a:extLst>
               <a:ext uri="{FF2B5EF4-FFF2-40B4-BE49-F238E27FC236}">
-                <a16:creationId xmlns:a16="http://schemas.microsoft.com/office/drawing/2014/main" id="{762A38B9-2C19-46D8-B616-537494EB63CA}"/>
+                <a16:creationId xmlns:a16="http://schemas.microsoft.com/office/drawing/2014/main" xmlns="" id="{762A38B9-2C19-46D8-B616-537494EB63CA}"/>
               </a:ext>
             </a:extLst>
           </p:cNvPr>
@@ -7326,7 +7820,7 @@
         </p:nvSpPr>
         <p:spPr>
           <a:xfrm>
-            <a:off x="2887193" y="5398969"/>
+            <a:off x="2897081" y="5435759"/>
             <a:ext cx="6469681" cy="749917"/>
           </a:xfrm>
           <a:prstGeom prst="rect">
@@ -7387,49 +7881,6 @@
           </a:p>
         </p:txBody>
       </p:sp>
-      <p:cxnSp>
-        <p:nvCxnSpPr>
-          <p:cNvPr id="31" name="Straight Connector 30">
-            <a:extLst>
-              <a:ext uri="{FF2B5EF4-FFF2-40B4-BE49-F238E27FC236}">
-                <a16:creationId xmlns:a16="http://schemas.microsoft.com/office/drawing/2014/main" id="{BF465AC2-CF11-4F5C-9F33-FF6117ED0E87}"/>
-              </a:ext>
-            </a:extLst>
-          </p:cNvPr>
-          <p:cNvCxnSpPr>
-            <a:cxnSpLocks/>
-          </p:cNvCxnSpPr>
-          <p:nvPr/>
-        </p:nvCxnSpPr>
-        <p:spPr>
-          <a:xfrm>
-            <a:off x="9366763" y="1302357"/>
-            <a:ext cx="2825237" cy="0"/>
-          </a:xfrm>
-          <a:prstGeom prst="line">
-            <a:avLst/>
-          </a:prstGeom>
-          <a:ln w="57150">
-            <a:solidFill>
-              <a:schemeClr val="tx1"/>
-            </a:solidFill>
-          </a:ln>
-        </p:spPr>
-        <p:style>
-          <a:lnRef idx="1">
-            <a:schemeClr val="accent1"/>
-          </a:lnRef>
-          <a:fillRef idx="0">
-            <a:schemeClr val="accent1"/>
-          </a:fillRef>
-          <a:effectRef idx="0">
-            <a:schemeClr val="accent1"/>
-          </a:effectRef>
-          <a:fontRef idx="minor">
-            <a:schemeClr val="tx1"/>
-          </a:fontRef>
-        </p:style>
-      </p:cxnSp>
     </p:spTree>
     <p:extLst>
       <p:ext uri="{BB962C8B-B14F-4D97-AF65-F5344CB8AC3E}">
@@ -7440,13 +7891,13 @@
   <p:clrMapOvr>
     <a:masterClrMapping/>
   </p:clrMapOvr>
-  <mc:AlternateContent xmlns:mc="http://schemas.openxmlformats.org/markup-compatibility/2006">
-    <mc:Choice xmlns:p14="http://schemas.microsoft.com/office/powerpoint/2010/main" Requires="p14">
+  <mc:AlternateContent xmlns:mc="http://schemas.openxmlformats.org/markup-compatibility/2006" xmlns:p14="http://schemas.microsoft.com/office/powerpoint/2010/main">
+    <mc:Choice Requires="p14">
       <p:transition spd="slow" p14:dur="1300">
         <p14:pan/>
       </p:transition>
     </mc:Choice>
-    <mc:Fallback>
+    <mc:Fallback xmlns="">
       <p:transition spd="slow">
         <p:fade/>
       </p:transition>
@@ -7473,7 +7924,7 @@
                             </p:stCondLst>
                             <p:childTnLst>
                               <p:par>
-                                <p:cTn id="5" presetID="2" presetClass="entr" presetSubtype="2" fill="hold" grpId="0" nodeType="clickEffect">
+                                <p:cTn id="5" presetID="2" presetClass="entr" presetSubtype="1" fill="hold" grpId="0" nodeType="clickEffect">
                                   <p:stCondLst>
                                     <p:cond delay="0"/>
                                   </p:stCondLst>
@@ -7486,7 +7937,7 @@
                                           </p:stCondLst>
                                         </p:cTn>
                                         <p:tgtEl>
-                                          <p:spTgt spid="27"/>
+                                          <p:spTgt spid="9"/>
                                         </p:tgtEl>
                                         <p:attrNameLst>
                                           <p:attrName>style.visibility</p:attrName>
@@ -7500,7 +7951,7 @@
                                       <p:cBhvr additive="base">
                                         <p:cTn id="7" dur="500" fill="hold"/>
                                         <p:tgtEl>
-                                          <p:spTgt spid="27"/>
+                                          <p:spTgt spid="9"/>
                                         </p:tgtEl>
                                         <p:attrNameLst>
                                           <p:attrName>ppt_x</p:attrName>
@@ -7509,7 +7960,7 @@
                                       <p:tavLst>
                                         <p:tav tm="0">
                                           <p:val>
-                                            <p:strVal val="1+#ppt_w/2"/>
+                                            <p:strVal val="#ppt_x"/>
                                           </p:val>
                                         </p:tav>
                                         <p:tav tm="100000">
@@ -7523,7 +7974,7 @@
                                       <p:cBhvr additive="base">
                                         <p:cTn id="8" dur="500" fill="hold"/>
                                         <p:tgtEl>
-                                          <p:spTgt spid="27"/>
+                                          <p:spTgt spid="9"/>
                                         </p:tgtEl>
                                         <p:attrNameLst>
                                           <p:attrName>ppt_y</p:attrName>
@@ -7532,7 +7983,7 @@
                                       <p:tavLst>
                                         <p:tav tm="0">
                                           <p:val>
-                                            <p:strVal val="#ppt_y"/>
+                                            <p:strVal val="0-#ppt_h/2"/>
                                           </p:val>
                                         </p:tav>
                                         <p:tav tm="100000">
@@ -7546,7 +7997,7 @@
                                 </p:cTn>
                               </p:par>
                               <p:par>
-                                <p:cTn id="9" presetID="2" presetClass="entr" presetSubtype="8" fill="hold" grpId="0" nodeType="withEffect">
+                                <p:cTn id="9" presetID="2" presetClass="entr" presetSubtype="4" fill="hold" grpId="0" nodeType="withEffect">
                                   <p:stCondLst>
                                     <p:cond delay="0"/>
                                   </p:stCondLst>
@@ -7559,7 +8010,7 @@
                                           </p:stCondLst>
                                         </p:cTn>
                                         <p:tgtEl>
-                                          <p:spTgt spid="28"/>
+                                          <p:spTgt spid="10"/>
                                         </p:tgtEl>
                                         <p:attrNameLst>
                                           <p:attrName>style.visibility</p:attrName>
@@ -7573,7 +8024,7 @@
                                       <p:cBhvr additive="base">
                                         <p:cTn id="11" dur="500" fill="hold"/>
                                         <p:tgtEl>
-                                          <p:spTgt spid="28"/>
+                                          <p:spTgt spid="10"/>
                                         </p:tgtEl>
                                         <p:attrNameLst>
                                           <p:attrName>ppt_x</p:attrName>
@@ -7582,7 +8033,7 @@
                                       <p:tavLst>
                                         <p:tav tm="0">
                                           <p:val>
-                                            <p:strVal val="0-#ppt_w/2"/>
+                                            <p:strVal val="#ppt_x"/>
                                           </p:val>
                                         </p:tav>
                                         <p:tav tm="100000">
@@ -7596,7 +8047,7 @@
                                       <p:cBhvr additive="base">
                                         <p:cTn id="12" dur="500" fill="hold"/>
                                         <p:tgtEl>
-                                          <p:spTgt spid="28"/>
+                                          <p:spTgt spid="10"/>
                                         </p:tgtEl>
                                         <p:attrNameLst>
                                           <p:attrName>ppt_y</p:attrName>
@@ -7605,7 +8056,7 @@
                                       <p:tavLst>
                                         <p:tav tm="0">
                                           <p:val>
-                                            <p:strVal val="#ppt_y"/>
+                                            <p:strVal val="1+#ppt_h/2"/>
                                           </p:val>
                                         </p:tav>
                                         <p:tav tm="100000">
@@ -7637,7 +8088,7 @@
                             </p:stCondLst>
                             <p:childTnLst>
                               <p:par>
-                                <p:cTn id="15" presetID="2" presetClass="entr" presetSubtype="2" fill="hold" grpId="0" nodeType="clickEffect">
+                                <p:cTn id="15" presetID="2" presetClass="entr" presetSubtype="1" fill="hold" grpId="0" nodeType="clickEffect">
                                   <p:stCondLst>
                                     <p:cond delay="0"/>
                                   </p:stCondLst>
@@ -7650,7 +8101,7 @@
                                           </p:stCondLst>
                                         </p:cTn>
                                         <p:tgtEl>
-                                          <p:spTgt spid="9"/>
+                                          <p:spTgt spid="15"/>
                                         </p:tgtEl>
                                         <p:attrNameLst>
                                           <p:attrName>style.visibility</p:attrName>
@@ -7664,7 +8115,7 @@
                                       <p:cBhvr additive="base">
                                         <p:cTn id="17" dur="500" fill="hold"/>
                                         <p:tgtEl>
-                                          <p:spTgt spid="9"/>
+                                          <p:spTgt spid="15"/>
                                         </p:tgtEl>
                                         <p:attrNameLst>
                                           <p:attrName>ppt_x</p:attrName>
@@ -7673,7 +8124,7 @@
                                       <p:tavLst>
                                         <p:tav tm="0">
                                           <p:val>
-                                            <p:strVal val="1+#ppt_w/2"/>
+                                            <p:strVal val="#ppt_x"/>
                                           </p:val>
                                         </p:tav>
                                         <p:tav tm="100000">
@@ -7687,7 +8138,7 @@
                                       <p:cBhvr additive="base">
                                         <p:cTn id="18" dur="500" fill="hold"/>
                                         <p:tgtEl>
-                                          <p:spTgt spid="9"/>
+                                          <p:spTgt spid="15"/>
                                         </p:tgtEl>
                                         <p:attrNameLst>
                                           <p:attrName>ppt_y</p:attrName>
@@ -7696,7 +8147,7 @@
                                       <p:tavLst>
                                         <p:tav tm="0">
                                           <p:val>
-                                            <p:strVal val="#ppt_y"/>
+                                            <p:strVal val="0-#ppt_h/2"/>
                                           </p:val>
                                         </p:tav>
                                         <p:tav tm="100000">
@@ -7710,7 +8161,7 @@
                                 </p:cTn>
                               </p:par>
                               <p:par>
-                                <p:cTn id="19" presetID="2" presetClass="entr" presetSubtype="8" fill="hold" grpId="0" nodeType="withEffect">
+                                <p:cTn id="19" presetID="2" presetClass="entr" presetSubtype="4" fill="hold" grpId="0" nodeType="withEffect">
                                   <p:stCondLst>
                                     <p:cond delay="0"/>
                                   </p:stCondLst>
@@ -7723,7 +8174,7 @@
                                           </p:stCondLst>
                                         </p:cTn>
                                         <p:tgtEl>
-                                          <p:spTgt spid="10"/>
+                                          <p:spTgt spid="16"/>
                                         </p:tgtEl>
                                         <p:attrNameLst>
                                           <p:attrName>style.visibility</p:attrName>
@@ -7737,7 +8188,7 @@
                                       <p:cBhvr additive="base">
                                         <p:cTn id="21" dur="500" fill="hold"/>
                                         <p:tgtEl>
-                                          <p:spTgt spid="10"/>
+                                          <p:spTgt spid="16"/>
                                         </p:tgtEl>
                                         <p:attrNameLst>
                                           <p:attrName>ppt_x</p:attrName>
@@ -7746,7 +8197,7 @@
                                       <p:tavLst>
                                         <p:tav tm="0">
                                           <p:val>
-                                            <p:strVal val="0-#ppt_w/2"/>
+                                            <p:strVal val="#ppt_x"/>
                                           </p:val>
                                         </p:tav>
                                         <p:tav tm="100000">
@@ -7760,7 +8211,7 @@
                                       <p:cBhvr additive="base">
                                         <p:cTn id="22" dur="500" fill="hold"/>
                                         <p:tgtEl>
-                                          <p:spTgt spid="10"/>
+                                          <p:spTgt spid="16"/>
                                         </p:tgtEl>
                                         <p:attrNameLst>
                                           <p:attrName>ppt_y</p:attrName>
@@ -7769,7 +8220,7 @@
                                       <p:tavLst>
                                         <p:tav tm="0">
                                           <p:val>
-                                            <p:strVal val="#ppt_y"/>
+                                            <p:strVal val="1+#ppt_h/2"/>
                                           </p:val>
                                         </p:tav>
                                         <p:tav tm="100000">
@@ -7801,7 +8252,7 @@
                             </p:stCondLst>
                             <p:childTnLst>
                               <p:par>
-                                <p:cTn id="25" presetID="2" presetClass="entr" presetSubtype="2" fill="hold" grpId="0" nodeType="clickEffect">
+                                <p:cTn id="25" presetID="2" presetClass="entr" presetSubtype="1" fill="hold" grpId="0" nodeType="clickEffect">
                                   <p:stCondLst>
                                     <p:cond delay="0"/>
                                   </p:stCondLst>
@@ -7814,7 +8265,7 @@
                                           </p:stCondLst>
                                         </p:cTn>
                                         <p:tgtEl>
-                                          <p:spTgt spid="15"/>
+                                          <p:spTgt spid="17"/>
                                         </p:tgtEl>
                                         <p:attrNameLst>
                                           <p:attrName>style.visibility</p:attrName>
@@ -7828,7 +8279,7 @@
                                       <p:cBhvr additive="base">
                                         <p:cTn id="27" dur="500" fill="hold"/>
                                         <p:tgtEl>
-                                          <p:spTgt spid="15"/>
+                                          <p:spTgt spid="17"/>
                                         </p:tgtEl>
                                         <p:attrNameLst>
                                           <p:attrName>ppt_x</p:attrName>
@@ -7837,7 +8288,7 @@
                                       <p:tavLst>
                                         <p:tav tm="0">
                                           <p:val>
-                                            <p:strVal val="1+#ppt_w/2"/>
+                                            <p:strVal val="#ppt_x"/>
                                           </p:val>
                                         </p:tav>
                                         <p:tav tm="100000">
@@ -7851,7 +8302,7 @@
                                       <p:cBhvr additive="base">
                                         <p:cTn id="28" dur="500" fill="hold"/>
                                         <p:tgtEl>
-                                          <p:spTgt spid="15"/>
+                                          <p:spTgt spid="17"/>
                                         </p:tgtEl>
                                         <p:attrNameLst>
                                           <p:attrName>ppt_y</p:attrName>
@@ -7860,7 +8311,7 @@
                                       <p:tavLst>
                                         <p:tav tm="0">
                                           <p:val>
-                                            <p:strVal val="#ppt_y"/>
+                                            <p:strVal val="0-#ppt_h/2"/>
                                           </p:val>
                                         </p:tav>
                                         <p:tav tm="100000">
@@ -7874,7 +8325,7 @@
                                 </p:cTn>
                               </p:par>
                               <p:par>
-                                <p:cTn id="29" presetID="2" presetClass="entr" presetSubtype="8" fill="hold" grpId="0" nodeType="withEffect">
+                                <p:cTn id="29" presetID="2" presetClass="entr" presetSubtype="4" fill="hold" grpId="0" nodeType="withEffect">
                                   <p:stCondLst>
                                     <p:cond delay="0"/>
                                   </p:stCondLst>
@@ -7887,7 +8338,7 @@
                                           </p:stCondLst>
                                         </p:cTn>
                                         <p:tgtEl>
-                                          <p:spTgt spid="16"/>
+                                          <p:spTgt spid="18"/>
                                         </p:tgtEl>
                                         <p:attrNameLst>
                                           <p:attrName>style.visibility</p:attrName>
@@ -7901,7 +8352,7 @@
                                       <p:cBhvr additive="base">
                                         <p:cTn id="31" dur="500" fill="hold"/>
                                         <p:tgtEl>
-                                          <p:spTgt spid="16"/>
+                                          <p:spTgt spid="18"/>
                                         </p:tgtEl>
                                         <p:attrNameLst>
                                           <p:attrName>ppt_x</p:attrName>
@@ -7910,7 +8361,7 @@
                                       <p:tavLst>
                                         <p:tav tm="0">
                                           <p:val>
-                                            <p:strVal val="0-#ppt_w/2"/>
+                                            <p:strVal val="#ppt_x"/>
                                           </p:val>
                                         </p:tav>
                                         <p:tav tm="100000">
@@ -7924,7 +8375,7 @@
                                       <p:cBhvr additive="base">
                                         <p:cTn id="32" dur="500" fill="hold"/>
                                         <p:tgtEl>
-                                          <p:spTgt spid="16"/>
+                                          <p:spTgt spid="18"/>
                                         </p:tgtEl>
                                         <p:attrNameLst>
                                           <p:attrName>ppt_y</p:attrName>
@@ -7933,7 +8384,7 @@
                                       <p:tavLst>
                                         <p:tav tm="0">
                                           <p:val>
-                                            <p:strVal val="#ppt_y"/>
+                                            <p:strVal val="1+#ppt_h/2"/>
                                           </p:val>
                                         </p:tav>
                                         <p:tav tm="100000">
@@ -7965,7 +8416,7 @@
                             </p:stCondLst>
                             <p:childTnLst>
                               <p:par>
-                                <p:cTn id="35" presetID="2" presetClass="entr" presetSubtype="2" fill="hold" grpId="0" nodeType="clickEffect">
+                                <p:cTn id="35" presetID="2" presetClass="entr" presetSubtype="1" fill="hold" grpId="0" nodeType="clickEffect">
                                   <p:stCondLst>
                                     <p:cond delay="0"/>
                                   </p:stCondLst>
@@ -7978,7 +8429,7 @@
                                           </p:stCondLst>
                                         </p:cTn>
                                         <p:tgtEl>
-                                          <p:spTgt spid="17"/>
+                                          <p:spTgt spid="19"/>
                                         </p:tgtEl>
                                         <p:attrNameLst>
                                           <p:attrName>style.visibility</p:attrName>
@@ -7992,7 +8443,7 @@
                                       <p:cBhvr additive="base">
                                         <p:cTn id="37" dur="500" fill="hold"/>
                                         <p:tgtEl>
-                                          <p:spTgt spid="17"/>
+                                          <p:spTgt spid="19"/>
                                         </p:tgtEl>
                                         <p:attrNameLst>
                                           <p:attrName>ppt_x</p:attrName>
@@ -8001,7 +8452,7 @@
                                       <p:tavLst>
                                         <p:tav tm="0">
                                           <p:val>
-                                            <p:strVal val="1+#ppt_w/2"/>
+                                            <p:strVal val="#ppt_x"/>
                                           </p:val>
                                         </p:tav>
                                         <p:tav tm="100000">
@@ -8015,7 +8466,7 @@
                                       <p:cBhvr additive="base">
                                         <p:cTn id="38" dur="500" fill="hold"/>
                                         <p:tgtEl>
-                                          <p:spTgt spid="17"/>
+                                          <p:spTgt spid="19"/>
                                         </p:tgtEl>
                                         <p:attrNameLst>
                                           <p:attrName>ppt_y</p:attrName>
@@ -8024,7 +8475,7 @@
                                       <p:tavLst>
                                         <p:tav tm="0">
                                           <p:val>
-                                            <p:strVal val="#ppt_y"/>
+                                            <p:strVal val="0-#ppt_h/2"/>
                                           </p:val>
                                         </p:tav>
                                         <p:tav tm="100000">
@@ -8038,7 +8489,7 @@
                                 </p:cTn>
                               </p:par>
                               <p:par>
-                                <p:cTn id="39" presetID="2" presetClass="entr" presetSubtype="8" fill="hold" grpId="0" nodeType="withEffect">
+                                <p:cTn id="39" presetID="2" presetClass="entr" presetSubtype="4" fill="hold" grpId="0" nodeType="withEffect">
                                   <p:stCondLst>
                                     <p:cond delay="0"/>
                                   </p:stCondLst>
@@ -8051,7 +8502,7 @@
                                           </p:stCondLst>
                                         </p:cTn>
                                         <p:tgtEl>
-                                          <p:spTgt spid="18"/>
+                                          <p:spTgt spid="20"/>
                                         </p:tgtEl>
                                         <p:attrNameLst>
                                           <p:attrName>style.visibility</p:attrName>
@@ -8065,7 +8516,7 @@
                                       <p:cBhvr additive="base">
                                         <p:cTn id="41" dur="500" fill="hold"/>
                                         <p:tgtEl>
-                                          <p:spTgt spid="18"/>
+                                          <p:spTgt spid="20"/>
                                         </p:tgtEl>
                                         <p:attrNameLst>
                                           <p:attrName>ppt_x</p:attrName>
@@ -8074,7 +8525,7 @@
                                       <p:tavLst>
                                         <p:tav tm="0">
                                           <p:val>
-                                            <p:strVal val="0-#ppt_w/2"/>
+                                            <p:strVal val="#ppt_x"/>
                                           </p:val>
                                         </p:tav>
                                         <p:tav tm="100000">
@@ -8088,7 +8539,7 @@
                                       <p:cBhvr additive="base">
                                         <p:cTn id="42" dur="500" fill="hold"/>
                                         <p:tgtEl>
-                                          <p:spTgt spid="18"/>
+                                          <p:spTgt spid="20"/>
                                         </p:tgtEl>
                                         <p:attrNameLst>
                                           <p:attrName>ppt_y</p:attrName>
@@ -8097,7 +8548,7 @@
                                       <p:tavLst>
                                         <p:tav tm="0">
                                           <p:val>
-                                            <p:strVal val="#ppt_y"/>
+                                            <p:strVal val="1+#ppt_h/2"/>
                                           </p:val>
                                         </p:tav>
                                         <p:tav tm="100000">
@@ -8129,7 +8580,7 @@
                             </p:stCondLst>
                             <p:childTnLst>
                               <p:par>
-                                <p:cTn id="45" presetID="2" presetClass="entr" presetSubtype="2" fill="hold" grpId="0" nodeType="clickEffect">
+                                <p:cTn id="45" presetID="2" presetClass="entr" presetSubtype="1" fill="hold" nodeType="clickEffect">
                                   <p:stCondLst>
                                     <p:cond delay="0"/>
                                   </p:stCondLst>
@@ -8137,170 +8588,6 @@
                                     <p:set>
                                       <p:cBhvr>
                                         <p:cTn id="46" dur="1" fill="hold">
-                                          <p:stCondLst>
-                                            <p:cond delay="0"/>
-                                          </p:stCondLst>
-                                        </p:cTn>
-                                        <p:tgtEl>
-                                          <p:spTgt spid="19"/>
-                                        </p:tgtEl>
-                                        <p:attrNameLst>
-                                          <p:attrName>style.visibility</p:attrName>
-                                        </p:attrNameLst>
-                                      </p:cBhvr>
-                                      <p:to>
-                                        <p:strVal val="visible"/>
-                                      </p:to>
-                                    </p:set>
-                                    <p:anim calcmode="lin" valueType="num">
-                                      <p:cBhvr additive="base">
-                                        <p:cTn id="47" dur="500" fill="hold"/>
-                                        <p:tgtEl>
-                                          <p:spTgt spid="19"/>
-                                        </p:tgtEl>
-                                        <p:attrNameLst>
-                                          <p:attrName>ppt_x</p:attrName>
-                                        </p:attrNameLst>
-                                      </p:cBhvr>
-                                      <p:tavLst>
-                                        <p:tav tm="0">
-                                          <p:val>
-                                            <p:strVal val="1+#ppt_w/2"/>
-                                          </p:val>
-                                        </p:tav>
-                                        <p:tav tm="100000">
-                                          <p:val>
-                                            <p:strVal val="#ppt_x"/>
-                                          </p:val>
-                                        </p:tav>
-                                      </p:tavLst>
-                                    </p:anim>
-                                    <p:anim calcmode="lin" valueType="num">
-                                      <p:cBhvr additive="base">
-                                        <p:cTn id="48" dur="500" fill="hold"/>
-                                        <p:tgtEl>
-                                          <p:spTgt spid="19"/>
-                                        </p:tgtEl>
-                                        <p:attrNameLst>
-                                          <p:attrName>ppt_y</p:attrName>
-                                        </p:attrNameLst>
-                                      </p:cBhvr>
-                                      <p:tavLst>
-                                        <p:tav tm="0">
-                                          <p:val>
-                                            <p:strVal val="#ppt_y"/>
-                                          </p:val>
-                                        </p:tav>
-                                        <p:tav tm="100000">
-                                          <p:val>
-                                            <p:strVal val="#ppt_y"/>
-                                          </p:val>
-                                        </p:tav>
-                                      </p:tavLst>
-                                    </p:anim>
-                                  </p:childTnLst>
-                                </p:cTn>
-                              </p:par>
-                              <p:par>
-                                <p:cTn id="49" presetID="2" presetClass="entr" presetSubtype="8" fill="hold" grpId="0" nodeType="withEffect">
-                                  <p:stCondLst>
-                                    <p:cond delay="0"/>
-                                  </p:stCondLst>
-                                  <p:childTnLst>
-                                    <p:set>
-                                      <p:cBhvr>
-                                        <p:cTn id="50" dur="1" fill="hold">
-                                          <p:stCondLst>
-                                            <p:cond delay="0"/>
-                                          </p:stCondLst>
-                                        </p:cTn>
-                                        <p:tgtEl>
-                                          <p:spTgt spid="20"/>
-                                        </p:tgtEl>
-                                        <p:attrNameLst>
-                                          <p:attrName>style.visibility</p:attrName>
-                                        </p:attrNameLst>
-                                      </p:cBhvr>
-                                      <p:to>
-                                        <p:strVal val="visible"/>
-                                      </p:to>
-                                    </p:set>
-                                    <p:anim calcmode="lin" valueType="num">
-                                      <p:cBhvr additive="base">
-                                        <p:cTn id="51" dur="500" fill="hold"/>
-                                        <p:tgtEl>
-                                          <p:spTgt spid="20"/>
-                                        </p:tgtEl>
-                                        <p:attrNameLst>
-                                          <p:attrName>ppt_x</p:attrName>
-                                        </p:attrNameLst>
-                                      </p:cBhvr>
-                                      <p:tavLst>
-                                        <p:tav tm="0">
-                                          <p:val>
-                                            <p:strVal val="0-#ppt_w/2"/>
-                                          </p:val>
-                                        </p:tav>
-                                        <p:tav tm="100000">
-                                          <p:val>
-                                            <p:strVal val="#ppt_x"/>
-                                          </p:val>
-                                        </p:tav>
-                                      </p:tavLst>
-                                    </p:anim>
-                                    <p:anim calcmode="lin" valueType="num">
-                                      <p:cBhvr additive="base">
-                                        <p:cTn id="52" dur="500" fill="hold"/>
-                                        <p:tgtEl>
-                                          <p:spTgt spid="20"/>
-                                        </p:tgtEl>
-                                        <p:attrNameLst>
-                                          <p:attrName>ppt_y</p:attrName>
-                                        </p:attrNameLst>
-                                      </p:cBhvr>
-                                      <p:tavLst>
-                                        <p:tav tm="0">
-                                          <p:val>
-                                            <p:strVal val="#ppt_y"/>
-                                          </p:val>
-                                        </p:tav>
-                                        <p:tav tm="100000">
-                                          <p:val>
-                                            <p:strVal val="#ppt_y"/>
-                                          </p:val>
-                                        </p:tav>
-                                      </p:tavLst>
-                                    </p:anim>
-                                  </p:childTnLst>
-                                </p:cTn>
-                              </p:par>
-                            </p:childTnLst>
-                          </p:cTn>
-                        </p:par>
-                      </p:childTnLst>
-                    </p:cTn>
-                  </p:par>
-                  <p:par>
-                    <p:cTn id="53" fill="hold">
-                      <p:stCondLst>
-                        <p:cond delay="indefinite"/>
-                      </p:stCondLst>
-                      <p:childTnLst>
-                        <p:par>
-                          <p:cTn id="54" fill="hold">
-                            <p:stCondLst>
-                              <p:cond delay="0"/>
-                            </p:stCondLst>
-                            <p:childTnLst>
-                              <p:par>
-                                <p:cTn id="55" presetID="2" presetClass="entr" presetSubtype="2" fill="hold" nodeType="clickEffect">
-                                  <p:stCondLst>
-                                    <p:cond delay="0"/>
-                                  </p:stCondLst>
-                                  <p:childTnLst>
-                                    <p:set>
-                                      <p:cBhvr>
-                                        <p:cTn id="56" dur="1" fill="hold">
                                           <p:stCondLst>
                                             <p:cond delay="0"/>
                                           </p:stCondLst>
@@ -8318,7 +8605,7 @@
                                     </p:set>
                                     <p:anim calcmode="lin" valueType="num">
                                       <p:cBhvr additive="base">
-                                        <p:cTn id="57" dur="500" fill="hold"/>
+                                        <p:cTn id="47" dur="500" fill="hold"/>
                                         <p:tgtEl>
                                           <p:spTgt spid="29"/>
                                         </p:tgtEl>
@@ -8329,7 +8616,7 @@
                                       <p:tavLst>
                                         <p:tav tm="0">
                                           <p:val>
-                                            <p:strVal val="1+#ppt_w/2"/>
+                                            <p:strVal val="#ppt_x"/>
                                           </p:val>
                                         </p:tav>
                                         <p:tav tm="100000">
@@ -8341,7 +8628,7 @@
                                     </p:anim>
                                     <p:anim calcmode="lin" valueType="num">
                                       <p:cBhvr additive="base">
-                                        <p:cTn id="58" dur="500" fill="hold"/>
+                                        <p:cTn id="48" dur="500" fill="hold"/>
                                         <p:tgtEl>
                                           <p:spTgt spid="29"/>
                                         </p:tgtEl>
@@ -8352,7 +8639,7 @@
                                       <p:tavLst>
                                         <p:tav tm="0">
                                           <p:val>
-                                            <p:strVal val="#ppt_y"/>
+                                            <p:strVal val="0-#ppt_h/2"/>
                                           </p:val>
                                         </p:tav>
                                         <p:tav tm="100000">
@@ -8366,14 +8653,14 @@
                                 </p:cTn>
                               </p:par>
                               <p:par>
-                                <p:cTn id="59" presetID="2" presetClass="entr" presetSubtype="8" fill="hold" grpId="0" nodeType="withEffect">
+                                <p:cTn id="49" presetID="2" presetClass="entr" presetSubtype="4" fill="hold" grpId="0" nodeType="withEffect">
                                   <p:stCondLst>
                                     <p:cond delay="0"/>
                                   </p:stCondLst>
                                   <p:childTnLst>
                                     <p:set>
                                       <p:cBhvr>
-                                        <p:cTn id="60" dur="1" fill="hold">
+                                        <p:cTn id="50" dur="1" fill="hold">
                                           <p:stCondLst>
                                             <p:cond delay="0"/>
                                           </p:stCondLst>
@@ -8391,7 +8678,7 @@
                                     </p:set>
                                     <p:anim calcmode="lin" valueType="num">
                                       <p:cBhvr additive="base">
-                                        <p:cTn id="61" dur="500" fill="hold"/>
+                                        <p:cTn id="51" dur="500" fill="hold"/>
                                         <p:tgtEl>
                                           <p:spTgt spid="23"/>
                                         </p:tgtEl>
@@ -8402,7 +8689,7 @@
                                       <p:tavLst>
                                         <p:tav tm="0">
                                           <p:val>
-                                            <p:strVal val="0-#ppt_w/2"/>
+                                            <p:strVal val="#ppt_x"/>
                                           </p:val>
                                         </p:tav>
                                         <p:tav tm="100000">
@@ -8414,7 +8701,7 @@
                                     </p:anim>
                                     <p:anim calcmode="lin" valueType="num">
                                       <p:cBhvr additive="base">
-                                        <p:cTn id="62" dur="500" fill="hold"/>
+                                        <p:cTn id="52" dur="500" fill="hold"/>
                                         <p:tgtEl>
                                           <p:spTgt spid="23"/>
                                         </p:tgtEl>
@@ -8425,98 +8712,7 @@
                                       <p:tavLst>
                                         <p:tav tm="0">
                                           <p:val>
-                                            <p:strVal val="#ppt_y"/>
-                                          </p:val>
-                                        </p:tav>
-                                        <p:tav tm="100000">
-                                          <p:val>
-                                            <p:strVal val="#ppt_y"/>
-                                          </p:val>
-                                        </p:tav>
-                                      </p:tavLst>
-                                    </p:anim>
-                                  </p:childTnLst>
-                                </p:cTn>
-                              </p:par>
-                            </p:childTnLst>
-                          </p:cTn>
-                        </p:par>
-                      </p:childTnLst>
-                    </p:cTn>
-                  </p:par>
-                  <p:par>
-                    <p:cTn id="63" fill="hold">
-                      <p:stCondLst>
-                        <p:cond delay="indefinite"/>
-                      </p:stCondLst>
-                      <p:childTnLst>
-                        <p:par>
-                          <p:cTn id="64" fill="hold">
-                            <p:stCondLst>
-                              <p:cond delay="0"/>
-                            </p:stCondLst>
-                            <p:childTnLst>
-                              <p:par>
-                                <p:cTn id="65" presetID="2" presetClass="entr" presetSubtype="2" fill="hold" nodeType="clickEffect">
-                                  <p:stCondLst>
-                                    <p:cond delay="0"/>
-                                  </p:stCondLst>
-                                  <p:childTnLst>
-                                    <p:set>
-                                      <p:cBhvr>
-                                        <p:cTn id="66" dur="1" fill="hold">
-                                          <p:stCondLst>
-                                            <p:cond delay="0"/>
-                                          </p:stCondLst>
-                                        </p:cTn>
-                                        <p:tgtEl>
-                                          <p:spTgt spid="30"/>
-                                        </p:tgtEl>
-                                        <p:attrNameLst>
-                                          <p:attrName>style.visibility</p:attrName>
-                                        </p:attrNameLst>
-                                      </p:cBhvr>
-                                      <p:to>
-                                        <p:strVal val="visible"/>
-                                      </p:to>
-                                    </p:set>
-                                    <p:anim calcmode="lin" valueType="num">
-                                      <p:cBhvr additive="base">
-                                        <p:cTn id="67" dur="500" fill="hold"/>
-                                        <p:tgtEl>
-                                          <p:spTgt spid="30"/>
-                                        </p:tgtEl>
-                                        <p:attrNameLst>
-                                          <p:attrName>ppt_x</p:attrName>
-                                        </p:attrNameLst>
-                                      </p:cBhvr>
-                                      <p:tavLst>
-                                        <p:tav tm="0">
-                                          <p:val>
-                                            <p:strVal val="1+#ppt_w/2"/>
-                                          </p:val>
-                                        </p:tav>
-                                        <p:tav tm="100000">
-                                          <p:val>
-                                            <p:strVal val="#ppt_x"/>
-                                          </p:val>
-                                        </p:tav>
-                                      </p:tavLst>
-                                    </p:anim>
-                                    <p:anim calcmode="lin" valueType="num">
-                                      <p:cBhvr additive="base">
-                                        <p:cTn id="68" dur="500" fill="hold"/>
-                                        <p:tgtEl>
-                                          <p:spTgt spid="30"/>
-                                        </p:tgtEl>
-                                        <p:attrNameLst>
-                                          <p:attrName>ppt_y</p:attrName>
-                                        </p:attrNameLst>
-                                      </p:cBhvr>
-                                      <p:tavLst>
-                                        <p:tav tm="0">
-                                          <p:val>
-                                            <p:strVal val="#ppt_y"/>
+                                            <p:strVal val="1+#ppt_h/2"/>
                                           </p:val>
                                         </p:tav>
                                         <p:tav tm="100000">
@@ -8530,14 +8726,140 @@
                                 </p:cTn>
                               </p:par>
                               <p:par>
-                                <p:cTn id="69" presetID="2" presetClass="entr" presetSubtype="8" fill="hold" grpId="0" nodeType="withEffect">
+                                <p:cTn id="53" presetID="10" presetClass="entr" presetSubtype="0" fill="hold" nodeType="withEffect">
                                   <p:stCondLst>
                                     <p:cond delay="0"/>
                                   </p:stCondLst>
                                   <p:childTnLst>
                                     <p:set>
                                       <p:cBhvr>
-                                        <p:cTn id="70" dur="1" fill="hold">
+                                        <p:cTn id="54" dur="1" fill="hold">
+                                          <p:stCondLst>
+                                            <p:cond delay="0"/>
+                                          </p:stCondLst>
+                                        </p:cTn>
+                                        <p:tgtEl>
+                                          <p:spTgt spid="31"/>
+                                        </p:tgtEl>
+                                        <p:attrNameLst>
+                                          <p:attrName>style.visibility</p:attrName>
+                                        </p:attrNameLst>
+                                      </p:cBhvr>
+                                      <p:to>
+                                        <p:strVal val="visible"/>
+                                      </p:to>
+                                    </p:set>
+                                    <p:animEffect transition="in" filter="fade">
+                                      <p:cBhvr>
+                                        <p:cTn id="55" dur="500"/>
+                                        <p:tgtEl>
+                                          <p:spTgt spid="31"/>
+                                        </p:tgtEl>
+                                      </p:cBhvr>
+                                    </p:animEffect>
+                                  </p:childTnLst>
+                                </p:cTn>
+                              </p:par>
+                            </p:childTnLst>
+                          </p:cTn>
+                        </p:par>
+                      </p:childTnLst>
+                    </p:cTn>
+                  </p:par>
+                  <p:par>
+                    <p:cTn id="56" fill="hold">
+                      <p:stCondLst>
+                        <p:cond delay="indefinite"/>
+                      </p:stCondLst>
+                      <p:childTnLst>
+                        <p:par>
+                          <p:cTn id="57" fill="hold">
+                            <p:stCondLst>
+                              <p:cond delay="0"/>
+                            </p:stCondLst>
+                            <p:childTnLst>
+                              <p:par>
+                                <p:cTn id="58" presetID="2" presetClass="entr" presetSubtype="1" fill="hold" nodeType="clickEffect">
+                                  <p:stCondLst>
+                                    <p:cond delay="0"/>
+                                  </p:stCondLst>
+                                  <p:childTnLst>
+                                    <p:set>
+                                      <p:cBhvr>
+                                        <p:cTn id="59" dur="1" fill="hold">
+                                          <p:stCondLst>
+                                            <p:cond delay="0"/>
+                                          </p:stCondLst>
+                                        </p:cTn>
+                                        <p:tgtEl>
+                                          <p:spTgt spid="2"/>
+                                        </p:tgtEl>
+                                        <p:attrNameLst>
+                                          <p:attrName>style.visibility</p:attrName>
+                                        </p:attrNameLst>
+                                      </p:cBhvr>
+                                      <p:to>
+                                        <p:strVal val="visible"/>
+                                      </p:to>
+                                    </p:set>
+                                    <p:anim calcmode="lin" valueType="num">
+                                      <p:cBhvr additive="base">
+                                        <p:cTn id="60" dur="500" fill="hold"/>
+                                        <p:tgtEl>
+                                          <p:spTgt spid="2"/>
+                                        </p:tgtEl>
+                                        <p:attrNameLst>
+                                          <p:attrName>ppt_x</p:attrName>
+                                        </p:attrNameLst>
+                                      </p:cBhvr>
+                                      <p:tavLst>
+                                        <p:tav tm="0">
+                                          <p:val>
+                                            <p:strVal val="#ppt_x"/>
+                                          </p:val>
+                                        </p:tav>
+                                        <p:tav tm="100000">
+                                          <p:val>
+                                            <p:strVal val="#ppt_x"/>
+                                          </p:val>
+                                        </p:tav>
+                                      </p:tavLst>
+                                    </p:anim>
+                                    <p:anim calcmode="lin" valueType="num">
+                                      <p:cBhvr additive="base">
+                                        <p:cTn id="61" dur="500" fill="hold"/>
+                                        <p:tgtEl>
+                                          <p:spTgt spid="2"/>
+                                        </p:tgtEl>
+                                        <p:attrNameLst>
+                                          <p:attrName>ppt_y</p:attrName>
+                                        </p:attrNameLst>
+                                      </p:cBhvr>
+                                      <p:tavLst>
+                                        <p:tav tm="0">
+                                          <p:val>
+                                            <p:strVal val="0-#ppt_h/2"/>
+                                          </p:val>
+                                        </p:tav>
+                                        <p:tav tm="100000">
+                                          <p:val>
+                                            <p:strVal val="#ppt_y"/>
+                                          </p:val>
+                                        </p:tav>
+                                      </p:tavLst>
+                                    </p:anim>
+                                  </p:childTnLst>
+                                </p:cTn>
+                              </p:par>
+                              <p:par>
+                                <p:cTn id="62" presetID="2" presetClass="entr" presetSubtype="4" fill="hold" grpId="0" nodeType="withEffect">
+                                  <p:stCondLst>
+                                    <p:cond delay="0"/>
+                                  </p:stCondLst>
+                                  <p:childTnLst>
+                                    <p:set>
+                                      <p:cBhvr>
+                                        <p:cTn id="63" dur="1" fill="hold">
                                           <p:stCondLst>
                                             <p:cond delay="0"/>
                                           </p:stCondLst>
@@ -8555,7 +8877,7 @@
                                     </p:set>
                                     <p:anim calcmode="lin" valueType="num">
                                       <p:cBhvr additive="base">
-                                        <p:cTn id="71" dur="500" fill="hold"/>
+                                        <p:cTn id="64" dur="500" fill="hold"/>
                                         <p:tgtEl>
                                           <p:spTgt spid="26"/>
                                         </p:tgtEl>
@@ -8566,7 +8888,7 @@
                                       <p:tavLst>
                                         <p:tav tm="0">
                                           <p:val>
-                                            <p:strVal val="0-#ppt_w/2"/>
+                                            <p:strVal val="#ppt_x"/>
                                           </p:val>
                                         </p:tav>
                                         <p:tav tm="100000">
@@ -8578,7 +8900,7 @@
                                     </p:anim>
                                     <p:anim calcmode="lin" valueType="num">
                                       <p:cBhvr additive="base">
-                                        <p:cTn id="72" dur="500" fill="hold"/>
+                                        <p:cTn id="65" dur="500" fill="hold"/>
                                         <p:tgtEl>
                                           <p:spTgt spid="26"/>
                                         </p:tgtEl>
@@ -8589,7 +8911,7 @@
                                       <p:tavLst>
                                         <p:tav tm="0">
                                           <p:val>
-                                            <p:strVal val="#ppt_y"/>
+                                            <p:strVal val="1+#ppt_h/2"/>
                                           </p:val>
                                         </p:tav>
                                         <p:tav tm="100000">
@@ -8630,8 +8952,6 @@
       </p:par>
     </p:tnLst>
     <p:bldLst>
-      <p:bldP spid="28" grpId="0" animBg="1"/>
-      <p:bldP spid="27" grpId="0" animBg="1"/>
       <p:bldP spid="9" grpId="0" animBg="1"/>
       <p:bldP spid="10" grpId="0" animBg="1"/>
       <p:bldP spid="15" grpId="0" animBg="1"/>
@@ -8669,7 +8989,7 @@
           <p:cNvPr id="4" name="Parallelogram 3">
             <a:extLst>
               <a:ext uri="{FF2B5EF4-FFF2-40B4-BE49-F238E27FC236}">
-                <a16:creationId xmlns:a16="http://schemas.microsoft.com/office/drawing/2014/main" id="{0E919038-C07C-4E64-BD8A-7DF2F350392D}"/>
+                <a16:creationId xmlns:a16="http://schemas.microsoft.com/office/drawing/2014/main" xmlns="" id="{0E919038-C07C-4E64-BD8A-7DF2F350392D}"/>
               </a:ext>
             </a:extLst>
           </p:cNvPr>
@@ -8717,6 +9037,9 @@
                 <a:solidFill>
                   <a:schemeClr val="tx1"/>
                 </a:solidFill>
+                <a:latin typeface="Tahoma" panose="020B0604030504040204" pitchFamily="34" charset="0"/>
+                <a:ea typeface="Tahoma" panose="020B0604030504040204" pitchFamily="34" charset="0"/>
+                <a:cs typeface="Tahoma" panose="020B0604030504040204" pitchFamily="34" charset="0"/>
               </a:rPr>
               <a:t>Kordinate uglova markera na slici</a:t>
             </a:r>
@@ -8724,6 +9047,9 @@
               <a:solidFill>
                 <a:schemeClr val="tx1"/>
               </a:solidFill>
+              <a:latin typeface="Tahoma" panose="020B0604030504040204" pitchFamily="34" charset="0"/>
+              <a:ea typeface="Tahoma" panose="020B0604030504040204" pitchFamily="34" charset="0"/>
+              <a:cs typeface="Tahoma" panose="020B0604030504040204" pitchFamily="34" charset="0"/>
             </a:endParaRPr>
           </a:p>
         </p:txBody>
@@ -8733,7 +9059,7 @@
           <p:cNvPr id="5" name="Parallelogram 4">
             <a:extLst>
               <a:ext uri="{FF2B5EF4-FFF2-40B4-BE49-F238E27FC236}">
-                <a16:creationId xmlns:a16="http://schemas.microsoft.com/office/drawing/2014/main" id="{35F4751C-F3C2-443D-8103-42E7716D7E24}"/>
+                <a16:creationId xmlns:a16="http://schemas.microsoft.com/office/drawing/2014/main" xmlns="" id="{35F4751C-F3C2-443D-8103-42E7716D7E24}"/>
               </a:ext>
             </a:extLst>
           </p:cNvPr>
@@ -8777,25 +9103,23 @@
           <a:p>
             <a:pPr algn="ctr"/>
             <a:r>
-              <a:rPr lang="sr-Latn-RS" sz="2800">
-                <a:solidFill>
-                  <a:schemeClr val="tx1"/>
-                </a:solidFill>
-              </a:rPr>
-              <a:t>Kordinate tem </a:t>
-            </a:r>
-            <a:r>
               <a:rPr lang="sr-Latn-RS" sz="2800" dirty="0">
                 <a:solidFill>
                   <a:schemeClr val="tx1"/>
                 </a:solidFill>
+                <a:latin typeface="Tahoma" panose="020B0604030504040204" pitchFamily="34" charset="0"/>
+                <a:ea typeface="Tahoma" panose="020B0604030504040204" pitchFamily="34" charset="0"/>
+                <a:cs typeface="Tahoma" panose="020B0604030504040204" pitchFamily="34" charset="0"/>
               </a:rPr>
-              <a:t>markera u stvarnosti </a:t>
+              <a:t>Kordinate tem markera u stvarnosti </a:t>
             </a:r>
             <a:endParaRPr lang="sr-Latn-RS" dirty="0">
               <a:solidFill>
                 <a:schemeClr val="tx1"/>
               </a:solidFill>
+              <a:latin typeface="Tahoma" panose="020B0604030504040204" pitchFamily="34" charset="0"/>
+              <a:ea typeface="Tahoma" panose="020B0604030504040204" pitchFamily="34" charset="0"/>
+              <a:cs typeface="Tahoma" panose="020B0604030504040204" pitchFamily="34" charset="0"/>
             </a:endParaRPr>
           </a:p>
         </p:txBody>
@@ -8805,7 +9129,7 @@
           <p:cNvPr id="6" name="Straight Arrow Connector 5">
             <a:extLst>
               <a:ext uri="{FF2B5EF4-FFF2-40B4-BE49-F238E27FC236}">
-                <a16:creationId xmlns:a16="http://schemas.microsoft.com/office/drawing/2014/main" id="{BB510B7D-BF9C-49EC-9E8D-474633DAF51D}"/>
+                <a16:creationId xmlns:a16="http://schemas.microsoft.com/office/drawing/2014/main" xmlns="" id="{BB510B7D-BF9C-49EC-9E8D-474633DAF51D}"/>
               </a:ext>
             </a:extLst>
           </p:cNvPr>
@@ -8844,138 +9168,12 @@
           </a:fontRef>
         </p:style>
       </p:cxnSp>
-      <p:sp>
-        <p:nvSpPr>
-          <p:cNvPr id="8" name="Parallelogram 7">
-            <a:extLst>
-              <a:ext uri="{FF2B5EF4-FFF2-40B4-BE49-F238E27FC236}">
-                <a16:creationId xmlns:a16="http://schemas.microsoft.com/office/drawing/2014/main" id="{1E01F96C-3E4A-4BB7-8871-AD3D82A279CC}"/>
-              </a:ext>
-            </a:extLst>
-          </p:cNvPr>
-          <p:cNvSpPr/>
-          <p:nvPr/>
-        </p:nvSpPr>
-        <p:spPr>
-          <a:xfrm>
-            <a:off x="3727894" y="4873138"/>
-            <a:ext cx="5088041" cy="1158977"/>
-          </a:xfrm>
-          <a:prstGeom prst="parallelogram">
-            <a:avLst/>
-          </a:prstGeom>
-          <a:noFill/>
-          <a:ln w="57150">
-            <a:solidFill>
-              <a:schemeClr val="tx1"/>
-            </a:solidFill>
-          </a:ln>
-        </p:spPr>
-        <p:style>
-          <a:lnRef idx="2">
-            <a:schemeClr val="accent1">
-              <a:shade val="50000"/>
-            </a:schemeClr>
-          </a:lnRef>
-          <a:fillRef idx="1">
-            <a:schemeClr val="accent1"/>
-          </a:fillRef>
-          <a:effectRef idx="0">
-            <a:schemeClr val="accent1"/>
-          </a:effectRef>
-          <a:fontRef idx="minor">
-            <a:schemeClr val="lt1"/>
-          </a:fontRef>
-        </p:style>
-        <p:txBody>
-          <a:bodyPr rtlCol="0" anchor="ctr"/>
-          <a:lstStyle/>
-          <a:p>
-            <a:pPr algn="ctr"/>
-            <a:r>
-              <a:rPr lang="sr-Latn-RS" sz="2800" dirty="0">
-                <a:solidFill>
-                  <a:schemeClr val="tx1"/>
-                </a:solidFill>
-              </a:rPr>
-              <a:t>Matrica kamere</a:t>
-            </a:r>
-            <a:endParaRPr lang="sr-Latn-RS" dirty="0">
-              <a:solidFill>
-                <a:schemeClr val="tx1"/>
-              </a:solidFill>
-            </a:endParaRPr>
-          </a:p>
-        </p:txBody>
-      </p:sp>
-      <p:sp>
-        <p:nvSpPr>
-          <p:cNvPr id="9" name="Rectangle 8">
-            <a:extLst>
-              <a:ext uri="{FF2B5EF4-FFF2-40B4-BE49-F238E27FC236}">
-                <a16:creationId xmlns:a16="http://schemas.microsoft.com/office/drawing/2014/main" id="{49C7098E-01CC-4C59-812A-4E38A4EFF98B}"/>
-              </a:ext>
-            </a:extLst>
-          </p:cNvPr>
-          <p:cNvSpPr/>
-          <p:nvPr/>
-        </p:nvSpPr>
-        <p:spPr>
-          <a:xfrm>
-            <a:off x="498985" y="4729395"/>
-            <a:ext cx="2064776" cy="1446464"/>
-          </a:xfrm>
-          <a:prstGeom prst="rect">
-            <a:avLst/>
-          </a:prstGeom>
-          <a:noFill/>
-          <a:ln w="57150">
-            <a:solidFill>
-              <a:schemeClr val="tx1"/>
-            </a:solidFill>
-          </a:ln>
-        </p:spPr>
-        <p:style>
-          <a:lnRef idx="2">
-            <a:schemeClr val="accent1">
-              <a:shade val="50000"/>
-            </a:schemeClr>
-          </a:lnRef>
-          <a:fillRef idx="1">
-            <a:schemeClr val="accent1"/>
-          </a:fillRef>
-          <a:effectRef idx="0">
-            <a:schemeClr val="accent1"/>
-          </a:effectRef>
-          <a:fontRef idx="minor">
-            <a:schemeClr val="lt1"/>
-          </a:fontRef>
-        </p:style>
-        <p:txBody>
-          <a:bodyPr rtlCol="0" anchor="ctr"/>
-          <a:lstStyle/>
-          <a:p>
-            <a:pPr algn="ctr"/>
-            <a:r>
-              <a:rPr lang="sr-Latn-RS" sz="2800" dirty="0">
-                <a:solidFill>
-                  <a:schemeClr val="tx1"/>
-                </a:solidFill>
-                <a:latin typeface="Tahoma" panose="020B0604030504040204" pitchFamily="34" charset="0"/>
-                <a:ea typeface="Tahoma" panose="020B0604030504040204" pitchFamily="34" charset="0"/>
-                <a:cs typeface="Tahoma" panose="020B0604030504040204" pitchFamily="34" charset="0"/>
-              </a:rPr>
-              <a:t>Kalibracija kamere</a:t>
-            </a:r>
-          </a:p>
-        </p:txBody>
-      </p:sp>
       <p:cxnSp>
         <p:nvCxnSpPr>
           <p:cNvPr id="12" name="Straight Arrow Connector 11">
             <a:extLst>
               <a:ext uri="{FF2B5EF4-FFF2-40B4-BE49-F238E27FC236}">
-                <a16:creationId xmlns:a16="http://schemas.microsoft.com/office/drawing/2014/main" id="{A3B47ACF-07E7-44C2-B8D6-1ACCA4F16536}"/>
+                <a16:creationId xmlns:a16="http://schemas.microsoft.com/office/drawing/2014/main" xmlns="" id="{A3B47ACF-07E7-44C2-B8D6-1ACCA4F16536}"/>
               </a:ext>
             </a:extLst>
           </p:cNvPr>
@@ -9020,7 +9218,7 @@
           <p:cNvPr id="15" name="Straight Connector 14">
             <a:extLst>
               <a:ext uri="{FF2B5EF4-FFF2-40B4-BE49-F238E27FC236}">
-                <a16:creationId xmlns:a16="http://schemas.microsoft.com/office/drawing/2014/main" id="{FC1C624E-3088-4DCE-9B7D-625955B85490}"/>
+                <a16:creationId xmlns:a16="http://schemas.microsoft.com/office/drawing/2014/main" xmlns="" id="{FC1C624E-3088-4DCE-9B7D-625955B85490}"/>
               </a:ext>
             </a:extLst>
           </p:cNvPr>
@@ -9058,26 +9256,766 @@
           </a:fontRef>
         </p:style>
       </p:cxnSp>
+      <p:grpSp>
+        <p:nvGrpSpPr>
+          <p:cNvPr id="3" name="Group 2"/>
+          <p:cNvGrpSpPr/>
+          <p:nvPr/>
+        </p:nvGrpSpPr>
+        <p:grpSpPr>
+          <a:xfrm>
+            <a:off x="498985" y="4729395"/>
+            <a:ext cx="8316950" cy="1446464"/>
+            <a:chOff x="498985" y="4729395"/>
+            <a:chExt cx="8316950" cy="1446464"/>
+          </a:xfrm>
+        </p:grpSpPr>
+        <p:sp>
+          <p:nvSpPr>
+            <p:cNvPr id="8" name="Parallelogram 7">
+              <a:extLst>
+                <a:ext uri="{FF2B5EF4-FFF2-40B4-BE49-F238E27FC236}">
+                  <a16:creationId xmlns:a16="http://schemas.microsoft.com/office/drawing/2014/main" xmlns="" id="{1E01F96C-3E4A-4BB7-8871-AD3D82A279CC}"/>
+                </a:ext>
+              </a:extLst>
+            </p:cNvPr>
+            <p:cNvSpPr/>
+            <p:nvPr/>
+          </p:nvSpPr>
+          <p:spPr>
+            <a:xfrm>
+              <a:off x="3727894" y="4873138"/>
+              <a:ext cx="5088041" cy="1158977"/>
+            </a:xfrm>
+            <a:prstGeom prst="parallelogram">
+              <a:avLst/>
+            </a:prstGeom>
+            <a:noFill/>
+            <a:ln w="57150">
+              <a:solidFill>
+                <a:schemeClr val="tx1"/>
+              </a:solidFill>
+            </a:ln>
+          </p:spPr>
+          <p:style>
+            <a:lnRef idx="2">
+              <a:schemeClr val="accent1">
+                <a:shade val="50000"/>
+              </a:schemeClr>
+            </a:lnRef>
+            <a:fillRef idx="1">
+              <a:schemeClr val="accent1"/>
+            </a:fillRef>
+            <a:effectRef idx="0">
+              <a:schemeClr val="accent1"/>
+            </a:effectRef>
+            <a:fontRef idx="minor">
+              <a:schemeClr val="lt1"/>
+            </a:fontRef>
+          </p:style>
+          <p:txBody>
+            <a:bodyPr rtlCol="0" anchor="ctr"/>
+            <a:lstStyle/>
+            <a:p>
+              <a:pPr algn="ctr"/>
+              <a:r>
+                <a:rPr lang="sr-Latn-RS" sz="2800" dirty="0">
+                  <a:solidFill>
+                    <a:schemeClr val="tx1"/>
+                  </a:solidFill>
+                  <a:latin typeface="Tahoma" panose="020B0604030504040204" pitchFamily="34" charset="0"/>
+                  <a:ea typeface="Tahoma" panose="020B0604030504040204" pitchFamily="34" charset="0"/>
+                  <a:cs typeface="Tahoma" panose="020B0604030504040204" pitchFamily="34" charset="0"/>
+                </a:rPr>
+                <a:t>Matrica kamere</a:t>
+              </a:r>
+              <a:endParaRPr lang="sr-Latn-RS" dirty="0">
+                <a:solidFill>
+                  <a:schemeClr val="tx1"/>
+                </a:solidFill>
+                <a:latin typeface="Tahoma" panose="020B0604030504040204" pitchFamily="34" charset="0"/>
+                <a:ea typeface="Tahoma" panose="020B0604030504040204" pitchFamily="34" charset="0"/>
+                <a:cs typeface="Tahoma" panose="020B0604030504040204" pitchFamily="34" charset="0"/>
+              </a:endParaRPr>
+            </a:p>
+          </p:txBody>
+        </p:sp>
+        <p:sp>
+          <p:nvSpPr>
+            <p:cNvPr id="9" name="Rectangle 8">
+              <a:extLst>
+                <a:ext uri="{FF2B5EF4-FFF2-40B4-BE49-F238E27FC236}">
+                  <a16:creationId xmlns:a16="http://schemas.microsoft.com/office/drawing/2014/main" xmlns="" id="{49C7098E-01CC-4C59-812A-4E38A4EFF98B}"/>
+                </a:ext>
+              </a:extLst>
+            </p:cNvPr>
+            <p:cNvSpPr/>
+            <p:nvPr/>
+          </p:nvSpPr>
+          <p:spPr>
+            <a:xfrm>
+              <a:off x="498985" y="4729395"/>
+              <a:ext cx="2064776" cy="1446464"/>
+            </a:xfrm>
+            <a:prstGeom prst="rect">
+              <a:avLst/>
+            </a:prstGeom>
+            <a:noFill/>
+            <a:ln w="57150">
+              <a:solidFill>
+                <a:schemeClr val="tx1"/>
+              </a:solidFill>
+            </a:ln>
+          </p:spPr>
+          <p:style>
+            <a:lnRef idx="2">
+              <a:schemeClr val="accent1">
+                <a:shade val="50000"/>
+              </a:schemeClr>
+            </a:lnRef>
+            <a:fillRef idx="1">
+              <a:schemeClr val="accent1"/>
+            </a:fillRef>
+            <a:effectRef idx="0">
+              <a:schemeClr val="accent1"/>
+            </a:effectRef>
+            <a:fontRef idx="minor">
+              <a:schemeClr val="lt1"/>
+            </a:fontRef>
+          </p:style>
+          <p:txBody>
+            <a:bodyPr rtlCol="0" anchor="ctr"/>
+            <a:lstStyle/>
+            <a:p>
+              <a:pPr algn="ctr"/>
+              <a:r>
+                <a:rPr lang="sr-Latn-RS" sz="2800" dirty="0">
+                  <a:solidFill>
+                    <a:schemeClr val="tx1"/>
+                  </a:solidFill>
+                  <a:latin typeface="Tahoma" panose="020B0604030504040204" pitchFamily="34" charset="0"/>
+                  <a:ea typeface="Tahoma" panose="020B0604030504040204" pitchFamily="34" charset="0"/>
+                  <a:cs typeface="Tahoma" panose="020B0604030504040204" pitchFamily="34" charset="0"/>
+                </a:rPr>
+                <a:t>Kalibracija kamere</a:t>
+              </a:r>
+            </a:p>
+          </p:txBody>
+        </p:sp>
+        <p:cxnSp>
+          <p:nvCxnSpPr>
+            <p:cNvPr id="19" name="Straight Arrow Connector 18">
+              <a:extLst>
+                <a:ext uri="{FF2B5EF4-FFF2-40B4-BE49-F238E27FC236}">
+                  <a16:creationId xmlns:a16="http://schemas.microsoft.com/office/drawing/2014/main" xmlns="" id="{E872559F-DE45-4E71-AB58-B9D38F9B9D44}"/>
+                </a:ext>
+              </a:extLst>
+            </p:cNvPr>
+            <p:cNvCxnSpPr>
+              <a:cxnSpLocks/>
+              <a:stCxn id="9" idx="3"/>
+              <a:endCxn id="8" idx="5"/>
+            </p:cNvCxnSpPr>
+            <p:nvPr/>
+          </p:nvCxnSpPr>
+          <p:spPr>
+            <a:xfrm>
+              <a:off x="2563761" y="5452627"/>
+              <a:ext cx="1309005" cy="0"/>
+            </a:xfrm>
+            <a:prstGeom prst="straightConnector1">
+              <a:avLst/>
+            </a:prstGeom>
+            <a:ln w="57150">
+              <a:solidFill>
+                <a:schemeClr val="tx1"/>
+              </a:solidFill>
+              <a:tailEnd type="triangle"/>
+            </a:ln>
+          </p:spPr>
+          <p:style>
+            <a:lnRef idx="1">
+              <a:schemeClr val="accent1"/>
+            </a:lnRef>
+            <a:fillRef idx="0">
+              <a:schemeClr val="accent1"/>
+            </a:fillRef>
+            <a:effectRef idx="0">
+              <a:schemeClr val="accent1"/>
+            </a:effectRef>
+            <a:fontRef idx="minor">
+              <a:schemeClr val="tx1"/>
+            </a:fontRef>
+          </p:style>
+        </p:cxnSp>
+      </p:grpSp>
+      <p:grpSp>
+        <p:nvGrpSpPr>
+          <p:cNvPr id="7" name="Group 6"/>
+          <p:cNvGrpSpPr/>
+          <p:nvPr/>
+        </p:nvGrpSpPr>
+        <p:grpSpPr>
+          <a:xfrm>
+            <a:off x="8671060" y="1341685"/>
+            <a:ext cx="3520941" cy="4110942"/>
+            <a:chOff x="8671060" y="1341685"/>
+            <a:chExt cx="3520941" cy="4110942"/>
+          </a:xfrm>
+        </p:grpSpPr>
+        <p:cxnSp>
+          <p:nvCxnSpPr>
+            <p:cNvPr id="25" name="Straight Arrow Connector 24">
+              <a:extLst>
+                <a:ext uri="{FF2B5EF4-FFF2-40B4-BE49-F238E27FC236}">
+                  <a16:creationId xmlns:a16="http://schemas.microsoft.com/office/drawing/2014/main" xmlns="" id="{F6FFB64C-9FD5-4590-9248-DE46F4840A36}"/>
+                </a:ext>
+              </a:extLst>
+            </p:cNvPr>
+            <p:cNvCxnSpPr>
+              <a:cxnSpLocks/>
+            </p:cNvCxnSpPr>
+            <p:nvPr/>
+          </p:nvCxnSpPr>
+          <p:spPr>
+            <a:xfrm>
+              <a:off x="9586452" y="1341685"/>
+              <a:ext cx="0" cy="1982453"/>
+            </a:xfrm>
+            <a:prstGeom prst="straightConnector1">
+              <a:avLst/>
+            </a:prstGeom>
+            <a:ln w="57150">
+              <a:solidFill>
+                <a:schemeClr val="tx1"/>
+              </a:solidFill>
+              <a:tailEnd type="triangle"/>
+            </a:ln>
+          </p:spPr>
+          <p:style>
+            <a:lnRef idx="1">
+              <a:schemeClr val="accent1"/>
+            </a:lnRef>
+            <a:fillRef idx="0">
+              <a:schemeClr val="accent1"/>
+            </a:fillRef>
+            <a:effectRef idx="0">
+              <a:schemeClr val="accent1"/>
+            </a:effectRef>
+            <a:fontRef idx="minor">
+              <a:schemeClr val="tx1"/>
+            </a:fontRef>
+          </p:style>
+        </p:cxnSp>
+        <p:cxnSp>
+          <p:nvCxnSpPr>
+            <p:cNvPr id="26" name="Straight Arrow Connector 25">
+              <a:extLst>
+                <a:ext uri="{FF2B5EF4-FFF2-40B4-BE49-F238E27FC236}">
+                  <a16:creationId xmlns:a16="http://schemas.microsoft.com/office/drawing/2014/main" xmlns="" id="{65872F9F-3C5C-46D4-BB1B-ED2E27F4B865}"/>
+                </a:ext>
+              </a:extLst>
+            </p:cNvPr>
+            <p:cNvCxnSpPr>
+              <a:cxnSpLocks/>
+              <a:stCxn id="5" idx="2"/>
+            </p:cNvCxnSpPr>
+            <p:nvPr/>
+          </p:nvCxnSpPr>
+          <p:spPr>
+            <a:xfrm>
+              <a:off x="8671060" y="3324139"/>
+              <a:ext cx="2567211" cy="25669"/>
+            </a:xfrm>
+            <a:prstGeom prst="straightConnector1">
+              <a:avLst/>
+            </a:prstGeom>
+            <a:ln w="57150">
+              <a:solidFill>
+                <a:schemeClr val="tx1"/>
+              </a:solidFill>
+              <a:tailEnd type="triangle"/>
+            </a:ln>
+          </p:spPr>
+          <p:style>
+            <a:lnRef idx="1">
+              <a:schemeClr val="accent1"/>
+            </a:lnRef>
+            <a:fillRef idx="0">
+              <a:schemeClr val="accent1"/>
+            </a:fillRef>
+            <a:effectRef idx="0">
+              <a:schemeClr val="accent1"/>
+            </a:effectRef>
+            <a:fontRef idx="minor">
+              <a:schemeClr val="tx1"/>
+            </a:fontRef>
+          </p:style>
+        </p:cxnSp>
+        <p:cxnSp>
+          <p:nvCxnSpPr>
+            <p:cNvPr id="33" name="Straight Connector 32">
+              <a:extLst>
+                <a:ext uri="{FF2B5EF4-FFF2-40B4-BE49-F238E27FC236}">
+                  <a16:creationId xmlns:a16="http://schemas.microsoft.com/office/drawing/2014/main" xmlns="" id="{5B3A0810-BBC9-4DA4-BE7B-940139772EA2}"/>
+                </a:ext>
+              </a:extLst>
+            </p:cNvPr>
+            <p:cNvCxnSpPr>
+              <a:cxnSpLocks/>
+              <a:endCxn id="4" idx="2"/>
+            </p:cNvCxnSpPr>
+            <p:nvPr/>
+          </p:nvCxnSpPr>
+          <p:spPr>
+            <a:xfrm flipH="1">
+              <a:off x="8671061" y="1341685"/>
+              <a:ext cx="915391" cy="1"/>
+            </a:xfrm>
+            <a:prstGeom prst="line">
+              <a:avLst/>
+            </a:prstGeom>
+            <a:ln w="57150">
+              <a:solidFill>
+                <a:schemeClr val="tx1"/>
+              </a:solidFill>
+            </a:ln>
+          </p:spPr>
+          <p:style>
+            <a:lnRef idx="1">
+              <a:schemeClr val="accent1"/>
+            </a:lnRef>
+            <a:fillRef idx="0">
+              <a:schemeClr val="accent1"/>
+            </a:fillRef>
+            <a:effectRef idx="0">
+              <a:schemeClr val="accent1"/>
+            </a:effectRef>
+            <a:fontRef idx="minor">
+              <a:schemeClr val="tx1"/>
+            </a:fontRef>
+          </p:style>
+        </p:cxnSp>
+        <p:cxnSp>
+          <p:nvCxnSpPr>
+            <p:cNvPr id="29" name="Straight Connector 28">
+              <a:extLst>
+                <a:ext uri="{FF2B5EF4-FFF2-40B4-BE49-F238E27FC236}">
+                  <a16:creationId xmlns:a16="http://schemas.microsoft.com/office/drawing/2014/main" xmlns="" id="{BCA45F55-D73E-4197-B76B-104BBC26283F}"/>
+                </a:ext>
+              </a:extLst>
+            </p:cNvPr>
+            <p:cNvCxnSpPr>
+              <a:cxnSpLocks/>
+              <a:endCxn id="8" idx="2"/>
+            </p:cNvCxnSpPr>
+            <p:nvPr/>
+          </p:nvCxnSpPr>
+          <p:spPr>
+            <a:xfrm flipH="1">
+              <a:off x="8671063" y="5452626"/>
+              <a:ext cx="915389" cy="1"/>
+            </a:xfrm>
+            <a:prstGeom prst="line">
+              <a:avLst/>
+            </a:prstGeom>
+            <a:ln w="57150">
+              <a:solidFill>
+                <a:schemeClr val="tx1"/>
+              </a:solidFill>
+            </a:ln>
+          </p:spPr>
+          <p:style>
+            <a:lnRef idx="1">
+              <a:schemeClr val="accent1"/>
+            </a:lnRef>
+            <a:fillRef idx="0">
+              <a:schemeClr val="accent1"/>
+            </a:fillRef>
+            <a:effectRef idx="0">
+              <a:schemeClr val="accent1"/>
+            </a:effectRef>
+            <a:fontRef idx="minor">
+              <a:schemeClr val="tx1"/>
+            </a:fontRef>
+          </p:style>
+        </p:cxnSp>
+        <p:cxnSp>
+          <p:nvCxnSpPr>
+            <p:cNvPr id="41" name="Straight Arrow Connector 40">
+              <a:extLst>
+                <a:ext uri="{FF2B5EF4-FFF2-40B4-BE49-F238E27FC236}">
+                  <a16:creationId xmlns:a16="http://schemas.microsoft.com/office/drawing/2014/main" xmlns="" id="{7D5B9C3B-52BC-4726-B816-A951F7EA152C}"/>
+                </a:ext>
+              </a:extLst>
+            </p:cNvPr>
+            <p:cNvCxnSpPr>
+              <a:cxnSpLocks/>
+            </p:cNvCxnSpPr>
+            <p:nvPr/>
+          </p:nvCxnSpPr>
+          <p:spPr>
+            <a:xfrm flipV="1">
+              <a:off x="9586452" y="3349808"/>
+              <a:ext cx="0" cy="2102818"/>
+            </a:xfrm>
+            <a:prstGeom prst="straightConnector1">
+              <a:avLst/>
+            </a:prstGeom>
+            <a:ln w="57150">
+              <a:solidFill>
+                <a:schemeClr val="tx1"/>
+              </a:solidFill>
+              <a:tailEnd type="triangle"/>
+            </a:ln>
+          </p:spPr>
+          <p:style>
+            <a:lnRef idx="1">
+              <a:schemeClr val="accent1"/>
+            </a:lnRef>
+            <a:fillRef idx="0">
+              <a:schemeClr val="accent1"/>
+            </a:fillRef>
+            <a:effectRef idx="0">
+              <a:schemeClr val="accent1"/>
+            </a:effectRef>
+            <a:fontRef idx="minor">
+              <a:schemeClr val="tx1"/>
+            </a:fontRef>
+          </p:style>
+        </p:cxnSp>
+        <p:cxnSp>
+          <p:nvCxnSpPr>
+            <p:cNvPr id="46" name="Straight Connector 45">
+              <a:extLst>
+                <a:ext uri="{FF2B5EF4-FFF2-40B4-BE49-F238E27FC236}">
+                  <a16:creationId xmlns:a16="http://schemas.microsoft.com/office/drawing/2014/main" xmlns="" id="{510C2D48-71ED-478A-8F76-54C5479A5175}"/>
+                </a:ext>
+              </a:extLst>
+            </p:cNvPr>
+            <p:cNvCxnSpPr>
+              <a:cxnSpLocks/>
+            </p:cNvCxnSpPr>
+            <p:nvPr/>
+          </p:nvCxnSpPr>
+          <p:spPr>
+            <a:xfrm flipH="1" flipV="1">
+              <a:off x="10127226" y="3336973"/>
+              <a:ext cx="2064775" cy="12835"/>
+            </a:xfrm>
+            <a:prstGeom prst="line">
+              <a:avLst/>
+            </a:prstGeom>
+            <a:ln w="57150">
+              <a:solidFill>
+                <a:schemeClr val="tx1"/>
+              </a:solidFill>
+            </a:ln>
+          </p:spPr>
+          <p:style>
+            <a:lnRef idx="1">
+              <a:schemeClr val="accent1"/>
+            </a:lnRef>
+            <a:fillRef idx="0">
+              <a:schemeClr val="accent1"/>
+            </a:fillRef>
+            <a:effectRef idx="0">
+              <a:schemeClr val="accent1"/>
+            </a:effectRef>
+            <a:fontRef idx="minor">
+              <a:schemeClr val="tx1"/>
+            </a:fontRef>
+          </p:style>
+        </p:cxnSp>
+      </p:grpSp>
+    </p:spTree>
+    <p:extLst>
+      <p:ext uri="{BB962C8B-B14F-4D97-AF65-F5344CB8AC3E}">
+        <p14:creationId xmlns:p14="http://schemas.microsoft.com/office/powerpoint/2010/main" val="523310114"/>
+      </p:ext>
+    </p:extLst>
+  </p:cSld>
+  <p:clrMapOvr>
+    <a:masterClrMapping/>
+  </p:clrMapOvr>
+  <mc:AlternateContent xmlns:mc="http://schemas.openxmlformats.org/markup-compatibility/2006" xmlns:p14="http://schemas.microsoft.com/office/powerpoint/2010/main">
+    <mc:Choice Requires="p14">
+      <p:transition spd="slow" p14:dur="1300">
+        <p14:pan/>
+      </p:transition>
+    </mc:Choice>
+    <mc:Fallback xmlns="">
+      <p:transition spd="slow">
+        <p:fade/>
+      </p:transition>
+    </mc:Fallback>
+  </mc:AlternateContent>
+  <p:timing>
+    <p:tnLst>
+      <p:par>
+        <p:cTn id="1" dur="indefinite" restart="never" nodeType="tmRoot">
+          <p:childTnLst>
+            <p:seq concurrent="1" nextAc="seek">
+              <p:cTn id="2" dur="indefinite" nodeType="mainSeq">
+                <p:childTnLst>
+                  <p:par>
+                    <p:cTn id="3" fill="hold">
+                      <p:stCondLst>
+                        <p:cond delay="indefinite"/>
+                      </p:stCondLst>
+                      <p:childTnLst>
+                        <p:par>
+                          <p:cTn id="4" fill="hold">
+                            <p:stCondLst>
+                              <p:cond delay="0"/>
+                            </p:stCondLst>
+                            <p:childTnLst>
+                              <p:par>
+                                <p:cTn id="5" presetID="10" presetClass="entr" presetSubtype="0" fill="hold" nodeType="clickEffect">
+                                  <p:stCondLst>
+                                    <p:cond delay="0"/>
+                                  </p:stCondLst>
+                                  <p:childTnLst>
+                                    <p:set>
+                                      <p:cBhvr>
+                                        <p:cTn id="6" dur="1" fill="hold">
+                                          <p:stCondLst>
+                                            <p:cond delay="0"/>
+                                          </p:stCondLst>
+                                        </p:cTn>
+                                        <p:tgtEl>
+                                          <p:spTgt spid="3"/>
+                                        </p:tgtEl>
+                                        <p:attrNameLst>
+                                          <p:attrName>style.visibility</p:attrName>
+                                        </p:attrNameLst>
+                                      </p:cBhvr>
+                                      <p:to>
+                                        <p:strVal val="visible"/>
+                                      </p:to>
+                                    </p:set>
+                                    <p:animEffect transition="in" filter="fade">
+                                      <p:cBhvr>
+                                        <p:cTn id="7" dur="500"/>
+                                        <p:tgtEl>
+                                          <p:spTgt spid="3"/>
+                                        </p:tgtEl>
+                                      </p:cBhvr>
+                                    </p:animEffect>
+                                  </p:childTnLst>
+                                </p:cTn>
+                              </p:par>
+                            </p:childTnLst>
+                          </p:cTn>
+                        </p:par>
+                      </p:childTnLst>
+                    </p:cTn>
+                  </p:par>
+                  <p:par>
+                    <p:cTn id="8" fill="hold">
+                      <p:stCondLst>
+                        <p:cond delay="indefinite"/>
+                      </p:stCondLst>
+                      <p:childTnLst>
+                        <p:par>
+                          <p:cTn id="9" fill="hold">
+                            <p:stCondLst>
+                              <p:cond delay="0"/>
+                            </p:stCondLst>
+                            <p:childTnLst>
+                              <p:par>
+                                <p:cTn id="10" presetID="10" presetClass="entr" presetSubtype="0" fill="hold" nodeType="clickEffect">
+                                  <p:stCondLst>
+                                    <p:cond delay="0"/>
+                                  </p:stCondLst>
+                                  <p:childTnLst>
+                                    <p:set>
+                                      <p:cBhvr>
+                                        <p:cTn id="11" dur="1" fill="hold">
+                                          <p:stCondLst>
+                                            <p:cond delay="0"/>
+                                          </p:stCondLst>
+                                        </p:cTn>
+                                        <p:tgtEl>
+                                          <p:spTgt spid="7"/>
+                                        </p:tgtEl>
+                                        <p:attrNameLst>
+                                          <p:attrName>style.visibility</p:attrName>
+                                        </p:attrNameLst>
+                                      </p:cBhvr>
+                                      <p:to>
+                                        <p:strVal val="visible"/>
+                                      </p:to>
+                                    </p:set>
+                                    <p:animEffect transition="in" filter="fade">
+                                      <p:cBhvr>
+                                        <p:cTn id="12" dur="500"/>
+                                        <p:tgtEl>
+                                          <p:spTgt spid="7"/>
+                                        </p:tgtEl>
+                                      </p:cBhvr>
+                                    </p:animEffect>
+                                  </p:childTnLst>
+                                </p:cTn>
+                              </p:par>
+                            </p:childTnLst>
+                          </p:cTn>
+                        </p:par>
+                      </p:childTnLst>
+                    </p:cTn>
+                  </p:par>
+                </p:childTnLst>
+              </p:cTn>
+              <p:prevCondLst>
+                <p:cond evt="onPrev" delay="0">
+                  <p:tgtEl>
+                    <p:sldTgt/>
+                  </p:tgtEl>
+                </p:cond>
+              </p:prevCondLst>
+              <p:nextCondLst>
+                <p:cond evt="onNext" delay="0">
+                  <p:tgtEl>
+                    <p:sldTgt/>
+                  </p:tgtEl>
+                </p:cond>
+              </p:nextCondLst>
+            </p:seq>
+          </p:childTnLst>
+        </p:cTn>
+      </p:par>
+    </p:tnLst>
+  </p:timing>
+</p:sld>
+</file>
+
+<file path=ppt/slides/slide6.xml><?xml version="1.0" encoding="utf-8"?>
+<p:sld xmlns:a="http://schemas.openxmlformats.org/drawingml/2006/main" xmlns:r="http://schemas.openxmlformats.org/officeDocument/2006/relationships" xmlns:p="http://schemas.openxmlformats.org/presentationml/2006/main">
+  <p:cSld>
+    <p:spTree>
+      <p:nvGrpSpPr>
+        <p:cNvPr id="1" name=""/>
+        <p:cNvGrpSpPr/>
+        <p:nvPr/>
+      </p:nvGrpSpPr>
+      <p:grpSpPr>
+        <a:xfrm>
+          <a:off x="0" y="0"/>
+          <a:ext cx="0" cy="0"/>
+          <a:chOff x="0" y="0"/>
+          <a:chExt cx="0" cy="0"/>
+        </a:xfrm>
+      </p:grpSpPr>
+      <p:sp>
+        <p:nvSpPr>
+          <p:cNvPr id="4" name="Parallelogram 3">
+            <a:extLst>
+              <a:ext uri="{FF2B5EF4-FFF2-40B4-BE49-F238E27FC236}">
+                <a16:creationId xmlns:a16="http://schemas.microsoft.com/office/drawing/2014/main" xmlns="" id="{0E919038-C07C-4E64-BD8A-7DF2F350392D}"/>
+              </a:ext>
+            </a:extLst>
+          </p:cNvPr>
+          <p:cNvSpPr/>
+          <p:nvPr/>
+        </p:nvSpPr>
+        <p:spPr>
+          <a:xfrm>
+            <a:off x="6604822" y="648674"/>
+            <a:ext cx="5088041" cy="1158977"/>
+          </a:xfrm>
+          <a:prstGeom prst="parallelogram">
+            <a:avLst/>
+          </a:prstGeom>
+          <a:noFill/>
+          <a:ln w="57150">
+            <a:solidFill>
+              <a:schemeClr val="tx1"/>
+            </a:solidFill>
+          </a:ln>
+        </p:spPr>
+        <p:style>
+          <a:lnRef idx="2">
+            <a:schemeClr val="accent1">
+              <a:shade val="50000"/>
+            </a:schemeClr>
+          </a:lnRef>
+          <a:fillRef idx="1">
+            <a:schemeClr val="accent1"/>
+          </a:fillRef>
+          <a:effectRef idx="0">
+            <a:schemeClr val="accent1"/>
+          </a:effectRef>
+          <a:fontRef idx="minor">
+            <a:schemeClr val="lt1"/>
+          </a:fontRef>
+        </p:style>
+        <p:txBody>
+          <a:bodyPr rtlCol="0" anchor="ctr"/>
+          <a:lstStyle/>
+          <a:p>
+            <a:pPr algn="ctr"/>
+            <a:r>
+              <a:rPr lang="en-US" sz="2800" dirty="0" err="1" smtClean="0">
+                <a:solidFill>
+                  <a:schemeClr val="tx1"/>
+                </a:solidFill>
+                <a:latin typeface="Tahoma" panose="020B0604030504040204" pitchFamily="34" charset="0"/>
+                <a:ea typeface="Tahoma" panose="020B0604030504040204" pitchFamily="34" charset="0"/>
+                <a:cs typeface="Tahoma" panose="020B0604030504040204" pitchFamily="34" charset="0"/>
+              </a:rPr>
+              <a:t>Pozicija</a:t>
+            </a:r>
+            <a:r>
+              <a:rPr lang="en-US" sz="2800" dirty="0" smtClean="0">
+                <a:solidFill>
+                  <a:schemeClr val="tx1"/>
+                </a:solidFill>
+                <a:latin typeface="Tahoma" panose="020B0604030504040204" pitchFamily="34" charset="0"/>
+                <a:ea typeface="Tahoma" panose="020B0604030504040204" pitchFamily="34" charset="0"/>
+                <a:cs typeface="Tahoma" panose="020B0604030504040204" pitchFamily="34" charset="0"/>
+              </a:rPr>
+              <a:t> </a:t>
+            </a:r>
+            <a:r>
+              <a:rPr lang="en-US" sz="2800" dirty="0" err="1" smtClean="0">
+                <a:solidFill>
+                  <a:schemeClr val="tx1"/>
+                </a:solidFill>
+                <a:latin typeface="Tahoma" panose="020B0604030504040204" pitchFamily="34" charset="0"/>
+                <a:ea typeface="Tahoma" panose="020B0604030504040204" pitchFamily="34" charset="0"/>
+                <a:cs typeface="Tahoma" panose="020B0604030504040204" pitchFamily="34" charset="0"/>
+              </a:rPr>
+              <a:t>kamere</a:t>
+            </a:r>
+            <a:endParaRPr lang="sr-Latn-RS" dirty="0">
+              <a:solidFill>
+                <a:schemeClr val="tx1"/>
+              </a:solidFill>
+              <a:latin typeface="Tahoma" panose="020B0604030504040204" pitchFamily="34" charset="0"/>
+              <a:ea typeface="Tahoma" panose="020B0604030504040204" pitchFamily="34" charset="0"/>
+              <a:cs typeface="Tahoma" panose="020B0604030504040204" pitchFamily="34" charset="0"/>
+            </a:endParaRPr>
+          </a:p>
+        </p:txBody>
+      </p:sp>
       <p:cxnSp>
         <p:nvCxnSpPr>
-          <p:cNvPr id="19" name="Straight Arrow Connector 18">
-            <a:extLst>
-              <a:ext uri="{FF2B5EF4-FFF2-40B4-BE49-F238E27FC236}">
-                <a16:creationId xmlns:a16="http://schemas.microsoft.com/office/drawing/2014/main" id="{E872559F-DE45-4E71-AB58-B9D38F9B9D44}"/>
+          <p:cNvPr id="6" name="Straight Arrow Connector 5">
+            <a:extLst>
+              <a:ext uri="{FF2B5EF4-FFF2-40B4-BE49-F238E27FC236}">
+                <a16:creationId xmlns:a16="http://schemas.microsoft.com/office/drawing/2014/main" xmlns="" id="{BB510B7D-BF9C-49EC-9E8D-474633DAF51D}"/>
               </a:ext>
             </a:extLst>
           </p:cNvPr>
           <p:cNvCxnSpPr>
             <a:cxnSpLocks/>
-            <a:stCxn id="9" idx="3"/>
-            <a:endCxn id="8" idx="5"/>
           </p:cNvCxnSpPr>
           <p:nvPr/>
         </p:nvCxnSpPr>
         <p:spPr>
-          <a:xfrm>
-            <a:off x="2563761" y="5452627"/>
-            <a:ext cx="1309005" cy="0"/>
+          <a:xfrm flipV="1">
+            <a:off x="0" y="3349808"/>
+            <a:ext cx="1794933" cy="1299"/>
           </a:xfrm>
           <a:prstGeom prst="straightConnector1">
             <a:avLst/>
@@ -9106,22 +10044,23 @@
       </p:cxnSp>
       <p:cxnSp>
         <p:nvCxnSpPr>
-          <p:cNvPr id="25" name="Straight Arrow Connector 24">
-            <a:extLst>
-              <a:ext uri="{FF2B5EF4-FFF2-40B4-BE49-F238E27FC236}">
-                <a16:creationId xmlns:a16="http://schemas.microsoft.com/office/drawing/2014/main" id="{F6FFB64C-9FD5-4590-9248-DE46F4840A36}"/>
+          <p:cNvPr id="12" name="Straight Arrow Connector 11">
+            <a:extLst>
+              <a:ext uri="{FF2B5EF4-FFF2-40B4-BE49-F238E27FC236}">
+                <a16:creationId xmlns:a16="http://schemas.microsoft.com/office/drawing/2014/main" xmlns="" id="{A3B47ACF-07E7-44C2-B8D6-1ACCA4F16536}"/>
               </a:ext>
             </a:extLst>
           </p:cNvPr>
           <p:cNvCxnSpPr>
             <a:cxnSpLocks/>
+            <a:endCxn id="4" idx="3"/>
           </p:cNvCxnSpPr>
           <p:nvPr/>
         </p:nvCxnSpPr>
         <p:spPr>
-          <a:xfrm>
-            <a:off x="9586452" y="1341685"/>
-            <a:ext cx="0" cy="1982453"/>
+          <a:xfrm flipV="1">
+            <a:off x="8276155" y="1807651"/>
+            <a:ext cx="727815" cy="1542157"/>
           </a:xfrm>
           <a:prstGeom prst="straightConnector1">
             <a:avLst/>
@@ -9148,70 +10087,197 @@
           </a:fontRef>
         </p:style>
       </p:cxnSp>
-      <p:cxnSp>
-        <p:nvCxnSpPr>
-          <p:cNvPr id="26" name="Straight Arrow Connector 25">
-            <a:extLst>
-              <a:ext uri="{FF2B5EF4-FFF2-40B4-BE49-F238E27FC236}">
-                <a16:creationId xmlns:a16="http://schemas.microsoft.com/office/drawing/2014/main" id="{65872F9F-3C5C-46D4-BB1B-ED2E27F4B865}"/>
-              </a:ext>
-            </a:extLst>
-          </p:cNvPr>
-          <p:cNvCxnSpPr>
-            <a:cxnSpLocks/>
-            <a:stCxn id="5" idx="2"/>
-          </p:cNvCxnSpPr>
+      <p:sp>
+        <p:nvSpPr>
+          <p:cNvPr id="18" name="Rectangle 17">
+            <a:extLst>
+              <a:ext uri="{FF2B5EF4-FFF2-40B4-BE49-F238E27FC236}">
+                <a16:creationId xmlns:a16="http://schemas.microsoft.com/office/drawing/2014/main" xmlns="" id="{49C7098E-01CC-4C59-812A-4E38A4EFF98B}"/>
+              </a:ext>
+            </a:extLst>
+          </p:cNvPr>
+          <p:cNvSpPr/>
           <p:nvPr/>
-        </p:nvCxnSpPr>
+        </p:nvSpPr>
         <p:spPr>
           <a:xfrm>
-            <a:off x="8671060" y="3324139"/>
-            <a:ext cx="2567211" cy="25669"/>
+            <a:off x="1828799" y="2257778"/>
+            <a:ext cx="3341512" cy="2088444"/>
           </a:xfrm>
-          <a:prstGeom prst="straightConnector1">
+          <a:prstGeom prst="rect">
             <a:avLst/>
           </a:prstGeom>
+          <a:noFill/>
           <a:ln w="57150">
             <a:solidFill>
               <a:schemeClr val="tx1"/>
             </a:solidFill>
-            <a:tailEnd type="triangle"/>
           </a:ln>
         </p:spPr>
         <p:style>
-          <a:lnRef idx="1">
-            <a:schemeClr val="accent1"/>
+          <a:lnRef idx="2">
+            <a:schemeClr val="accent1">
+              <a:shade val="50000"/>
+            </a:schemeClr>
           </a:lnRef>
-          <a:fillRef idx="0">
+          <a:fillRef idx="1">
             <a:schemeClr val="accent1"/>
           </a:fillRef>
           <a:effectRef idx="0">
             <a:schemeClr val="accent1"/>
           </a:effectRef>
           <a:fontRef idx="minor">
-            <a:schemeClr val="tx1"/>
+            <a:schemeClr val="lt1"/>
           </a:fontRef>
         </p:style>
-      </p:cxnSp>
+        <p:txBody>
+          <a:bodyPr rtlCol="0" anchor="ctr"/>
+          <a:lstStyle/>
+          <a:p>
+            <a:pPr algn="ctr"/>
+            <a:r>
+              <a:rPr lang="en-US" sz="2800" dirty="0" err="1" smtClean="0">
+                <a:solidFill>
+                  <a:schemeClr val="tx1"/>
+                </a:solidFill>
+                <a:latin typeface="Tahoma" panose="020B0604030504040204" pitchFamily="34" charset="0"/>
+                <a:ea typeface="Tahoma" panose="020B0604030504040204" pitchFamily="34" charset="0"/>
+                <a:cs typeface="Tahoma" panose="020B0604030504040204" pitchFamily="34" charset="0"/>
+              </a:rPr>
+              <a:t>SolvePNP</a:t>
+            </a:r>
+            <a:r>
+              <a:rPr lang="en-US" sz="2800" dirty="0" smtClean="0">
+                <a:solidFill>
+                  <a:schemeClr val="tx1"/>
+                </a:solidFill>
+                <a:latin typeface="Tahoma" panose="020B0604030504040204" pitchFamily="34" charset="0"/>
+                <a:ea typeface="Tahoma" panose="020B0604030504040204" pitchFamily="34" charset="0"/>
+                <a:cs typeface="Tahoma" panose="020B0604030504040204" pitchFamily="34" charset="0"/>
+              </a:rPr>
+              <a:t> </a:t>
+            </a:r>
+            <a:endParaRPr lang="sr-Latn-RS" sz="2800" dirty="0">
+              <a:solidFill>
+                <a:schemeClr val="tx1"/>
+              </a:solidFill>
+              <a:latin typeface="Tahoma" panose="020B0604030504040204" pitchFamily="34" charset="0"/>
+              <a:ea typeface="Tahoma" panose="020B0604030504040204" pitchFamily="34" charset="0"/>
+              <a:cs typeface="Tahoma" panose="020B0604030504040204" pitchFamily="34" charset="0"/>
+            </a:endParaRPr>
+          </a:p>
+        </p:txBody>
+      </p:sp>
+      <p:sp>
+        <p:nvSpPr>
+          <p:cNvPr id="20" name="Parallelogram 19">
+            <a:extLst>
+              <a:ext uri="{FF2B5EF4-FFF2-40B4-BE49-F238E27FC236}">
+                <a16:creationId xmlns:a16="http://schemas.microsoft.com/office/drawing/2014/main" xmlns="" id="{0E919038-C07C-4E64-BD8A-7DF2F350392D}"/>
+              </a:ext>
+            </a:extLst>
+          </p:cNvPr>
+          <p:cNvSpPr/>
+          <p:nvPr/>
+        </p:nvSpPr>
+        <p:spPr>
+          <a:xfrm>
+            <a:off x="6604822" y="4955823"/>
+            <a:ext cx="5088041" cy="1158977"/>
+          </a:xfrm>
+          <a:prstGeom prst="parallelogram">
+            <a:avLst/>
+          </a:prstGeom>
+          <a:noFill/>
+          <a:ln w="57150">
+            <a:solidFill>
+              <a:schemeClr val="tx1"/>
+            </a:solidFill>
+          </a:ln>
+        </p:spPr>
+        <p:style>
+          <a:lnRef idx="2">
+            <a:schemeClr val="accent1">
+              <a:shade val="50000"/>
+            </a:schemeClr>
+          </a:lnRef>
+          <a:fillRef idx="1">
+            <a:schemeClr val="accent1"/>
+          </a:fillRef>
+          <a:effectRef idx="0">
+            <a:schemeClr val="accent1"/>
+          </a:effectRef>
+          <a:fontRef idx="minor">
+            <a:schemeClr val="lt1"/>
+          </a:fontRef>
+        </p:style>
+        <p:txBody>
+          <a:bodyPr rtlCol="0" anchor="ctr"/>
+          <a:lstStyle/>
+          <a:p>
+            <a:pPr algn="ctr"/>
+            <a:r>
+              <a:rPr lang="en-US" sz="2800" dirty="0" err="1" smtClean="0">
+                <a:solidFill>
+                  <a:schemeClr val="tx1"/>
+                </a:solidFill>
+                <a:latin typeface="Tahoma" panose="020B0604030504040204" pitchFamily="34" charset="0"/>
+                <a:ea typeface="Tahoma" panose="020B0604030504040204" pitchFamily="34" charset="0"/>
+                <a:cs typeface="Tahoma" panose="020B0604030504040204" pitchFamily="34" charset="0"/>
+              </a:rPr>
+              <a:t>Orijentacija</a:t>
+            </a:r>
+            <a:r>
+              <a:rPr lang="en-US" sz="2800" dirty="0" smtClean="0">
+                <a:solidFill>
+                  <a:schemeClr val="tx1"/>
+                </a:solidFill>
+                <a:latin typeface="Tahoma" panose="020B0604030504040204" pitchFamily="34" charset="0"/>
+                <a:ea typeface="Tahoma" panose="020B0604030504040204" pitchFamily="34" charset="0"/>
+                <a:cs typeface="Tahoma" panose="020B0604030504040204" pitchFamily="34" charset="0"/>
+              </a:rPr>
+              <a:t> </a:t>
+            </a:r>
+            <a:r>
+              <a:rPr lang="en-US" sz="2800" dirty="0" err="1" smtClean="0">
+                <a:solidFill>
+                  <a:schemeClr val="tx1"/>
+                </a:solidFill>
+                <a:latin typeface="Tahoma" panose="020B0604030504040204" pitchFamily="34" charset="0"/>
+                <a:ea typeface="Tahoma" panose="020B0604030504040204" pitchFamily="34" charset="0"/>
+                <a:cs typeface="Tahoma" panose="020B0604030504040204" pitchFamily="34" charset="0"/>
+              </a:rPr>
+              <a:t>kamere</a:t>
+            </a:r>
+            <a:endParaRPr lang="sr-Latn-RS" dirty="0">
+              <a:solidFill>
+                <a:schemeClr val="tx1"/>
+              </a:solidFill>
+              <a:latin typeface="Tahoma" panose="020B0604030504040204" pitchFamily="34" charset="0"/>
+              <a:ea typeface="Tahoma" panose="020B0604030504040204" pitchFamily="34" charset="0"/>
+              <a:cs typeface="Tahoma" panose="020B0604030504040204" pitchFamily="34" charset="0"/>
+            </a:endParaRPr>
+          </a:p>
+        </p:txBody>
+      </p:sp>
       <p:cxnSp>
         <p:nvCxnSpPr>
-          <p:cNvPr id="29" name="Straight Connector 28">
-            <a:extLst>
-              <a:ext uri="{FF2B5EF4-FFF2-40B4-BE49-F238E27FC236}">
-                <a16:creationId xmlns:a16="http://schemas.microsoft.com/office/drawing/2014/main" id="{BCA45F55-D73E-4197-B76B-104BBC26283F}"/>
+          <p:cNvPr id="24" name="Straight Connector 23">
+            <a:extLst>
+              <a:ext uri="{FF2B5EF4-FFF2-40B4-BE49-F238E27FC236}">
+                <a16:creationId xmlns:a16="http://schemas.microsoft.com/office/drawing/2014/main" xmlns="" id="{BF465AC2-CF11-4F5C-9F33-FF6117ED0E87}"/>
               </a:ext>
             </a:extLst>
           </p:cNvPr>
           <p:cNvCxnSpPr>
             <a:cxnSpLocks/>
-            <a:endCxn id="8" idx="2"/>
           </p:cNvCxnSpPr>
           <p:nvPr/>
         </p:nvCxnSpPr>
         <p:spPr>
-          <a:xfrm flipH="1">
-            <a:off x="8671063" y="5452626"/>
-            <a:ext cx="915389" cy="1"/>
+          <a:xfrm>
+            <a:off x="5204177" y="3349808"/>
+            <a:ext cx="3071978" cy="0"/>
           </a:xfrm>
           <a:prstGeom prst="line">
             <a:avLst/>
@@ -9239,66 +10305,23 @@
       </p:cxnSp>
       <p:cxnSp>
         <p:nvCxnSpPr>
-          <p:cNvPr id="33" name="Straight Connector 32">
-            <a:extLst>
-              <a:ext uri="{FF2B5EF4-FFF2-40B4-BE49-F238E27FC236}">
-                <a16:creationId xmlns:a16="http://schemas.microsoft.com/office/drawing/2014/main" id="{5B3A0810-BBC9-4DA4-BE7B-940139772EA2}"/>
+          <p:cNvPr id="31" name="Straight Arrow Connector 30">
+            <a:extLst>
+              <a:ext uri="{FF2B5EF4-FFF2-40B4-BE49-F238E27FC236}">
+                <a16:creationId xmlns:a16="http://schemas.microsoft.com/office/drawing/2014/main" xmlns="" id="{A3B47ACF-07E7-44C2-B8D6-1ACCA4F16536}"/>
               </a:ext>
             </a:extLst>
           </p:cNvPr>
           <p:cNvCxnSpPr>
             <a:cxnSpLocks/>
-            <a:endCxn id="4" idx="2"/>
+            <a:endCxn id="20" idx="0"/>
           </p:cNvCxnSpPr>
           <p:nvPr/>
         </p:nvCxnSpPr>
         <p:spPr>
-          <a:xfrm flipH="1">
-            <a:off x="8671061" y="1341685"/>
-            <a:ext cx="915391" cy="1"/>
-          </a:xfrm>
-          <a:prstGeom prst="line">
-            <a:avLst/>
-          </a:prstGeom>
-          <a:ln w="57150">
-            <a:solidFill>
-              <a:schemeClr val="tx1"/>
-            </a:solidFill>
-          </a:ln>
-        </p:spPr>
-        <p:style>
-          <a:lnRef idx="1">
-            <a:schemeClr val="accent1"/>
-          </a:lnRef>
-          <a:fillRef idx="0">
-            <a:schemeClr val="accent1"/>
-          </a:fillRef>
-          <a:effectRef idx="0">
-            <a:schemeClr val="accent1"/>
-          </a:effectRef>
-          <a:fontRef idx="minor">
-            <a:schemeClr val="tx1"/>
-          </a:fontRef>
-        </p:style>
-      </p:cxnSp>
-      <p:cxnSp>
-        <p:nvCxnSpPr>
-          <p:cNvPr id="41" name="Straight Arrow Connector 40">
-            <a:extLst>
-              <a:ext uri="{FF2B5EF4-FFF2-40B4-BE49-F238E27FC236}">
-                <a16:creationId xmlns:a16="http://schemas.microsoft.com/office/drawing/2014/main" id="{7D5B9C3B-52BC-4726-B816-A951F7EA152C}"/>
-              </a:ext>
-            </a:extLst>
-          </p:cNvPr>
-          <p:cNvCxnSpPr>
-            <a:cxnSpLocks/>
-          </p:cNvCxnSpPr>
-          <p:nvPr/>
-        </p:nvCxnSpPr>
-        <p:spPr>
-          <a:xfrm flipV="1">
-            <a:off x="9586452" y="3349808"/>
-            <a:ext cx="0" cy="2102818"/>
+          <a:xfrm>
+            <a:off x="8276156" y="3282075"/>
+            <a:ext cx="872687" cy="1673748"/>
           </a:xfrm>
           <a:prstGeom prst="straightConnector1">
             <a:avLst/>
@@ -9325,75 +10348,259 @@
           </a:fontRef>
         </p:style>
       </p:cxnSp>
-      <p:cxnSp>
-        <p:nvCxnSpPr>
-          <p:cNvPr id="46" name="Straight Connector 45">
-            <a:extLst>
-              <a:ext uri="{FF2B5EF4-FFF2-40B4-BE49-F238E27FC236}">
-                <a16:creationId xmlns:a16="http://schemas.microsoft.com/office/drawing/2014/main" id="{510C2D48-71ED-478A-8F76-54C5479A5175}"/>
-              </a:ext>
-            </a:extLst>
-          </p:cNvPr>
-          <p:cNvCxnSpPr>
-            <a:cxnSpLocks/>
-          </p:cNvCxnSpPr>
-          <p:nvPr/>
-        </p:nvCxnSpPr>
-        <p:spPr>
-          <a:xfrm flipH="1" flipV="1">
-            <a:off x="10127226" y="3336973"/>
-            <a:ext cx="2064775" cy="12835"/>
-          </a:xfrm>
-          <a:prstGeom prst="line">
-            <a:avLst/>
-          </a:prstGeom>
-          <a:ln w="57150">
-            <a:solidFill>
-              <a:schemeClr val="tx1"/>
-            </a:solidFill>
-          </a:ln>
-        </p:spPr>
-        <p:style>
-          <a:lnRef idx="1">
-            <a:schemeClr val="accent1"/>
-          </a:lnRef>
-          <a:fillRef idx="0">
-            <a:schemeClr val="accent1"/>
-          </a:fillRef>
-          <a:effectRef idx="0">
-            <a:schemeClr val="accent1"/>
-          </a:effectRef>
-          <a:fontRef idx="minor">
-            <a:schemeClr val="tx1"/>
-          </a:fontRef>
-        </p:style>
-      </p:cxnSp>
     </p:spTree>
     <p:extLst>
       <p:ext uri="{BB962C8B-B14F-4D97-AF65-F5344CB8AC3E}">
-        <p14:creationId xmlns:p14="http://schemas.microsoft.com/office/powerpoint/2010/main" val="523310114"/>
+        <p14:creationId xmlns:p14="http://schemas.microsoft.com/office/powerpoint/2010/main" val="546319516"/>
       </p:ext>
     </p:extLst>
   </p:cSld>
   <p:clrMapOvr>
     <a:masterClrMapping/>
   </p:clrMapOvr>
-  <mc:AlternateContent xmlns:mc="http://schemas.openxmlformats.org/markup-compatibility/2006">
-    <mc:Choice xmlns:p14="http://schemas.microsoft.com/office/powerpoint/2010/main" Requires="p14">
+  <mc:AlternateContent xmlns:mc="http://schemas.openxmlformats.org/markup-compatibility/2006" xmlns:p14="http://schemas.microsoft.com/office/powerpoint/2010/main">
+    <mc:Choice Requires="p14">
       <p:transition spd="slow" p14:dur="1300">
         <p14:pan/>
       </p:transition>
     </mc:Choice>
-    <mc:Fallback>
+    <mc:Fallback xmlns="">
       <p:transition spd="slow">
         <p:fade/>
       </p:transition>
     </mc:Fallback>
   </mc:AlternateContent>
+  <p:timing>
+    <p:tnLst>
+      <p:par>
+        <p:cTn id="1" dur="indefinite" restart="never" nodeType="tmRoot">
+          <p:childTnLst>
+            <p:seq concurrent="1" nextAc="seek">
+              <p:cTn id="2" dur="indefinite" nodeType="mainSeq">
+                <p:childTnLst>
+                  <p:par>
+                    <p:cTn id="3" fill="hold">
+                      <p:stCondLst>
+                        <p:cond delay="indefinite"/>
+                      </p:stCondLst>
+                      <p:childTnLst>
+                        <p:par>
+                          <p:cTn id="4" fill="hold">
+                            <p:stCondLst>
+                              <p:cond delay="0"/>
+                            </p:stCondLst>
+                            <p:childTnLst>
+                              <p:par>
+                                <p:cTn id="5" presetID="10" presetClass="entr" presetSubtype="0" fill="hold" nodeType="clickEffect">
+                                  <p:stCondLst>
+                                    <p:cond delay="0"/>
+                                  </p:stCondLst>
+                                  <p:childTnLst>
+                                    <p:set>
+                                      <p:cBhvr>
+                                        <p:cTn id="6" dur="1" fill="hold">
+                                          <p:stCondLst>
+                                            <p:cond delay="0"/>
+                                          </p:stCondLst>
+                                        </p:cTn>
+                                        <p:tgtEl>
+                                          <p:spTgt spid="24"/>
+                                        </p:tgtEl>
+                                        <p:attrNameLst>
+                                          <p:attrName>style.visibility</p:attrName>
+                                        </p:attrNameLst>
+                                      </p:cBhvr>
+                                      <p:to>
+                                        <p:strVal val="visible"/>
+                                      </p:to>
+                                    </p:set>
+                                    <p:animEffect transition="in" filter="fade">
+                                      <p:cBhvr>
+                                        <p:cTn id="7" dur="500"/>
+                                        <p:tgtEl>
+                                          <p:spTgt spid="24"/>
+                                        </p:tgtEl>
+                                      </p:cBhvr>
+                                    </p:animEffect>
+                                  </p:childTnLst>
+                                </p:cTn>
+                              </p:par>
+                              <p:par>
+                                <p:cTn id="8" presetID="10" presetClass="entr" presetSubtype="0" fill="hold" nodeType="withEffect">
+                                  <p:stCondLst>
+                                    <p:cond delay="0"/>
+                                  </p:stCondLst>
+                                  <p:childTnLst>
+                                    <p:set>
+                                      <p:cBhvr>
+                                        <p:cTn id="9" dur="1" fill="hold">
+                                          <p:stCondLst>
+                                            <p:cond delay="0"/>
+                                          </p:stCondLst>
+                                        </p:cTn>
+                                        <p:tgtEl>
+                                          <p:spTgt spid="12"/>
+                                        </p:tgtEl>
+                                        <p:attrNameLst>
+                                          <p:attrName>style.visibility</p:attrName>
+                                        </p:attrNameLst>
+                                      </p:cBhvr>
+                                      <p:to>
+                                        <p:strVal val="visible"/>
+                                      </p:to>
+                                    </p:set>
+                                    <p:animEffect transition="in" filter="fade">
+                                      <p:cBhvr>
+                                        <p:cTn id="10" dur="500"/>
+                                        <p:tgtEl>
+                                          <p:spTgt spid="12"/>
+                                        </p:tgtEl>
+                                      </p:cBhvr>
+                                    </p:animEffect>
+                                  </p:childTnLst>
+                                </p:cTn>
+                              </p:par>
+                              <p:par>
+                                <p:cTn id="11" presetID="10" presetClass="entr" presetSubtype="0" fill="hold" nodeType="withEffect">
+                                  <p:stCondLst>
+                                    <p:cond delay="0"/>
+                                  </p:stCondLst>
+                                  <p:childTnLst>
+                                    <p:set>
+                                      <p:cBhvr>
+                                        <p:cTn id="12" dur="1" fill="hold">
+                                          <p:stCondLst>
+                                            <p:cond delay="0"/>
+                                          </p:stCondLst>
+                                        </p:cTn>
+                                        <p:tgtEl>
+                                          <p:spTgt spid="31"/>
+                                        </p:tgtEl>
+                                        <p:attrNameLst>
+                                          <p:attrName>style.visibility</p:attrName>
+                                        </p:attrNameLst>
+                                      </p:cBhvr>
+                                      <p:to>
+                                        <p:strVal val="visible"/>
+                                      </p:to>
+                                    </p:set>
+                                    <p:animEffect transition="in" filter="fade">
+                                      <p:cBhvr>
+                                        <p:cTn id="13" dur="500"/>
+                                        <p:tgtEl>
+                                          <p:spTgt spid="31"/>
+                                        </p:tgtEl>
+                                      </p:cBhvr>
+                                    </p:animEffect>
+                                  </p:childTnLst>
+                                </p:cTn>
+                              </p:par>
+                              <p:par>
+                                <p:cTn id="14" presetID="10" presetClass="entr" presetSubtype="0" fill="hold" grpId="0" nodeType="withEffect">
+                                  <p:stCondLst>
+                                    <p:cond delay="0"/>
+                                  </p:stCondLst>
+                                  <p:childTnLst>
+                                    <p:set>
+                                      <p:cBhvr>
+                                        <p:cTn id="15" dur="1" fill="hold">
+                                          <p:stCondLst>
+                                            <p:cond delay="0"/>
+                                          </p:stCondLst>
+                                        </p:cTn>
+                                        <p:tgtEl>
+                                          <p:spTgt spid="4"/>
+                                        </p:tgtEl>
+                                        <p:attrNameLst>
+                                          <p:attrName>style.visibility</p:attrName>
+                                        </p:attrNameLst>
+                                      </p:cBhvr>
+                                      <p:to>
+                                        <p:strVal val="visible"/>
+                                      </p:to>
+                                    </p:set>
+                                    <p:animEffect transition="in" filter="fade">
+                                      <p:cBhvr>
+                                        <p:cTn id="16" dur="500"/>
+                                        <p:tgtEl>
+                                          <p:spTgt spid="4"/>
+                                        </p:tgtEl>
+                                      </p:cBhvr>
+                                    </p:animEffect>
+                                  </p:childTnLst>
+                                </p:cTn>
+                              </p:par>
+                              <p:par>
+                                <p:cTn id="17" presetID="10" presetClass="entr" presetSubtype="0" fill="hold" grpId="0" nodeType="withEffect">
+                                  <p:stCondLst>
+                                    <p:cond delay="0"/>
+                                  </p:stCondLst>
+                                  <p:childTnLst>
+                                    <p:set>
+                                      <p:cBhvr>
+                                        <p:cTn id="18" dur="1" fill="hold">
+                                          <p:stCondLst>
+                                            <p:cond delay="0"/>
+                                          </p:stCondLst>
+                                        </p:cTn>
+                                        <p:tgtEl>
+                                          <p:spTgt spid="20"/>
+                                        </p:tgtEl>
+                                        <p:attrNameLst>
+                                          <p:attrName>style.visibility</p:attrName>
+                                        </p:attrNameLst>
+                                      </p:cBhvr>
+                                      <p:to>
+                                        <p:strVal val="visible"/>
+                                      </p:to>
+                                    </p:set>
+                                    <p:animEffect transition="in" filter="fade">
+                                      <p:cBhvr>
+                                        <p:cTn id="19" dur="500"/>
+                                        <p:tgtEl>
+                                          <p:spTgt spid="20"/>
+                                        </p:tgtEl>
+                                      </p:cBhvr>
+                                    </p:animEffect>
+                                  </p:childTnLst>
+                                </p:cTn>
+                              </p:par>
+                            </p:childTnLst>
+                          </p:cTn>
+                        </p:par>
+                      </p:childTnLst>
+                    </p:cTn>
+                  </p:par>
+                </p:childTnLst>
+              </p:cTn>
+              <p:prevCondLst>
+                <p:cond evt="onPrev" delay="0">
+                  <p:tgtEl>
+                    <p:sldTgt/>
+                  </p:tgtEl>
+                </p:cond>
+              </p:prevCondLst>
+              <p:nextCondLst>
+                <p:cond evt="onNext" delay="0">
+                  <p:tgtEl>
+                    <p:sldTgt/>
+                  </p:tgtEl>
+                </p:cond>
+              </p:nextCondLst>
+            </p:seq>
+          </p:childTnLst>
+        </p:cTn>
+      </p:par>
+    </p:tnLst>
+    <p:bldLst>
+      <p:bldP spid="4" grpId="0" animBg="1"/>
+      <p:bldP spid="20" grpId="0" animBg="1"/>
+    </p:bldLst>
+  </p:timing>
 </p:sld>
 </file>
 
-<file path=ppt/slides/slide6.xml><?xml version="1.0" encoding="utf-8"?>
+<file path=ppt/slides/slide7.xml><?xml version="1.0" encoding="utf-8"?>
 <p:sld xmlns:a="http://schemas.openxmlformats.org/drawingml/2006/main" xmlns:r="http://schemas.openxmlformats.org/officeDocument/2006/relationships" xmlns:p="http://schemas.openxmlformats.org/presentationml/2006/main">
   <p:cSld>
     <p:spTree>
@@ -9415,7 +10622,7 @@
           <p:cNvPr id="2" name="Title 1">
             <a:extLst>
               <a:ext uri="{FF2B5EF4-FFF2-40B4-BE49-F238E27FC236}">
-                <a16:creationId xmlns:a16="http://schemas.microsoft.com/office/drawing/2014/main" id="{88C6F4D8-9449-49AB-A587-144E92FA4DA3}"/>
+                <a16:creationId xmlns:a16="http://schemas.microsoft.com/office/drawing/2014/main" xmlns="" id="{88C6F4D8-9449-49AB-A587-144E92FA4DA3}"/>
               </a:ext>
             </a:extLst>
           </p:cNvPr>
@@ -9454,7 +10661,7 @@
           <p:cNvPr id="6" name="Group 5">
             <a:extLst>
               <a:ext uri="{FF2B5EF4-FFF2-40B4-BE49-F238E27FC236}">
-                <a16:creationId xmlns:a16="http://schemas.microsoft.com/office/drawing/2014/main" id="{3F42A9CC-B8DE-4784-9AEE-9E04B0621B0B}"/>
+                <a16:creationId xmlns:a16="http://schemas.microsoft.com/office/drawing/2014/main" xmlns="" id="{3F42A9CC-B8DE-4784-9AEE-9E04B0621B0B}"/>
               </a:ext>
             </a:extLst>
           </p:cNvPr>
@@ -9474,7 +10681,7 @@
             <p:cNvPr id="38" name="Rectangle 37">
               <a:extLst>
                 <a:ext uri="{FF2B5EF4-FFF2-40B4-BE49-F238E27FC236}">
-                  <a16:creationId xmlns:a16="http://schemas.microsoft.com/office/drawing/2014/main" id="{946759B1-1329-477F-B6C5-1DCA0E739AF5}"/>
+                  <a16:creationId xmlns:a16="http://schemas.microsoft.com/office/drawing/2014/main" xmlns="" id="{946759B1-1329-477F-B6C5-1DCA0E739AF5}"/>
                 </a:ext>
               </a:extLst>
             </p:cNvPr>
@@ -9526,7 +10733,7 @@
             <p:cNvPr id="40" name="Rectangle 39">
               <a:extLst>
                 <a:ext uri="{FF2B5EF4-FFF2-40B4-BE49-F238E27FC236}">
-                  <a16:creationId xmlns:a16="http://schemas.microsoft.com/office/drawing/2014/main" id="{455B7E21-D010-42BD-B3F0-8C591D5E77A0}"/>
+                  <a16:creationId xmlns:a16="http://schemas.microsoft.com/office/drawing/2014/main" xmlns="" id="{455B7E21-D010-42BD-B3F0-8C591D5E77A0}"/>
                 </a:ext>
               </a:extLst>
             </p:cNvPr>
@@ -9578,7 +10785,7 @@
             <p:cNvPr id="41" name="Rectangle 40">
               <a:extLst>
                 <a:ext uri="{FF2B5EF4-FFF2-40B4-BE49-F238E27FC236}">
-                  <a16:creationId xmlns:a16="http://schemas.microsoft.com/office/drawing/2014/main" id="{999ED670-AAEA-476E-9770-F2C1F203F71F}"/>
+                  <a16:creationId xmlns:a16="http://schemas.microsoft.com/office/drawing/2014/main" xmlns="" id="{999ED670-AAEA-476E-9770-F2C1F203F71F}"/>
                 </a:ext>
               </a:extLst>
             </p:cNvPr>
@@ -9630,7 +10837,7 @@
             <p:cNvPr id="42" name="Rectangle 41">
               <a:extLst>
                 <a:ext uri="{FF2B5EF4-FFF2-40B4-BE49-F238E27FC236}">
-                  <a16:creationId xmlns:a16="http://schemas.microsoft.com/office/drawing/2014/main" id="{03923603-5852-4C97-8710-6B669FE77A69}"/>
+                  <a16:creationId xmlns:a16="http://schemas.microsoft.com/office/drawing/2014/main" xmlns="" id="{03923603-5852-4C97-8710-6B669FE77A69}"/>
                 </a:ext>
               </a:extLst>
             </p:cNvPr>
@@ -9682,7 +10889,7 @@
             <p:cNvPr id="45" name="Rectangle 44">
               <a:extLst>
                 <a:ext uri="{FF2B5EF4-FFF2-40B4-BE49-F238E27FC236}">
-                  <a16:creationId xmlns:a16="http://schemas.microsoft.com/office/drawing/2014/main" id="{08E298AD-F732-4462-B1EF-CE23A6354F21}"/>
+                  <a16:creationId xmlns:a16="http://schemas.microsoft.com/office/drawing/2014/main" xmlns="" id="{08E298AD-F732-4462-B1EF-CE23A6354F21}"/>
                 </a:ext>
               </a:extLst>
             </p:cNvPr>
@@ -9734,7 +10941,7 @@
             <p:cNvPr id="46" name="Rectangle 45">
               <a:extLst>
                 <a:ext uri="{FF2B5EF4-FFF2-40B4-BE49-F238E27FC236}">
-                  <a16:creationId xmlns:a16="http://schemas.microsoft.com/office/drawing/2014/main" id="{90F78B0D-F1CF-4A75-A96A-EA2171A31BDC}"/>
+                  <a16:creationId xmlns:a16="http://schemas.microsoft.com/office/drawing/2014/main" xmlns="" id="{90F78B0D-F1CF-4A75-A96A-EA2171A31BDC}"/>
                 </a:ext>
               </a:extLst>
             </p:cNvPr>
@@ -9786,7 +10993,7 @@
             <p:cNvPr id="47" name="Rectangle 46">
               <a:extLst>
                 <a:ext uri="{FF2B5EF4-FFF2-40B4-BE49-F238E27FC236}">
-                  <a16:creationId xmlns:a16="http://schemas.microsoft.com/office/drawing/2014/main" id="{C3FFD86D-4869-4240-9D96-85DD247544E4}"/>
+                  <a16:creationId xmlns:a16="http://schemas.microsoft.com/office/drawing/2014/main" xmlns="" id="{C3FFD86D-4869-4240-9D96-85DD247544E4}"/>
                 </a:ext>
               </a:extLst>
             </p:cNvPr>
@@ -9838,7 +11045,7 @@
             <p:cNvPr id="48" name="Rectangle 47">
               <a:extLst>
                 <a:ext uri="{FF2B5EF4-FFF2-40B4-BE49-F238E27FC236}">
-                  <a16:creationId xmlns:a16="http://schemas.microsoft.com/office/drawing/2014/main" id="{CD1E4BE3-FD5A-4BBF-8B37-7D6FF9951CE7}"/>
+                  <a16:creationId xmlns:a16="http://schemas.microsoft.com/office/drawing/2014/main" xmlns="" id="{CD1E4BE3-FD5A-4BBF-8B37-7D6FF9951CE7}"/>
                 </a:ext>
               </a:extLst>
             </p:cNvPr>
@@ -9890,7 +11097,7 @@
             <p:cNvPr id="49" name="Rectangle 48">
               <a:extLst>
                 <a:ext uri="{FF2B5EF4-FFF2-40B4-BE49-F238E27FC236}">
-                  <a16:creationId xmlns:a16="http://schemas.microsoft.com/office/drawing/2014/main" id="{5F9B4A31-7936-43C8-B481-6DC4145569D8}"/>
+                  <a16:creationId xmlns:a16="http://schemas.microsoft.com/office/drawing/2014/main" xmlns="" id="{5F9B4A31-7936-43C8-B481-6DC4145569D8}"/>
                 </a:ext>
               </a:extLst>
             </p:cNvPr>
@@ -9942,7 +11149,7 @@
             <p:cNvPr id="50" name="Rectangle 49">
               <a:extLst>
                 <a:ext uri="{FF2B5EF4-FFF2-40B4-BE49-F238E27FC236}">
-                  <a16:creationId xmlns:a16="http://schemas.microsoft.com/office/drawing/2014/main" id="{0B902068-338D-45B3-A493-1931EB341C39}"/>
+                  <a16:creationId xmlns:a16="http://schemas.microsoft.com/office/drawing/2014/main" xmlns="" id="{0B902068-338D-45B3-A493-1931EB341C39}"/>
                 </a:ext>
               </a:extLst>
             </p:cNvPr>
@@ -10000,18 +11207,25 @@
   <p:clrMapOvr>
     <a:masterClrMapping/>
   </p:clrMapOvr>
-  <mc:AlternateContent xmlns:mc="http://schemas.openxmlformats.org/markup-compatibility/2006">
-    <mc:Choice xmlns:p14="http://schemas.microsoft.com/office/powerpoint/2010/main" Requires="p14">
+  <mc:AlternateContent xmlns:mc="http://schemas.openxmlformats.org/markup-compatibility/2006" xmlns:p14="http://schemas.microsoft.com/office/powerpoint/2010/main">
+    <mc:Choice Requires="p14">
       <p:transition spd="slow" p14:dur="1300">
         <p14:pan/>
       </p:transition>
     </mc:Choice>
-    <mc:Fallback>
+    <mc:Fallback xmlns="">
       <p:transition spd="slow">
         <p:fade/>
       </p:transition>
     </mc:Fallback>
   </mc:AlternateContent>
+  <p:timing>
+    <p:tnLst>
+      <p:par>
+        <p:cTn id="1" dur="indefinite" restart="never" nodeType="tmRoot"/>
+      </p:par>
+    </p:tnLst>
+  </p:timing>
 </p:sld>
 </file>
 
